--- a/Titanic 1.pptx
+++ b/Titanic 1.pptx
@@ -2,10 +2,10 @@
 <file path=ppt/presentation.xml><?xml version="1.0" encoding="utf-8"?>
 <p:presentation xmlns:a="http://schemas.openxmlformats.org/drawingml/2006/main" xmlns:r="http://schemas.openxmlformats.org/officeDocument/2006/relationships" xmlns:p="http://schemas.openxmlformats.org/presentationml/2006/main" removePersonalInfoOnSave="1" saveSubsetFonts="1" autoCompressPictures="0">
   <p:sldMasterIdLst>
-    <p:sldMasterId id="2147483648" r:id="rId4"/>
+    <p:sldMasterId id="2147483683" r:id="rId4"/>
   </p:sldMasterIdLst>
   <p:notesMasterIdLst>
-    <p:notesMasterId r:id="rId12"/>
+    <p:notesMasterId r:id="rId17"/>
   </p:notesMasterIdLst>
   <p:sldIdLst>
     <p:sldId id="283" r:id="rId5"/>
@@ -14,7 +14,12 @@
     <p:sldId id="286" r:id="rId8"/>
     <p:sldId id="287" r:id="rId9"/>
     <p:sldId id="289" r:id="rId10"/>
-    <p:sldId id="288" r:id="rId11"/>
+    <p:sldId id="290" r:id="rId11"/>
+    <p:sldId id="291" r:id="rId12"/>
+    <p:sldId id="292" r:id="rId13"/>
+    <p:sldId id="293" r:id="rId14"/>
+    <p:sldId id="294" r:id="rId15"/>
+    <p:sldId id="288" r:id="rId16"/>
   </p:sldIdLst>
   <p:sldSz cx="12192000" cy="6858000"/>
   <p:notesSz cx="6858000" cy="9144000"/>
@@ -124,6 +129,11 @@
             <p14:sldId id="286"/>
             <p14:sldId id="287"/>
             <p14:sldId id="289"/>
+            <p14:sldId id="290"/>
+            <p14:sldId id="291"/>
+            <p14:sldId id="292"/>
+            <p14:sldId id="293"/>
+            <p14:sldId id="294"/>
             <p14:sldId id="288"/>
           </p14:sldIdLst>
         </p14:section>
@@ -1748,12 +1758,12 @@
         </a:fontRef>
       </dsp:style>
       <dsp:txBody>
-        <a:bodyPr spcFirstLastPara="0" vert="horz" wrap="square" lIns="10795" tIns="10795" rIns="10795" bIns="10795" numCol="1" spcCol="1270" anchor="ctr" anchorCtr="0">
+        <a:bodyPr spcFirstLastPara="0" vert="horz" wrap="square" lIns="11430" tIns="11430" rIns="11430" bIns="11430" numCol="1" spcCol="1270" anchor="ctr" anchorCtr="0">
           <a:noAutofit/>
         </a:bodyPr>
         <a:lstStyle/>
         <a:p>
-          <a:pPr marL="0" lvl="0" indent="0" algn="ctr" defTabSz="755650">
+          <a:pPr marL="0" lvl="0" indent="0" algn="ctr" defTabSz="800100">
             <a:lnSpc>
               <a:spcPct val="90000"/>
             </a:lnSpc>
@@ -1766,7 +1776,7 @@
             <a:buNone/>
           </a:pPr>
           <a:r>
-            <a:rPr lang="en-US" sz="1700" kern="1200" dirty="0"/>
+            <a:rPr lang="en-US" sz="1800" kern="1200" dirty="0"/>
             <a:t>Data</a:t>
           </a:r>
         </a:p>
@@ -1909,12 +1919,12 @@
         </a:fontRef>
       </dsp:style>
       <dsp:txBody>
-        <a:bodyPr spcFirstLastPara="0" vert="horz" wrap="square" lIns="10795" tIns="10795" rIns="10795" bIns="10795" numCol="1" spcCol="1270" anchor="ctr" anchorCtr="0">
+        <a:bodyPr spcFirstLastPara="0" vert="horz" wrap="square" lIns="11430" tIns="11430" rIns="11430" bIns="11430" numCol="1" spcCol="1270" anchor="ctr" anchorCtr="0">
           <a:noAutofit/>
         </a:bodyPr>
         <a:lstStyle/>
         <a:p>
-          <a:pPr marL="0" lvl="0" indent="0" algn="ctr" defTabSz="755650">
+          <a:pPr marL="0" lvl="0" indent="0" algn="ctr" defTabSz="800100">
             <a:lnSpc>
               <a:spcPct val="90000"/>
             </a:lnSpc>
@@ -1927,7 +1937,7 @@
             <a:buNone/>
           </a:pPr>
           <a:r>
-            <a:rPr lang="en-US" sz="1700" kern="1200" dirty="0"/>
+            <a:rPr lang="en-US" sz="1800" kern="1200" dirty="0"/>
             <a:t>Linear Regression</a:t>
           </a:r>
         </a:p>
@@ -2070,12 +2080,12 @@
         </a:fontRef>
       </dsp:style>
       <dsp:txBody>
-        <a:bodyPr spcFirstLastPara="0" vert="horz" wrap="square" lIns="10795" tIns="10795" rIns="10795" bIns="10795" numCol="1" spcCol="1270" anchor="ctr" anchorCtr="0">
+        <a:bodyPr spcFirstLastPara="0" vert="horz" wrap="square" lIns="11430" tIns="11430" rIns="11430" bIns="11430" numCol="1" spcCol="1270" anchor="ctr" anchorCtr="0">
           <a:noAutofit/>
         </a:bodyPr>
         <a:lstStyle/>
         <a:p>
-          <a:pPr marL="0" lvl="0" indent="0" algn="ctr" defTabSz="755650">
+          <a:pPr marL="0" lvl="0" indent="0" algn="ctr" defTabSz="800100">
             <a:lnSpc>
               <a:spcPct val="90000"/>
             </a:lnSpc>
@@ -2088,7 +2098,7 @@
             <a:buNone/>
           </a:pPr>
           <a:r>
-            <a:rPr lang="en-US" sz="1700" kern="1200" dirty="0"/>
+            <a:rPr lang="en-US" sz="1800" kern="1200" dirty="0"/>
             <a:t>Find beta matrix</a:t>
           </a:r>
         </a:p>
@@ -2231,12 +2241,12 @@
         </a:fontRef>
       </dsp:style>
       <dsp:txBody>
-        <a:bodyPr spcFirstLastPara="0" vert="horz" wrap="square" lIns="10795" tIns="10795" rIns="10795" bIns="10795" numCol="1" spcCol="1270" anchor="ctr" anchorCtr="0">
+        <a:bodyPr spcFirstLastPara="0" vert="horz" wrap="square" lIns="11430" tIns="11430" rIns="11430" bIns="11430" numCol="1" spcCol="1270" anchor="ctr" anchorCtr="0">
           <a:noAutofit/>
         </a:bodyPr>
         <a:lstStyle/>
         <a:p>
-          <a:pPr marL="0" lvl="0" indent="0" algn="ctr" defTabSz="755650">
+          <a:pPr marL="0" lvl="0" indent="0" algn="ctr" defTabSz="800100">
             <a:lnSpc>
               <a:spcPct val="90000"/>
             </a:lnSpc>
@@ -2249,7 +2259,7 @@
             <a:buNone/>
           </a:pPr>
           <a:r>
-            <a:rPr lang="en-US" sz="1700" kern="1200" dirty="0"/>
+            <a:rPr lang="en-US" sz="1800" kern="1200" dirty="0"/>
             <a:t>Prediction</a:t>
           </a:r>
         </a:p>
@@ -2392,12 +2402,12 @@
         </a:fontRef>
       </dsp:style>
       <dsp:txBody>
-        <a:bodyPr spcFirstLastPara="0" vert="horz" wrap="square" lIns="10795" tIns="10795" rIns="10795" bIns="10795" numCol="1" spcCol="1270" anchor="ctr" anchorCtr="0">
+        <a:bodyPr spcFirstLastPara="0" vert="horz" wrap="square" lIns="11430" tIns="11430" rIns="11430" bIns="11430" numCol="1" spcCol="1270" anchor="ctr" anchorCtr="0">
           <a:noAutofit/>
         </a:bodyPr>
         <a:lstStyle/>
         <a:p>
-          <a:pPr marL="0" lvl="0" indent="0" algn="ctr" defTabSz="755650">
+          <a:pPr marL="0" lvl="0" indent="0" algn="ctr" defTabSz="800100">
             <a:lnSpc>
               <a:spcPct val="90000"/>
             </a:lnSpc>
@@ -2410,7 +2420,7 @@
             <a:buNone/>
           </a:pPr>
           <a:r>
-            <a:rPr lang="en-US" sz="1700" kern="1200" dirty="0"/>
+            <a:rPr lang="en-US" sz="1800" kern="1200" dirty="0"/>
             <a:t>PCA</a:t>
           </a:r>
         </a:p>
@@ -2553,12 +2563,12 @@
         </a:fontRef>
       </dsp:style>
       <dsp:txBody>
-        <a:bodyPr spcFirstLastPara="0" vert="horz" wrap="square" lIns="10795" tIns="10795" rIns="10795" bIns="10795" numCol="1" spcCol="1270" anchor="ctr" anchorCtr="0">
+        <a:bodyPr spcFirstLastPara="0" vert="horz" wrap="square" lIns="11430" tIns="11430" rIns="11430" bIns="11430" numCol="1" spcCol="1270" anchor="ctr" anchorCtr="0">
           <a:noAutofit/>
         </a:bodyPr>
         <a:lstStyle/>
         <a:p>
-          <a:pPr marL="0" lvl="0" indent="0" algn="ctr" defTabSz="755650">
+          <a:pPr marL="0" lvl="0" indent="0" algn="ctr" defTabSz="800100">
             <a:lnSpc>
               <a:spcPct val="90000"/>
             </a:lnSpc>
@@ -2571,10 +2581,10 @@
             <a:buNone/>
           </a:pPr>
           <a:r>
-            <a:rPr lang="en-US" sz="1700" kern="1200" dirty="0" err="1"/>
+            <a:rPr lang="en-US" sz="1800" kern="1200" dirty="0" err="1"/>
             <a:t>kNN</a:t>
           </a:r>
-          <a:endParaRPr lang="en-US" sz="1700" kern="1200" dirty="0"/>
+          <a:endParaRPr lang="en-US" sz="1800" kern="1200" dirty="0"/>
         </a:p>
       </dsp:txBody>
       <dsp:txXfrm>
@@ -2715,12 +2725,12 @@
         </a:fontRef>
       </dsp:style>
       <dsp:txBody>
-        <a:bodyPr spcFirstLastPara="0" vert="horz" wrap="square" lIns="10795" tIns="10795" rIns="10795" bIns="10795" numCol="1" spcCol="1270" anchor="ctr" anchorCtr="0">
+        <a:bodyPr spcFirstLastPara="0" vert="horz" wrap="square" lIns="11430" tIns="11430" rIns="11430" bIns="11430" numCol="1" spcCol="1270" anchor="ctr" anchorCtr="0">
           <a:noAutofit/>
         </a:bodyPr>
         <a:lstStyle/>
         <a:p>
-          <a:pPr marL="0" lvl="0" indent="0" algn="ctr" defTabSz="755650">
+          <a:pPr marL="0" lvl="0" indent="0" algn="ctr" defTabSz="800100">
             <a:lnSpc>
               <a:spcPct val="90000"/>
             </a:lnSpc>
@@ -2733,7 +2743,7 @@
             <a:buNone/>
           </a:pPr>
           <a:r>
-            <a:rPr lang="en-US" sz="1700" kern="1200" dirty="0"/>
+            <a:rPr lang="en-US" sz="1800" kern="1200" dirty="0"/>
             <a:t>Find k</a:t>
           </a:r>
         </a:p>
@@ -2876,12 +2886,12 @@
         </a:fontRef>
       </dsp:style>
       <dsp:txBody>
-        <a:bodyPr spcFirstLastPara="0" vert="horz" wrap="square" lIns="10795" tIns="10795" rIns="10795" bIns="10795" numCol="1" spcCol="1270" anchor="ctr" anchorCtr="0">
+        <a:bodyPr spcFirstLastPara="0" vert="horz" wrap="square" lIns="11430" tIns="11430" rIns="11430" bIns="11430" numCol="1" spcCol="1270" anchor="ctr" anchorCtr="0">
           <a:noAutofit/>
         </a:bodyPr>
         <a:lstStyle/>
         <a:p>
-          <a:pPr marL="0" lvl="0" indent="0" algn="ctr" defTabSz="755650">
+          <a:pPr marL="0" lvl="0" indent="0" algn="ctr" defTabSz="800100">
             <a:lnSpc>
               <a:spcPct val="90000"/>
             </a:lnSpc>
@@ -2894,10 +2904,10 @@
             <a:buNone/>
           </a:pPr>
           <a:r>
-            <a:rPr lang="en-US" sz="1700" kern="1200" dirty="0" err="1"/>
+            <a:rPr lang="en-US" sz="1800" kern="1200" dirty="0" err="1"/>
             <a:t>Kmean</a:t>
           </a:r>
-          <a:endParaRPr lang="en-US" sz="1700" kern="1200" dirty="0"/>
+          <a:endParaRPr lang="en-US" sz="1800" kern="1200" dirty="0"/>
         </a:p>
       </dsp:txBody>
       <dsp:txXfrm>
@@ -3038,12 +3048,12 @@
         </a:fontRef>
       </dsp:style>
       <dsp:txBody>
-        <a:bodyPr spcFirstLastPara="0" vert="horz" wrap="square" lIns="10795" tIns="10795" rIns="10795" bIns="10795" numCol="1" spcCol="1270" anchor="ctr" anchorCtr="0">
+        <a:bodyPr spcFirstLastPara="0" vert="horz" wrap="square" lIns="11430" tIns="11430" rIns="11430" bIns="11430" numCol="1" spcCol="1270" anchor="ctr" anchorCtr="0">
           <a:noAutofit/>
         </a:bodyPr>
         <a:lstStyle/>
         <a:p>
-          <a:pPr marL="0" lvl="0" indent="0" algn="ctr" defTabSz="755650">
+          <a:pPr marL="0" lvl="0" indent="0" algn="ctr" defTabSz="800100">
             <a:lnSpc>
               <a:spcPct val="90000"/>
             </a:lnSpc>
@@ -3056,7 +3066,7 @@
             <a:buNone/>
           </a:pPr>
           <a:r>
-            <a:rPr lang="en-US" sz="1700" kern="1200" dirty="0"/>
+            <a:rPr lang="en-US" sz="1800" kern="1200" dirty="0"/>
             <a:t>SVM</a:t>
           </a:r>
         </a:p>
@@ -3199,12 +3209,12 @@
         </a:fontRef>
       </dsp:style>
       <dsp:txBody>
-        <a:bodyPr spcFirstLastPara="0" vert="horz" wrap="square" lIns="10795" tIns="10795" rIns="10795" bIns="10795" numCol="1" spcCol="1270" anchor="ctr" anchorCtr="0">
+        <a:bodyPr spcFirstLastPara="0" vert="horz" wrap="square" lIns="11430" tIns="11430" rIns="11430" bIns="11430" numCol="1" spcCol="1270" anchor="ctr" anchorCtr="0">
           <a:noAutofit/>
         </a:bodyPr>
         <a:lstStyle/>
         <a:p>
-          <a:pPr marL="0" lvl="0" indent="0" algn="ctr" defTabSz="755650">
+          <a:pPr marL="0" lvl="0" indent="0" algn="ctr" defTabSz="800100">
             <a:lnSpc>
               <a:spcPct val="90000"/>
             </a:lnSpc>
@@ -3217,7 +3227,7 @@
             <a:buNone/>
           </a:pPr>
           <a:r>
-            <a:rPr lang="en-US" sz="1700" kern="1200" dirty="0"/>
+            <a:rPr lang="en-US" sz="1800" kern="1200" dirty="0"/>
             <a:t>Find kernel parameter</a:t>
           </a:r>
         </a:p>
@@ -3360,12 +3370,12 @@
         </a:fontRef>
       </dsp:style>
       <dsp:txBody>
-        <a:bodyPr spcFirstLastPara="0" vert="horz" wrap="square" lIns="10795" tIns="10795" rIns="10795" bIns="10795" numCol="1" spcCol="1270" anchor="ctr" anchorCtr="0">
+        <a:bodyPr spcFirstLastPara="0" vert="horz" wrap="square" lIns="11430" tIns="11430" rIns="11430" bIns="11430" numCol="1" spcCol="1270" anchor="ctr" anchorCtr="0">
           <a:noAutofit/>
         </a:bodyPr>
         <a:lstStyle/>
         <a:p>
-          <a:pPr marL="0" lvl="0" indent="0" algn="ctr" defTabSz="755650">
+          <a:pPr marL="0" lvl="0" indent="0" algn="ctr" defTabSz="800100">
             <a:lnSpc>
               <a:spcPct val="90000"/>
             </a:lnSpc>
@@ -3378,7 +3388,7 @@
             <a:buNone/>
           </a:pPr>
           <a:r>
-            <a:rPr lang="en-US" sz="1700" kern="1200" dirty="0"/>
+            <a:rPr lang="en-US" sz="1800" kern="1200" dirty="0"/>
             <a:t>Hierarchical clustering</a:t>
           </a:r>
         </a:p>
@@ -4828,7 +4838,7 @@
           <a:p>
             <a:fld id="{E4C3FCC2-4E7A-4671-AA79-177CB194E449}" type="datetimeFigureOut">
               <a:rPr lang="en-US" smtClean="0"/>
-              <a:t>10/25/2019</a:t>
+              <a:t>10/31/2019</a:t>
             </a:fld>
             <a:endParaRPr lang="en-US"/>
           </a:p>
@@ -5096,7 +5106,7 @@
 </file>
 
 <file path=ppt/slideLayouts/slideLayout1.xml><?xml version="1.0" encoding="utf-8"?>
-<p:sldLayout xmlns:a="http://schemas.openxmlformats.org/drawingml/2006/main" xmlns:r="http://schemas.openxmlformats.org/officeDocument/2006/relationships" xmlns:p="http://schemas.openxmlformats.org/presentationml/2006/main" showMasterSp="0" type="title" preserve="1">
+<p:sldLayout xmlns:a="http://schemas.openxmlformats.org/drawingml/2006/main" xmlns:r="http://schemas.openxmlformats.org/officeDocument/2006/relationships" xmlns:p="http://schemas.openxmlformats.org/presentationml/2006/main" type="title" preserve="1">
   <p:cSld name="Title Slide">
     <p:spTree>
       <p:nvGrpSpPr>
@@ -5114,10 +5124,202 @@
       </p:grpSpPr>
       <p:sp>
         <p:nvSpPr>
+          <p:cNvPr id="2" name="Title 1">
+            <a:extLst>
+              <a:ext uri="{FF2B5EF4-FFF2-40B4-BE49-F238E27FC236}">
+                <a16:creationId xmlns:a16="http://schemas.microsoft.com/office/drawing/2014/main" id="{F38279BB-5F86-4C64-8EE1-CBDB018579E9}"/>
+              </a:ext>
+            </a:extLst>
+          </p:cNvPr>
+          <p:cNvSpPr>
+            <a:spLocks noGrp="1"/>
+          </p:cNvSpPr>
+          <p:nvPr>
+            <p:ph type="ctrTitle"/>
+          </p:nvPr>
+        </p:nvSpPr>
+        <p:spPr>
+          <a:xfrm>
+            <a:off x="1524000" y="1122363"/>
+            <a:ext cx="9144000" cy="2387600"/>
+          </a:xfrm>
+        </p:spPr>
+        <p:txBody>
+          <a:bodyPr anchor="b"/>
+          <a:lstStyle>
+            <a:lvl1pPr algn="ctr">
+              <a:defRPr sz="6000"/>
+            </a:lvl1pPr>
+          </a:lstStyle>
+          <a:p>
+            <a:r>
+              <a:rPr lang="en-US"/>
+              <a:t>Click to edit Master title style</a:t>
+            </a:r>
+          </a:p>
+        </p:txBody>
+      </p:sp>
+      <p:sp>
+        <p:nvSpPr>
+          <p:cNvPr id="3" name="Subtitle 2">
+            <a:extLst>
+              <a:ext uri="{FF2B5EF4-FFF2-40B4-BE49-F238E27FC236}">
+                <a16:creationId xmlns:a16="http://schemas.microsoft.com/office/drawing/2014/main" id="{F898A1EB-3DFA-49B7-AC69-C2FBAA552C21}"/>
+              </a:ext>
+            </a:extLst>
+          </p:cNvPr>
+          <p:cNvSpPr>
+            <a:spLocks noGrp="1"/>
+          </p:cNvSpPr>
+          <p:nvPr>
+            <p:ph type="subTitle" idx="1"/>
+          </p:nvPr>
+        </p:nvSpPr>
+        <p:spPr>
+          <a:xfrm>
+            <a:off x="1524000" y="3602038"/>
+            <a:ext cx="9144000" cy="1655762"/>
+          </a:xfrm>
+        </p:spPr>
+        <p:txBody>
+          <a:bodyPr/>
+          <a:lstStyle>
+            <a:lvl1pPr marL="0" indent="0" algn="ctr">
+              <a:buNone/>
+              <a:defRPr sz="2400"/>
+            </a:lvl1pPr>
+            <a:lvl2pPr marL="457200" indent="0" algn="ctr">
+              <a:buNone/>
+              <a:defRPr sz="2000"/>
+            </a:lvl2pPr>
+            <a:lvl3pPr marL="914400" indent="0" algn="ctr">
+              <a:buNone/>
+              <a:defRPr sz="1800"/>
+            </a:lvl3pPr>
+            <a:lvl4pPr marL="1371600" indent="0" algn="ctr">
+              <a:buNone/>
+              <a:defRPr sz="1600"/>
+            </a:lvl4pPr>
+            <a:lvl5pPr marL="1828800" indent="0" algn="ctr">
+              <a:buNone/>
+              <a:defRPr sz="1600"/>
+            </a:lvl5pPr>
+            <a:lvl6pPr marL="2286000" indent="0" algn="ctr">
+              <a:buNone/>
+              <a:defRPr sz="1600"/>
+            </a:lvl6pPr>
+            <a:lvl7pPr marL="2743200" indent="0" algn="ctr">
+              <a:buNone/>
+              <a:defRPr sz="1600"/>
+            </a:lvl7pPr>
+            <a:lvl8pPr marL="3200400" indent="0" algn="ctr">
+              <a:buNone/>
+              <a:defRPr sz="1600"/>
+            </a:lvl8pPr>
+            <a:lvl9pPr marL="3657600" indent="0" algn="ctr">
+              <a:buNone/>
+              <a:defRPr sz="1600"/>
+            </a:lvl9pPr>
+          </a:lstStyle>
+          <a:p>
+            <a:r>
+              <a:rPr lang="en-US"/>
+              <a:t>Click to edit Master subtitle style</a:t>
+            </a:r>
+          </a:p>
+        </p:txBody>
+      </p:sp>
+      <p:sp>
+        <p:nvSpPr>
+          <p:cNvPr id="4" name="Date Placeholder 3">
+            <a:extLst>
+              <a:ext uri="{FF2B5EF4-FFF2-40B4-BE49-F238E27FC236}">
+                <a16:creationId xmlns:a16="http://schemas.microsoft.com/office/drawing/2014/main" id="{A6B2F80D-78F0-452B-A3D5-5CEC53CA4CED}"/>
+              </a:ext>
+            </a:extLst>
+          </p:cNvPr>
+          <p:cNvSpPr>
+            <a:spLocks noGrp="1"/>
+          </p:cNvSpPr>
+          <p:nvPr>
+            <p:ph type="dt" sz="half" idx="10"/>
+          </p:nvPr>
+        </p:nvSpPr>
+        <p:spPr/>
+        <p:txBody>
+          <a:bodyPr/>
+          <a:lstStyle/>
+          <a:p>
+            <a:fld id="{B61BEF0D-F0BB-DE4B-95CE-6DB70DBA9567}" type="datetimeFigureOut">
+              <a:rPr lang="en-US" smtClean="0"/>
+              <a:pPr/>
+              <a:t>10/31/2019</a:t>
+            </a:fld>
+            <a:endParaRPr lang="en-US" dirty="0"/>
+          </a:p>
+        </p:txBody>
+      </p:sp>
+      <p:sp>
+        <p:nvSpPr>
+          <p:cNvPr id="5" name="Footer Placeholder 4">
+            <a:extLst>
+              <a:ext uri="{FF2B5EF4-FFF2-40B4-BE49-F238E27FC236}">
+                <a16:creationId xmlns:a16="http://schemas.microsoft.com/office/drawing/2014/main" id="{43200E17-F404-47F5-9BA7-D65D0F78A610}"/>
+              </a:ext>
+            </a:extLst>
+          </p:cNvPr>
+          <p:cNvSpPr>
+            <a:spLocks noGrp="1"/>
+          </p:cNvSpPr>
+          <p:nvPr>
+            <p:ph type="ftr" sz="quarter" idx="11"/>
+          </p:nvPr>
+        </p:nvSpPr>
+        <p:spPr/>
+        <p:txBody>
+          <a:bodyPr/>
+          <a:lstStyle/>
+          <a:p>
+            <a:endParaRPr lang="en-US" dirty="0"/>
+          </a:p>
+        </p:txBody>
+      </p:sp>
+      <p:sp>
+        <p:nvSpPr>
+          <p:cNvPr id="6" name="Slide Number Placeholder 5">
+            <a:extLst>
+              <a:ext uri="{FF2B5EF4-FFF2-40B4-BE49-F238E27FC236}">
+                <a16:creationId xmlns:a16="http://schemas.microsoft.com/office/drawing/2014/main" id="{8D15E42D-61CB-4C76-946C-712B74469602}"/>
+              </a:ext>
+            </a:extLst>
+          </p:cNvPr>
+          <p:cNvSpPr>
+            <a:spLocks noGrp="1"/>
+          </p:cNvSpPr>
+          <p:nvPr>
+            <p:ph type="sldNum" sz="quarter" idx="12"/>
+          </p:nvPr>
+        </p:nvSpPr>
+        <p:spPr/>
+        <p:txBody>
+          <a:bodyPr/>
+          <a:lstStyle/>
+          <a:p>
+            <a:fld id="{D57F1E4F-1CFF-5643-939E-217C01CDF565}" type="slidenum">
+              <a:rPr lang="en-US" smtClean="0"/>
+              <a:pPr/>
+              <a:t>‹#›</a:t>
+            </a:fld>
+            <a:endParaRPr lang="en-US" dirty="0"/>
+          </a:p>
+        </p:txBody>
+      </p:sp>
+      <p:sp>
+        <p:nvSpPr>
           <p:cNvPr id="7" name="Rectangle 6">
             <a:extLst>
               <a:ext uri="{FF2B5EF4-FFF2-40B4-BE49-F238E27FC236}">
-                <a16:creationId xmlns:a16="http://schemas.microsoft.com/office/drawing/2014/main" id="{33238323-0ADF-4328-9564-AEB5DFD80DB6}"/>
+                <a16:creationId xmlns:a16="http://schemas.microsoft.com/office/drawing/2014/main" id="{D44B6259-A000-44B8-9FC8-92592A8B6AFF}"/>
               </a:ext>
             </a:extLst>
           </p:cNvPr>
@@ -5164,114 +5366,12 @@
           </a:p>
         </p:txBody>
       </p:sp>
-      <p:sp>
-        <p:nvSpPr>
-          <p:cNvPr id="2" name="Title 1">
-            <a:extLst>
-              <a:ext uri="{FF2B5EF4-FFF2-40B4-BE49-F238E27FC236}">
-                <a16:creationId xmlns:a16="http://schemas.microsoft.com/office/drawing/2014/main" id="{EB776FAE-C8F8-44A1-8BC7-9EB948371459}"/>
-              </a:ext>
-            </a:extLst>
-          </p:cNvPr>
-          <p:cNvSpPr>
-            <a:spLocks noGrp="1"/>
-          </p:cNvSpPr>
-          <p:nvPr>
-            <p:ph type="ctrTitle"/>
-          </p:nvPr>
-        </p:nvSpPr>
-        <p:spPr>
-          <a:xfrm>
-            <a:off x="1524000" y="1333500"/>
-            <a:ext cx="9144000" cy="1790700"/>
-          </a:xfrm>
-        </p:spPr>
-        <p:txBody>
-          <a:bodyPr vert="horz" lIns="91440" tIns="0" rIns="91440" bIns="0" rtlCol="0" anchor="t" anchorCtr="0">
-            <a:noAutofit/>
-          </a:bodyPr>
-          <a:lstStyle>
-            <a:lvl1pPr>
-              <a:lnSpc>
-                <a:spcPct val="100000"/>
-              </a:lnSpc>
-              <a:defRPr lang="en-US" sz="4800" dirty="0">
-                <a:solidFill>
-                  <a:schemeClr val="bg1"/>
-                </a:solidFill>
-              </a:defRPr>
-            </a:lvl1pPr>
-          </a:lstStyle>
-          <a:p>
-            <a:pPr lvl="0"/>
-            <a:r>
-              <a:rPr lang="en-US"/>
-              <a:t>Click to edit Master title style</a:t>
-            </a:r>
-            <a:endParaRPr lang="en-US" dirty="0"/>
-          </a:p>
-        </p:txBody>
-      </p:sp>
-      <p:sp>
-        <p:nvSpPr>
-          <p:cNvPr id="3" name="Subtitle 2">
-            <a:extLst>
-              <a:ext uri="{FF2B5EF4-FFF2-40B4-BE49-F238E27FC236}">
-                <a16:creationId xmlns:a16="http://schemas.microsoft.com/office/drawing/2014/main" id="{DA7900C6-1C2C-4612-8672-356C6DDFDCB1}"/>
-              </a:ext>
-            </a:extLst>
-          </p:cNvPr>
-          <p:cNvSpPr>
-            <a:spLocks noGrp="1"/>
-          </p:cNvSpPr>
-          <p:nvPr>
-            <p:ph type="subTitle" idx="1"/>
-          </p:nvPr>
-        </p:nvSpPr>
-        <p:spPr>
-          <a:xfrm>
-            <a:off x="1524000" y="3128009"/>
-            <a:ext cx="9144000" cy="1287675"/>
-          </a:xfrm>
-        </p:spPr>
-        <p:txBody>
-          <a:bodyPr vert="horz" lIns="91440" tIns="45720" rIns="91440" bIns="45720" rtlCol="0" anchor="t" anchorCtr="0">
-            <a:noAutofit/>
-          </a:bodyPr>
-          <a:lstStyle>
-            <a:lvl1pPr marL="0" indent="0">
-              <a:buNone/>
-              <a:defRPr lang="en-US" sz="2400" dirty="0">
-                <a:solidFill>
-                  <a:schemeClr val="bg1"/>
-                </a:solidFill>
-                <a:latin typeface="+mj-lt"/>
-              </a:defRPr>
-            </a:lvl1pPr>
-          </a:lstStyle>
-          <a:p>
-            <a:pPr marL="228600" lvl="0" indent="-228600">
-              <a:lnSpc>
-                <a:spcPct val="150000"/>
-              </a:lnSpc>
-              <a:spcAft>
-                <a:spcPts val="1200"/>
-              </a:spcAft>
-            </a:pPr>
-            <a:r>
-              <a:rPr lang="en-US"/>
-              <a:t>Click to edit Master subtitle style</a:t>
-            </a:r>
-            <a:endParaRPr lang="en-US" dirty="0"/>
-          </a:p>
-        </p:txBody>
-      </p:sp>
       <p:pic>
         <p:nvPicPr>
           <p:cNvPr id="8" name="Picture 7">
             <a:extLst>
               <a:ext uri="{FF2B5EF4-FFF2-40B4-BE49-F238E27FC236}">
-                <a16:creationId xmlns:a16="http://schemas.microsoft.com/office/drawing/2014/main" id="{5274E620-B44E-41FF-8FA1-D955BD69C0B9}"/>
+                <a16:creationId xmlns:a16="http://schemas.microsoft.com/office/drawing/2014/main" id="{4A805598-D200-425B-A803-2EFFBF115161}"/>
               </a:ext>
             </a:extLst>
           </p:cNvPr>
@@ -5304,7 +5404,7 @@
     </p:spTree>
     <p:extLst>
       <p:ext uri="{BB962C8B-B14F-4D97-AF65-F5344CB8AC3E}">
-        <p14:creationId xmlns:p14="http://schemas.microsoft.com/office/powerpoint/2010/main" val="4221146466"/>
+        <p14:creationId xmlns:p14="http://schemas.microsoft.com/office/powerpoint/2010/main" val="163845801"/>
       </p:ext>
     </p:extLst>
   </p:cSld>
@@ -5314,9 +5414,991 @@
 </p:sldLayout>
 </file>
 
-<file path=ppt/slideLayouts/slideLayout2.xml><?xml version="1.0" encoding="utf-8"?>
+<file path=ppt/slideLayouts/slideLayout10.xml><?xml version="1.0" encoding="utf-8"?>
+<p:sldLayout xmlns:a="http://schemas.openxmlformats.org/drawingml/2006/main" xmlns:r="http://schemas.openxmlformats.org/officeDocument/2006/relationships" xmlns:p="http://schemas.openxmlformats.org/presentationml/2006/main" type="vertTx" preserve="1">
+  <p:cSld name="Title and Vertical Text">
+    <p:spTree>
+      <p:nvGrpSpPr>
+        <p:cNvPr id="1" name=""/>
+        <p:cNvGrpSpPr/>
+        <p:nvPr/>
+      </p:nvGrpSpPr>
+      <p:grpSpPr>
+        <a:xfrm>
+          <a:off x="0" y="0"/>
+          <a:ext cx="0" cy="0"/>
+          <a:chOff x="0" y="0"/>
+          <a:chExt cx="0" cy="0"/>
+        </a:xfrm>
+      </p:grpSpPr>
+      <p:sp>
+        <p:nvSpPr>
+          <p:cNvPr id="2" name="Title 1">
+            <a:extLst>
+              <a:ext uri="{FF2B5EF4-FFF2-40B4-BE49-F238E27FC236}">
+                <a16:creationId xmlns:a16="http://schemas.microsoft.com/office/drawing/2014/main" id="{60BA2D15-32A6-4CD9-9954-668DD16B13B8}"/>
+              </a:ext>
+            </a:extLst>
+          </p:cNvPr>
+          <p:cNvSpPr>
+            <a:spLocks noGrp="1"/>
+          </p:cNvSpPr>
+          <p:nvPr>
+            <p:ph type="title"/>
+          </p:nvPr>
+        </p:nvSpPr>
+        <p:spPr/>
+        <p:txBody>
+          <a:bodyPr/>
+          <a:lstStyle/>
+          <a:p>
+            <a:r>
+              <a:rPr lang="en-US"/>
+              <a:t>Click to edit Master title style</a:t>
+            </a:r>
+          </a:p>
+        </p:txBody>
+      </p:sp>
+      <p:sp>
+        <p:nvSpPr>
+          <p:cNvPr id="3" name="Vertical Text Placeholder 2">
+            <a:extLst>
+              <a:ext uri="{FF2B5EF4-FFF2-40B4-BE49-F238E27FC236}">
+                <a16:creationId xmlns:a16="http://schemas.microsoft.com/office/drawing/2014/main" id="{403EFFC3-9777-44A5-AF0E-B1FE4A1F487D}"/>
+              </a:ext>
+            </a:extLst>
+          </p:cNvPr>
+          <p:cNvSpPr>
+            <a:spLocks noGrp="1"/>
+          </p:cNvSpPr>
+          <p:nvPr>
+            <p:ph type="body" orient="vert" idx="1"/>
+          </p:nvPr>
+        </p:nvSpPr>
+        <p:spPr/>
+        <p:txBody>
+          <a:bodyPr vert="eaVert"/>
+          <a:lstStyle/>
+          <a:p>
+            <a:pPr lvl="0"/>
+            <a:r>
+              <a:rPr lang="en-US"/>
+              <a:t>Click to edit Master text styles</a:t>
+            </a:r>
+          </a:p>
+          <a:p>
+            <a:pPr lvl="1"/>
+            <a:r>
+              <a:rPr lang="en-US"/>
+              <a:t>Second level</a:t>
+            </a:r>
+          </a:p>
+          <a:p>
+            <a:pPr lvl="2"/>
+            <a:r>
+              <a:rPr lang="en-US"/>
+              <a:t>Third level</a:t>
+            </a:r>
+          </a:p>
+          <a:p>
+            <a:pPr lvl="3"/>
+            <a:r>
+              <a:rPr lang="en-US"/>
+              <a:t>Fourth level</a:t>
+            </a:r>
+          </a:p>
+          <a:p>
+            <a:pPr lvl="4"/>
+            <a:r>
+              <a:rPr lang="en-US"/>
+              <a:t>Fifth level</a:t>
+            </a:r>
+          </a:p>
+        </p:txBody>
+      </p:sp>
+      <p:sp>
+        <p:nvSpPr>
+          <p:cNvPr id="4" name="Date Placeholder 3">
+            <a:extLst>
+              <a:ext uri="{FF2B5EF4-FFF2-40B4-BE49-F238E27FC236}">
+                <a16:creationId xmlns:a16="http://schemas.microsoft.com/office/drawing/2014/main" id="{6D3D1B24-AA4F-4E9B-8AD7-A02B6D4A6FFB}"/>
+              </a:ext>
+            </a:extLst>
+          </p:cNvPr>
+          <p:cNvSpPr>
+            <a:spLocks noGrp="1"/>
+          </p:cNvSpPr>
+          <p:nvPr>
+            <p:ph type="dt" sz="half" idx="10"/>
+          </p:nvPr>
+        </p:nvSpPr>
+        <p:spPr/>
+        <p:txBody>
+          <a:bodyPr/>
+          <a:lstStyle/>
+          <a:p>
+            <a:fld id="{4744E560-77BF-4D1A-B6E7-CD55CE12B1B8}" type="datetimeFigureOut">
+              <a:rPr lang="en-US" smtClean="0"/>
+              <a:t>10/31/2019</a:t>
+            </a:fld>
+            <a:endParaRPr lang="en-US"/>
+          </a:p>
+        </p:txBody>
+      </p:sp>
+      <p:sp>
+        <p:nvSpPr>
+          <p:cNvPr id="5" name="Footer Placeholder 4">
+            <a:extLst>
+              <a:ext uri="{FF2B5EF4-FFF2-40B4-BE49-F238E27FC236}">
+                <a16:creationId xmlns:a16="http://schemas.microsoft.com/office/drawing/2014/main" id="{14C496A5-221E-450B-A780-2DE97D07B11B}"/>
+              </a:ext>
+            </a:extLst>
+          </p:cNvPr>
+          <p:cNvSpPr>
+            <a:spLocks noGrp="1"/>
+          </p:cNvSpPr>
+          <p:nvPr>
+            <p:ph type="ftr" sz="quarter" idx="11"/>
+          </p:nvPr>
+        </p:nvSpPr>
+        <p:spPr/>
+        <p:txBody>
+          <a:bodyPr/>
+          <a:lstStyle/>
+          <a:p>
+            <a:endParaRPr lang="en-US"/>
+          </a:p>
+        </p:txBody>
+      </p:sp>
+      <p:sp>
+        <p:nvSpPr>
+          <p:cNvPr id="6" name="Slide Number Placeholder 5">
+            <a:extLst>
+              <a:ext uri="{FF2B5EF4-FFF2-40B4-BE49-F238E27FC236}">
+                <a16:creationId xmlns:a16="http://schemas.microsoft.com/office/drawing/2014/main" id="{BD8BEEE7-08B1-4C2E-A7DB-F54D6193F778}"/>
+              </a:ext>
+            </a:extLst>
+          </p:cNvPr>
+          <p:cNvSpPr>
+            <a:spLocks noGrp="1"/>
+          </p:cNvSpPr>
+          <p:nvPr>
+            <p:ph type="sldNum" sz="quarter" idx="12"/>
+          </p:nvPr>
+        </p:nvSpPr>
+        <p:spPr/>
+        <p:txBody>
+          <a:bodyPr/>
+          <a:lstStyle/>
+          <a:p>
+            <a:fld id="{3359379A-16E2-4C4A-96D0-A52C442257E7}" type="slidenum">
+              <a:rPr lang="en-US" smtClean="0"/>
+              <a:t>‹#›</a:t>
+            </a:fld>
+            <a:endParaRPr lang="en-US"/>
+          </a:p>
+        </p:txBody>
+      </p:sp>
+    </p:spTree>
+    <p:extLst>
+      <p:ext uri="{BB962C8B-B14F-4D97-AF65-F5344CB8AC3E}">
+        <p14:creationId xmlns:p14="http://schemas.microsoft.com/office/powerpoint/2010/main" val="61101475"/>
+      </p:ext>
+    </p:extLst>
+  </p:cSld>
+  <p:clrMapOvr>
+    <a:masterClrMapping/>
+  </p:clrMapOvr>
+</p:sldLayout>
+</file>
+
+<file path=ppt/slideLayouts/slideLayout11.xml><?xml version="1.0" encoding="utf-8"?>
+<p:sldLayout xmlns:a="http://schemas.openxmlformats.org/drawingml/2006/main" xmlns:r="http://schemas.openxmlformats.org/officeDocument/2006/relationships" xmlns:p="http://schemas.openxmlformats.org/presentationml/2006/main" type="vertTitleAndTx" preserve="1">
+  <p:cSld name="Vertical Title and Text">
+    <p:spTree>
+      <p:nvGrpSpPr>
+        <p:cNvPr id="1" name=""/>
+        <p:cNvGrpSpPr/>
+        <p:nvPr/>
+      </p:nvGrpSpPr>
+      <p:grpSpPr>
+        <a:xfrm>
+          <a:off x="0" y="0"/>
+          <a:ext cx="0" cy="0"/>
+          <a:chOff x="0" y="0"/>
+          <a:chExt cx="0" cy="0"/>
+        </a:xfrm>
+      </p:grpSpPr>
+      <p:sp>
+        <p:nvSpPr>
+          <p:cNvPr id="2" name="Vertical Title 1">
+            <a:extLst>
+              <a:ext uri="{FF2B5EF4-FFF2-40B4-BE49-F238E27FC236}">
+                <a16:creationId xmlns:a16="http://schemas.microsoft.com/office/drawing/2014/main" id="{30F97637-40DD-4702-BC3C-E92E7CEC2CC0}"/>
+              </a:ext>
+            </a:extLst>
+          </p:cNvPr>
+          <p:cNvSpPr>
+            <a:spLocks noGrp="1"/>
+          </p:cNvSpPr>
+          <p:nvPr>
+            <p:ph type="title" orient="vert"/>
+          </p:nvPr>
+        </p:nvSpPr>
+        <p:spPr>
+          <a:xfrm>
+            <a:off x="8724900" y="365125"/>
+            <a:ext cx="2628900" cy="5811838"/>
+          </a:xfrm>
+        </p:spPr>
+        <p:txBody>
+          <a:bodyPr vert="eaVert"/>
+          <a:lstStyle/>
+          <a:p>
+            <a:r>
+              <a:rPr lang="en-US"/>
+              <a:t>Click to edit Master title style</a:t>
+            </a:r>
+          </a:p>
+        </p:txBody>
+      </p:sp>
+      <p:sp>
+        <p:nvSpPr>
+          <p:cNvPr id="3" name="Vertical Text Placeholder 2">
+            <a:extLst>
+              <a:ext uri="{FF2B5EF4-FFF2-40B4-BE49-F238E27FC236}">
+                <a16:creationId xmlns:a16="http://schemas.microsoft.com/office/drawing/2014/main" id="{6AAB98F5-5F55-45B6-81EB-341D115B2548}"/>
+              </a:ext>
+            </a:extLst>
+          </p:cNvPr>
+          <p:cNvSpPr>
+            <a:spLocks noGrp="1"/>
+          </p:cNvSpPr>
+          <p:nvPr>
+            <p:ph type="body" orient="vert" idx="1"/>
+          </p:nvPr>
+        </p:nvSpPr>
+        <p:spPr>
+          <a:xfrm>
+            <a:off x="838200" y="365125"/>
+            <a:ext cx="7734300" cy="5811838"/>
+          </a:xfrm>
+        </p:spPr>
+        <p:txBody>
+          <a:bodyPr vert="eaVert"/>
+          <a:lstStyle/>
+          <a:p>
+            <a:pPr lvl="0"/>
+            <a:r>
+              <a:rPr lang="en-US"/>
+              <a:t>Click to edit Master text styles</a:t>
+            </a:r>
+          </a:p>
+          <a:p>
+            <a:pPr lvl="1"/>
+            <a:r>
+              <a:rPr lang="en-US"/>
+              <a:t>Second level</a:t>
+            </a:r>
+          </a:p>
+          <a:p>
+            <a:pPr lvl="2"/>
+            <a:r>
+              <a:rPr lang="en-US"/>
+              <a:t>Third level</a:t>
+            </a:r>
+          </a:p>
+          <a:p>
+            <a:pPr lvl="3"/>
+            <a:r>
+              <a:rPr lang="en-US"/>
+              <a:t>Fourth level</a:t>
+            </a:r>
+          </a:p>
+          <a:p>
+            <a:pPr lvl="4"/>
+            <a:r>
+              <a:rPr lang="en-US"/>
+              <a:t>Fifth level</a:t>
+            </a:r>
+          </a:p>
+        </p:txBody>
+      </p:sp>
+      <p:sp>
+        <p:nvSpPr>
+          <p:cNvPr id="4" name="Date Placeholder 3">
+            <a:extLst>
+              <a:ext uri="{FF2B5EF4-FFF2-40B4-BE49-F238E27FC236}">
+                <a16:creationId xmlns:a16="http://schemas.microsoft.com/office/drawing/2014/main" id="{79722DDE-7F76-4B7E-8660-2800DC2DAFDB}"/>
+              </a:ext>
+            </a:extLst>
+          </p:cNvPr>
+          <p:cNvSpPr>
+            <a:spLocks noGrp="1"/>
+          </p:cNvSpPr>
+          <p:nvPr>
+            <p:ph type="dt" sz="half" idx="10"/>
+          </p:nvPr>
+        </p:nvSpPr>
+        <p:spPr/>
+        <p:txBody>
+          <a:bodyPr/>
+          <a:lstStyle/>
+          <a:p>
+            <a:fld id="{4744E560-77BF-4D1A-B6E7-CD55CE12B1B8}" type="datetimeFigureOut">
+              <a:rPr lang="en-US" smtClean="0"/>
+              <a:t>10/31/2019</a:t>
+            </a:fld>
+            <a:endParaRPr lang="en-US"/>
+          </a:p>
+        </p:txBody>
+      </p:sp>
+      <p:sp>
+        <p:nvSpPr>
+          <p:cNvPr id="5" name="Footer Placeholder 4">
+            <a:extLst>
+              <a:ext uri="{FF2B5EF4-FFF2-40B4-BE49-F238E27FC236}">
+                <a16:creationId xmlns:a16="http://schemas.microsoft.com/office/drawing/2014/main" id="{85615A7E-FADE-440C-8CE6-74AB9C3F1BAD}"/>
+              </a:ext>
+            </a:extLst>
+          </p:cNvPr>
+          <p:cNvSpPr>
+            <a:spLocks noGrp="1"/>
+          </p:cNvSpPr>
+          <p:nvPr>
+            <p:ph type="ftr" sz="quarter" idx="11"/>
+          </p:nvPr>
+        </p:nvSpPr>
+        <p:spPr/>
+        <p:txBody>
+          <a:bodyPr/>
+          <a:lstStyle/>
+          <a:p>
+            <a:endParaRPr lang="en-US"/>
+          </a:p>
+        </p:txBody>
+      </p:sp>
+      <p:sp>
+        <p:nvSpPr>
+          <p:cNvPr id="6" name="Slide Number Placeholder 5">
+            <a:extLst>
+              <a:ext uri="{FF2B5EF4-FFF2-40B4-BE49-F238E27FC236}">
+                <a16:creationId xmlns:a16="http://schemas.microsoft.com/office/drawing/2014/main" id="{736B86F4-2AF1-44A8-B30B-A02477C12197}"/>
+              </a:ext>
+            </a:extLst>
+          </p:cNvPr>
+          <p:cNvSpPr>
+            <a:spLocks noGrp="1"/>
+          </p:cNvSpPr>
+          <p:nvPr>
+            <p:ph type="sldNum" sz="quarter" idx="12"/>
+          </p:nvPr>
+        </p:nvSpPr>
+        <p:spPr/>
+        <p:txBody>
+          <a:bodyPr/>
+          <a:lstStyle/>
+          <a:p>
+            <a:fld id="{3359379A-16E2-4C4A-96D0-A52C442257E7}" type="slidenum">
+              <a:rPr lang="en-US" smtClean="0"/>
+              <a:t>‹#›</a:t>
+            </a:fld>
+            <a:endParaRPr lang="en-US"/>
+          </a:p>
+        </p:txBody>
+      </p:sp>
+    </p:spTree>
+    <p:extLst>
+      <p:ext uri="{BB962C8B-B14F-4D97-AF65-F5344CB8AC3E}">
+        <p14:creationId xmlns:p14="http://schemas.microsoft.com/office/powerpoint/2010/main" val="529441036"/>
+      </p:ext>
+    </p:extLst>
+  </p:cSld>
+  <p:clrMapOvr>
+    <a:masterClrMapping/>
+  </p:clrMapOvr>
+</p:sldLayout>
+</file>
+
+<file path=ppt/slideLayouts/slideLayout12.xml><?xml version="1.0" encoding="utf-8"?>
+<p:sldLayout xmlns:a="http://schemas.openxmlformats.org/drawingml/2006/main" xmlns:r="http://schemas.openxmlformats.org/officeDocument/2006/relationships" xmlns:p="http://schemas.openxmlformats.org/presentationml/2006/main" userDrawn="1">
+  <p:cSld name="1_Two Content">
+    <p:spTree>
+      <p:nvGrpSpPr>
+        <p:cNvPr id="1" name=""/>
+        <p:cNvGrpSpPr/>
+        <p:nvPr/>
+      </p:nvGrpSpPr>
+      <p:grpSpPr>
+        <a:xfrm>
+          <a:off x="0" y="0"/>
+          <a:ext cx="0" cy="0"/>
+          <a:chOff x="0" y="0"/>
+          <a:chExt cx="0" cy="0"/>
+        </a:xfrm>
+      </p:grpSpPr>
+      <p:pic>
+        <p:nvPicPr>
+          <p:cNvPr id="10" name="Picture 9">
+            <a:extLst>
+              <a:ext uri="{FF2B5EF4-FFF2-40B4-BE49-F238E27FC236}">
+                <a16:creationId xmlns:a16="http://schemas.microsoft.com/office/drawing/2014/main" id="{5F89203F-46EF-44A2-956A-7FF6AF93BE72}"/>
+              </a:ext>
+            </a:extLst>
+          </p:cNvPr>
+          <p:cNvPicPr>
+            <a:picLocks noChangeAspect="1"/>
+          </p:cNvPicPr>
+          <p:nvPr userDrawn="1"/>
+        </p:nvPicPr>
+        <p:blipFill rotWithShape="1">
+          <a:blip r:embed="rId2">
+            <a:extLst>
+              <a:ext uri="{28A0092B-C50C-407E-A947-70E740481C1C}">
+                <a14:useLocalDpi xmlns:a14="http://schemas.microsoft.com/office/drawing/2010/main" val="0"/>
+              </a:ext>
+            </a:extLst>
+          </a:blip>
+          <a:srcRect t="-3"/>
+          <a:stretch/>
+        </p:blipFill>
+        <p:spPr>
+          <a:xfrm>
+            <a:off x="269032" y="4801396"/>
+            <a:ext cx="11653936" cy="1786228"/>
+          </a:xfrm>
+          <a:prstGeom prst="rect">
+            <a:avLst/>
+          </a:prstGeom>
+        </p:spPr>
+      </p:pic>
+      <p:sp>
+        <p:nvSpPr>
+          <p:cNvPr id="8" name="Content Placeholder 2">
+            <a:extLst>
+              <a:ext uri="{FF2B5EF4-FFF2-40B4-BE49-F238E27FC236}">
+                <a16:creationId xmlns:a16="http://schemas.microsoft.com/office/drawing/2014/main" id="{D1D47175-944E-463B-ABBB-06669A473913}"/>
+              </a:ext>
+            </a:extLst>
+          </p:cNvPr>
+          <p:cNvSpPr>
+            <a:spLocks noGrp="1"/>
+          </p:cNvSpPr>
+          <p:nvPr>
+            <p:ph idx="1"/>
+          </p:nvPr>
+        </p:nvSpPr>
+        <p:spPr>
+          <a:xfrm>
+            <a:off x="1090862" y="1507068"/>
+            <a:ext cx="3192379" cy="4669896"/>
+          </a:xfrm>
+        </p:spPr>
+        <p:txBody>
+          <a:bodyPr anchor="ctr"/>
+          <a:lstStyle>
+            <a:lvl1pPr marL="0" indent="0" algn="l">
+              <a:lnSpc>
+                <a:spcPct val="150000"/>
+              </a:lnSpc>
+              <a:spcAft>
+                <a:spcPts val="1200"/>
+              </a:spcAft>
+              <a:buSzPct val="25000"/>
+              <a:buFont typeface="Segoe UI" panose="020B0502040204020203" pitchFamily="34" charset="0"/>
+              <a:buChar char=" "/>
+              <a:defRPr sz="1200"/>
+            </a:lvl1pPr>
+            <a:lvl2pPr marL="401638" indent="7938" algn="l">
+              <a:spcBef>
+                <a:spcPts val="600"/>
+              </a:spcBef>
+              <a:spcAft>
+                <a:spcPts val="1200"/>
+              </a:spcAft>
+              <a:buFont typeface="Segoe UI" panose="020B0502040204020203" pitchFamily="34" charset="0"/>
+              <a:buChar char=" "/>
+              <a:defRPr sz="1200"/>
+            </a:lvl2pPr>
+            <a:lvl3pPr marL="1143000" indent="-228600">
+              <a:buFont typeface="Segoe UI" panose="020B0502040204020203" pitchFamily="34" charset="0"/>
+              <a:buChar char=" "/>
+              <a:defRPr/>
+            </a:lvl3pPr>
+            <a:lvl4pPr marL="1600200" indent="-228600">
+              <a:buFont typeface="Segoe UI" panose="020B0502040204020203" pitchFamily="34" charset="0"/>
+              <a:buChar char=" "/>
+              <a:defRPr/>
+            </a:lvl4pPr>
+            <a:lvl5pPr marL="2057400" indent="-228600">
+              <a:buFont typeface="Segoe UI" panose="020B0502040204020203" pitchFamily="34" charset="0"/>
+              <a:buChar char=" "/>
+              <a:defRPr/>
+            </a:lvl5pPr>
+          </a:lstStyle>
+          <a:p>
+            <a:pPr lvl="0"/>
+            <a:r>
+              <a:rPr lang="en-US"/>
+              <a:t>Click to edit Master text styles</a:t>
+            </a:r>
+          </a:p>
+          <a:p>
+            <a:pPr lvl="1"/>
+            <a:r>
+              <a:rPr lang="en-US"/>
+              <a:t>Second level</a:t>
+            </a:r>
+          </a:p>
+        </p:txBody>
+      </p:sp>
+      <p:sp>
+        <p:nvSpPr>
+          <p:cNvPr id="9" name="Content Placeholder 2">
+            <a:extLst>
+              <a:ext uri="{FF2B5EF4-FFF2-40B4-BE49-F238E27FC236}">
+                <a16:creationId xmlns:a16="http://schemas.microsoft.com/office/drawing/2014/main" id="{A40725B0-0DB7-41CE-9C4C-39E8D0F6325E}"/>
+              </a:ext>
+            </a:extLst>
+          </p:cNvPr>
+          <p:cNvSpPr>
+            <a:spLocks noGrp="1"/>
+          </p:cNvSpPr>
+          <p:nvPr>
+            <p:ph idx="13"/>
+          </p:nvPr>
+        </p:nvSpPr>
+        <p:spPr>
+          <a:xfrm>
+            <a:off x="4395537" y="1507068"/>
+            <a:ext cx="7143905" cy="4669896"/>
+          </a:xfrm>
+        </p:spPr>
+        <p:txBody>
+          <a:bodyPr anchor="ctr"/>
+          <a:lstStyle>
+            <a:lvl1pPr marL="0" indent="0">
+              <a:spcAft>
+                <a:spcPts val="1200"/>
+              </a:spcAft>
+              <a:buSzPct val="25000"/>
+              <a:buFont typeface="Segoe UI" panose="020B0502040204020203" pitchFamily="34" charset="0"/>
+              <a:buChar char=" "/>
+              <a:defRPr sz="1200"/>
+            </a:lvl1pPr>
+            <a:lvl2pPr marL="401638" indent="7938">
+              <a:spcBef>
+                <a:spcPts val="600"/>
+              </a:spcBef>
+              <a:spcAft>
+                <a:spcPts val="1200"/>
+              </a:spcAft>
+              <a:buFont typeface="Segoe UI" panose="020B0502040204020203" pitchFamily="34" charset="0"/>
+              <a:buChar char=" "/>
+              <a:defRPr sz="1200"/>
+            </a:lvl2pPr>
+            <a:lvl3pPr marL="1143000" indent="-228600">
+              <a:buFont typeface="Segoe UI" panose="020B0502040204020203" pitchFamily="34" charset="0"/>
+              <a:buChar char=" "/>
+              <a:defRPr/>
+            </a:lvl3pPr>
+            <a:lvl4pPr marL="1600200" indent="-228600">
+              <a:buFont typeface="Segoe UI" panose="020B0502040204020203" pitchFamily="34" charset="0"/>
+              <a:buChar char=" "/>
+              <a:defRPr/>
+            </a:lvl4pPr>
+            <a:lvl5pPr marL="2057400" indent="-228600">
+              <a:buFont typeface="Segoe UI" panose="020B0502040204020203" pitchFamily="34" charset="0"/>
+              <a:buChar char=" "/>
+              <a:defRPr/>
+            </a:lvl5pPr>
+          </a:lstStyle>
+          <a:p>
+            <a:pPr lvl="0"/>
+            <a:r>
+              <a:rPr lang="en-US"/>
+              <a:t>Click to edit Master text styles</a:t>
+            </a:r>
+          </a:p>
+          <a:p>
+            <a:pPr lvl="1"/>
+            <a:r>
+              <a:rPr lang="en-US"/>
+              <a:t>Second level</a:t>
+            </a:r>
+          </a:p>
+        </p:txBody>
+      </p:sp>
+      <p:sp>
+        <p:nvSpPr>
+          <p:cNvPr id="11" name="Title 10">
+            <a:extLst>
+              <a:ext uri="{FF2B5EF4-FFF2-40B4-BE49-F238E27FC236}">
+                <a16:creationId xmlns:a16="http://schemas.microsoft.com/office/drawing/2014/main" id="{F9E63483-559C-4A6F-B04F-D6C56A3CC094}"/>
+              </a:ext>
+            </a:extLst>
+          </p:cNvPr>
+          <p:cNvSpPr>
+            <a:spLocks noGrp="1"/>
+          </p:cNvSpPr>
+          <p:nvPr>
+            <p:ph type="title"/>
+          </p:nvPr>
+        </p:nvSpPr>
+        <p:spPr/>
+        <p:txBody>
+          <a:bodyPr/>
+          <a:lstStyle/>
+          <a:p>
+            <a:r>
+              <a:rPr lang="en-US"/>
+              <a:t>Click to edit Master title style</a:t>
+            </a:r>
+          </a:p>
+        </p:txBody>
+      </p:sp>
+    </p:spTree>
+    <p:extLst>
+      <p:ext uri="{BB962C8B-B14F-4D97-AF65-F5344CB8AC3E}">
+        <p14:creationId xmlns:p14="http://schemas.microsoft.com/office/powerpoint/2010/main" val="4163741187"/>
+      </p:ext>
+    </p:extLst>
+  </p:cSld>
+  <p:clrMapOvr>
+    <a:masterClrMapping/>
+  </p:clrMapOvr>
+</p:sldLayout>
+</file>
+
+<file path=ppt/slideLayouts/slideLayout13.xml><?xml version="1.0" encoding="utf-8"?>
+<p:sldLayout xmlns:a="http://schemas.openxmlformats.org/drawingml/2006/main" xmlns:r="http://schemas.openxmlformats.org/officeDocument/2006/relationships" xmlns:p="http://schemas.openxmlformats.org/presentationml/2006/main" userDrawn="1">
+  <p:cSld name="1_Section Header">
+    <p:spTree>
+      <p:nvGrpSpPr>
+        <p:cNvPr id="1" name=""/>
+        <p:cNvGrpSpPr/>
+        <p:nvPr/>
+      </p:nvGrpSpPr>
+      <p:grpSpPr>
+        <a:xfrm>
+          <a:off x="0" y="0"/>
+          <a:ext cx="0" cy="0"/>
+          <a:chOff x="0" y="0"/>
+          <a:chExt cx="0" cy="0"/>
+        </a:xfrm>
+      </p:grpSpPr>
+      <p:sp>
+        <p:nvSpPr>
+          <p:cNvPr id="9" name="Rectangle 8"/>
+          <p:cNvSpPr/>
+          <p:nvPr userDrawn="1"/>
+        </p:nvSpPr>
+        <p:spPr>
+          <a:xfrm>
+            <a:off x="254951" y="262784"/>
+            <a:ext cx="11683049" cy="6332433"/>
+          </a:xfrm>
+          <a:prstGeom prst="rect">
+            <a:avLst/>
+          </a:prstGeom>
+          <a:solidFill>
+            <a:srgbClr val="F5F5F5"/>
+          </a:solidFill>
+          <a:ln>
+            <a:noFill/>
+          </a:ln>
+        </p:spPr>
+        <p:style>
+          <a:lnRef idx="2">
+            <a:schemeClr val="accent1">
+              <a:shade val="50000"/>
+            </a:schemeClr>
+          </a:lnRef>
+          <a:fillRef idx="1">
+            <a:schemeClr val="accent1"/>
+          </a:fillRef>
+          <a:effectRef idx="0">
+            <a:schemeClr val="accent1"/>
+          </a:effectRef>
+          <a:fontRef idx="minor">
+            <a:schemeClr val="lt1"/>
+          </a:fontRef>
+        </p:style>
+        <p:txBody>
+          <a:bodyPr rtlCol="0" anchor="ctr"/>
+          <a:lstStyle/>
+          <a:p>
+            <a:pPr algn="ctr"/>
+            <a:endParaRPr lang="en-US" sz="1800"/>
+          </a:p>
+        </p:txBody>
+      </p:sp>
+      <p:sp>
+        <p:nvSpPr>
+          <p:cNvPr id="10" name="Rectangle 9"/>
+          <p:cNvSpPr/>
+          <p:nvPr userDrawn="1"/>
+        </p:nvSpPr>
+        <p:spPr bwMode="blackWhite">
+          <a:xfrm>
+            <a:off x="254950" y="262784"/>
+            <a:ext cx="11682101" cy="2072643"/>
+          </a:xfrm>
+          <a:prstGeom prst="rect">
+            <a:avLst/>
+          </a:prstGeom>
+          <a:solidFill>
+            <a:srgbClr val="D24726"/>
+          </a:solidFill>
+          <a:ln>
+            <a:noFill/>
+          </a:ln>
+        </p:spPr>
+        <p:style>
+          <a:lnRef idx="2">
+            <a:schemeClr val="accent1">
+              <a:shade val="50000"/>
+            </a:schemeClr>
+          </a:lnRef>
+          <a:fillRef idx="1">
+            <a:schemeClr val="accent1"/>
+          </a:fillRef>
+          <a:effectRef idx="0">
+            <a:schemeClr val="accent1"/>
+          </a:effectRef>
+          <a:fontRef idx="minor">
+            <a:schemeClr val="lt1"/>
+          </a:fontRef>
+        </p:style>
+        <p:txBody>
+          <a:bodyPr rtlCol="0" anchor="ctr"/>
+          <a:lstStyle/>
+          <a:p>
+            <a:pPr algn="ctr"/>
+            <a:endParaRPr lang="en-US" sz="1800"/>
+          </a:p>
+        </p:txBody>
+      </p:sp>
+      <p:sp>
+        <p:nvSpPr>
+          <p:cNvPr id="2" name="Title 1"/>
+          <p:cNvSpPr>
+            <a:spLocks noGrp="1"/>
+          </p:cNvSpPr>
+          <p:nvPr>
+            <p:ph type="title"/>
+          </p:nvPr>
+        </p:nvSpPr>
+        <p:spPr>
+          <a:xfrm>
+            <a:off x="521208" y="1536192"/>
+            <a:ext cx="6876288" cy="640080"/>
+          </a:xfrm>
+        </p:spPr>
+        <p:txBody>
+          <a:bodyPr>
+            <a:normAutofit/>
+          </a:bodyPr>
+          <a:lstStyle>
+            <a:lvl1pPr>
+              <a:defRPr sz="3600">
+                <a:solidFill>
+                  <a:schemeClr val="bg1"/>
+                </a:solidFill>
+              </a:defRPr>
+            </a:lvl1pPr>
+          </a:lstStyle>
+          <a:p>
+            <a:r>
+              <a:rPr lang="en-US"/>
+              <a:t>Click to edit Master title style</a:t>
+            </a:r>
+            <a:endParaRPr lang="en-US" dirty="0"/>
+          </a:p>
+        </p:txBody>
+      </p:sp>
+      <p:sp>
+        <p:nvSpPr>
+          <p:cNvPr id="7" name="Content Placeholder 6"/>
+          <p:cNvSpPr>
+            <a:spLocks noGrp="1"/>
+          </p:cNvSpPr>
+          <p:nvPr>
+            <p:ph sz="quarter" idx="13"/>
+          </p:nvPr>
+        </p:nvSpPr>
+        <p:spPr>
+          <a:xfrm>
+            <a:off x="539496" y="2560320"/>
+            <a:ext cx="9445752" cy="3977640"/>
+          </a:xfrm>
+        </p:spPr>
+        <p:txBody>
+          <a:bodyPr vert="horz" lIns="91440" tIns="45720" rIns="91440" bIns="45720" rtlCol="0">
+            <a:normAutofit/>
+          </a:bodyPr>
+          <a:lstStyle>
+            <a:lvl1pPr>
+              <a:defRPr lang="en-US" sz="2400" smtClean="0">
+                <a:solidFill>
+                  <a:schemeClr val="tx1">
+                    <a:lumMod val="75000"/>
+                    <a:lumOff val="25000"/>
+                  </a:schemeClr>
+                </a:solidFill>
+                <a:latin typeface="+mj-lt"/>
+              </a:defRPr>
+            </a:lvl1pPr>
+            <a:lvl2pPr>
+              <a:defRPr lang="en-US" sz="1200" dirty="0" smtClean="0">
+                <a:solidFill>
+                  <a:schemeClr val="tx1">
+                    <a:lumMod val="75000"/>
+                    <a:lumOff val="25000"/>
+                  </a:schemeClr>
+                </a:solidFill>
+              </a:defRPr>
+            </a:lvl2pPr>
+            <a:lvl3pPr>
+              <a:defRPr lang="en-US" sz="1200" dirty="0" smtClean="0">
+                <a:solidFill>
+                  <a:schemeClr val="tx1">
+                    <a:lumMod val="75000"/>
+                    <a:lumOff val="25000"/>
+                  </a:schemeClr>
+                </a:solidFill>
+              </a:defRPr>
+            </a:lvl3pPr>
+            <a:lvl4pPr>
+              <a:defRPr lang="en-US" sz="1200" dirty="0" smtClean="0">
+                <a:solidFill>
+                  <a:schemeClr val="tx1">
+                    <a:lumMod val="75000"/>
+                    <a:lumOff val="25000"/>
+                  </a:schemeClr>
+                </a:solidFill>
+              </a:defRPr>
+            </a:lvl4pPr>
+            <a:lvl5pPr>
+              <a:defRPr lang="en-US" sz="1200" dirty="0">
+                <a:solidFill>
+                  <a:schemeClr val="tx1">
+                    <a:lumMod val="75000"/>
+                    <a:lumOff val="25000"/>
+                  </a:schemeClr>
+                </a:solidFill>
+              </a:defRPr>
+            </a:lvl5pPr>
+          </a:lstStyle>
+          <a:p>
+            <a:pPr marL="0" lvl="0" indent="0">
+              <a:lnSpc>
+                <a:spcPct val="150000"/>
+              </a:lnSpc>
+              <a:spcBef>
+                <a:spcPts val="1000"/>
+              </a:spcBef>
+              <a:spcAft>
+                <a:spcPts val="1200"/>
+              </a:spcAft>
+              <a:buNone/>
+            </a:pPr>
+            <a:r>
+              <a:rPr lang="en-US"/>
+              <a:t>Click to edit Master text styles</a:t>
+            </a:r>
+          </a:p>
+          <a:p>
+            <a:pPr marL="0" lvl="1" indent="0">
+              <a:lnSpc>
+                <a:spcPct val="150000"/>
+              </a:lnSpc>
+              <a:spcBef>
+                <a:spcPts val="1000"/>
+              </a:spcBef>
+              <a:spcAft>
+                <a:spcPts val="1200"/>
+              </a:spcAft>
+              <a:buNone/>
+            </a:pPr>
+            <a:r>
+              <a:rPr lang="en-US"/>
+              <a:t>Second level</a:t>
+            </a:r>
+          </a:p>
+          <a:p>
+            <a:pPr marL="0" lvl="2" indent="0">
+              <a:lnSpc>
+                <a:spcPct val="150000"/>
+              </a:lnSpc>
+              <a:spcBef>
+                <a:spcPts val="1000"/>
+              </a:spcBef>
+              <a:spcAft>
+                <a:spcPts val="1200"/>
+              </a:spcAft>
+              <a:buNone/>
+            </a:pPr>
+            <a:r>
+              <a:rPr lang="en-US"/>
+              <a:t>Third level</a:t>
+            </a:r>
+          </a:p>
+          <a:p>
+            <a:pPr marL="0" lvl="3" indent="0">
+              <a:lnSpc>
+                <a:spcPct val="150000"/>
+              </a:lnSpc>
+              <a:spcBef>
+                <a:spcPts val="1000"/>
+              </a:spcBef>
+              <a:spcAft>
+                <a:spcPts val="1200"/>
+              </a:spcAft>
+              <a:buNone/>
+            </a:pPr>
+            <a:r>
+              <a:rPr lang="en-US"/>
+              <a:t>Fourth level</a:t>
+            </a:r>
+          </a:p>
+          <a:p>
+            <a:pPr marL="0" lvl="4" indent="0">
+              <a:lnSpc>
+                <a:spcPct val="150000"/>
+              </a:lnSpc>
+              <a:spcBef>
+                <a:spcPts val="1000"/>
+              </a:spcBef>
+              <a:spcAft>
+                <a:spcPts val="1200"/>
+              </a:spcAft>
+              <a:buNone/>
+            </a:pPr>
+            <a:r>
+              <a:rPr lang="en-US"/>
+              <a:t>Fifth level</a:t>
+            </a:r>
+            <a:endParaRPr lang="en-US" dirty="0"/>
+          </a:p>
+        </p:txBody>
+      </p:sp>
+    </p:spTree>
+    <p:extLst>
+      <p:ext uri="{BB962C8B-B14F-4D97-AF65-F5344CB8AC3E}">
+        <p14:creationId xmlns:p14="http://schemas.microsoft.com/office/powerpoint/2010/main" val="2407789935"/>
+      </p:ext>
+    </p:extLst>
+  </p:cSld>
+  <p:clrMapOvr>
+    <a:masterClrMapping/>
+  </p:clrMapOvr>
+</p:sldLayout>
+</file>
+
+<file path=ppt/slideLayouts/slideLayout14.xml><?xml version="1.0" encoding="utf-8"?>
 <p:sldLayout xmlns:a="http://schemas.openxmlformats.org/drawingml/2006/main" xmlns:r="http://schemas.openxmlformats.org/officeDocument/2006/relationships" xmlns:p="http://schemas.openxmlformats.org/presentationml/2006/main" preserve="1" userDrawn="1">
-  <p:cSld name="Title and Content">
+  <p:cSld name="1_Title and Content">
     <p:spTree>
       <p:nvGrpSpPr>
         <p:cNvPr id="1" name=""/>
@@ -5487,7 +6569,7 @@
 </p:sldLayout>
 </file>
 
-<file path=ppt/slideLayouts/slideLayout3.xml><?xml version="1.0" encoding="utf-8"?>
+<file path=ppt/slideLayouts/slideLayout15.xml><?xml version="1.0" encoding="utf-8"?>
 <p:sldLayout xmlns:a="http://schemas.openxmlformats.org/drawingml/2006/main" xmlns:r="http://schemas.openxmlformats.org/officeDocument/2006/relationships" xmlns:p="http://schemas.openxmlformats.org/presentationml/2006/main" preserve="1" userDrawn="1">
   <p:cSld name="Title and Text">
     <p:spTree>
@@ -5660,585 +6742,9 @@
 </p:sldLayout>
 </file>
 
-<file path=ppt/slideLayouts/slideLayout4.xml><?xml version="1.0" encoding="utf-8"?>
+<file path=ppt/slideLayouts/slideLayout16.xml><?xml version="1.0" encoding="utf-8"?>
 <p:sldLayout xmlns:a="http://schemas.openxmlformats.org/drawingml/2006/main" xmlns:r="http://schemas.openxmlformats.org/officeDocument/2006/relationships" xmlns:p="http://schemas.openxmlformats.org/presentationml/2006/main" preserve="1" userDrawn="1">
-  <p:cSld name="Two Content">
-    <p:spTree>
-      <p:nvGrpSpPr>
-        <p:cNvPr id="1" name=""/>
-        <p:cNvGrpSpPr/>
-        <p:nvPr/>
-      </p:nvGrpSpPr>
-      <p:grpSpPr>
-        <a:xfrm>
-          <a:off x="0" y="0"/>
-          <a:ext cx="0" cy="0"/>
-          <a:chOff x="0" y="0"/>
-          <a:chExt cx="0" cy="0"/>
-        </a:xfrm>
-      </p:grpSpPr>
-      <p:pic>
-        <p:nvPicPr>
-          <p:cNvPr id="10" name="Picture 9">
-            <a:extLst>
-              <a:ext uri="{FF2B5EF4-FFF2-40B4-BE49-F238E27FC236}">
-                <a16:creationId xmlns:a16="http://schemas.microsoft.com/office/drawing/2014/main" id="{5F89203F-46EF-44A2-956A-7FF6AF93BE72}"/>
-              </a:ext>
-            </a:extLst>
-          </p:cNvPr>
-          <p:cNvPicPr>
-            <a:picLocks noChangeAspect="1"/>
-          </p:cNvPicPr>
-          <p:nvPr userDrawn="1"/>
-        </p:nvPicPr>
-        <p:blipFill rotWithShape="1">
-          <a:blip r:embed="rId2">
-            <a:extLst>
-              <a:ext uri="{28A0092B-C50C-407E-A947-70E740481C1C}">
-                <a14:useLocalDpi xmlns:a14="http://schemas.microsoft.com/office/drawing/2010/main" val="0"/>
-              </a:ext>
-            </a:extLst>
-          </a:blip>
-          <a:srcRect t="-3"/>
-          <a:stretch/>
-        </p:blipFill>
-        <p:spPr>
-          <a:xfrm>
-            <a:off x="269032" y="4801396"/>
-            <a:ext cx="11653936" cy="1786228"/>
-          </a:xfrm>
-          <a:prstGeom prst="rect">
-            <a:avLst/>
-          </a:prstGeom>
-        </p:spPr>
-      </p:pic>
-      <p:sp>
-        <p:nvSpPr>
-          <p:cNvPr id="8" name="Content Placeholder 2">
-            <a:extLst>
-              <a:ext uri="{FF2B5EF4-FFF2-40B4-BE49-F238E27FC236}">
-                <a16:creationId xmlns:a16="http://schemas.microsoft.com/office/drawing/2014/main" id="{D1D47175-944E-463B-ABBB-06669A473913}"/>
-              </a:ext>
-            </a:extLst>
-          </p:cNvPr>
-          <p:cNvSpPr>
-            <a:spLocks noGrp="1"/>
-          </p:cNvSpPr>
-          <p:nvPr>
-            <p:ph idx="1"/>
-          </p:nvPr>
-        </p:nvSpPr>
-        <p:spPr>
-          <a:xfrm>
-            <a:off x="1090862" y="1507068"/>
-            <a:ext cx="3192379" cy="4669896"/>
-          </a:xfrm>
-        </p:spPr>
-        <p:txBody>
-          <a:bodyPr anchor="ctr"/>
-          <a:lstStyle>
-            <a:lvl1pPr marL="0" indent="0" algn="l">
-              <a:lnSpc>
-                <a:spcPct val="150000"/>
-              </a:lnSpc>
-              <a:spcAft>
-                <a:spcPts val="1200"/>
-              </a:spcAft>
-              <a:buSzPct val="25000"/>
-              <a:buFont typeface="Segoe UI" panose="020B0502040204020203" pitchFamily="34" charset="0"/>
-              <a:buChar char=" "/>
-              <a:defRPr sz="1200"/>
-            </a:lvl1pPr>
-            <a:lvl2pPr marL="401638" indent="7938" algn="l">
-              <a:spcBef>
-                <a:spcPts val="600"/>
-              </a:spcBef>
-              <a:spcAft>
-                <a:spcPts val="1200"/>
-              </a:spcAft>
-              <a:buFont typeface="Segoe UI" panose="020B0502040204020203" pitchFamily="34" charset="0"/>
-              <a:buChar char=" "/>
-              <a:defRPr sz="1200"/>
-            </a:lvl2pPr>
-            <a:lvl3pPr marL="1143000" indent="-228600">
-              <a:buFont typeface="Segoe UI" panose="020B0502040204020203" pitchFamily="34" charset="0"/>
-              <a:buChar char=" "/>
-              <a:defRPr/>
-            </a:lvl3pPr>
-            <a:lvl4pPr marL="1600200" indent="-228600">
-              <a:buFont typeface="Segoe UI" panose="020B0502040204020203" pitchFamily="34" charset="0"/>
-              <a:buChar char=" "/>
-              <a:defRPr/>
-            </a:lvl4pPr>
-            <a:lvl5pPr marL="2057400" indent="-228600">
-              <a:buFont typeface="Segoe UI" panose="020B0502040204020203" pitchFamily="34" charset="0"/>
-              <a:buChar char=" "/>
-              <a:defRPr/>
-            </a:lvl5pPr>
-          </a:lstStyle>
-          <a:p>
-            <a:pPr lvl="0"/>
-            <a:r>
-              <a:rPr lang="en-US"/>
-              <a:t>Click to edit Master text styles</a:t>
-            </a:r>
-          </a:p>
-          <a:p>
-            <a:pPr lvl="1"/>
-            <a:r>
-              <a:rPr lang="en-US"/>
-              <a:t>Second level</a:t>
-            </a:r>
-          </a:p>
-        </p:txBody>
-      </p:sp>
-      <p:sp>
-        <p:nvSpPr>
-          <p:cNvPr id="9" name="Content Placeholder 2">
-            <a:extLst>
-              <a:ext uri="{FF2B5EF4-FFF2-40B4-BE49-F238E27FC236}">
-                <a16:creationId xmlns:a16="http://schemas.microsoft.com/office/drawing/2014/main" id="{A40725B0-0DB7-41CE-9C4C-39E8D0F6325E}"/>
-              </a:ext>
-            </a:extLst>
-          </p:cNvPr>
-          <p:cNvSpPr>
-            <a:spLocks noGrp="1"/>
-          </p:cNvSpPr>
-          <p:nvPr>
-            <p:ph idx="13"/>
-          </p:nvPr>
-        </p:nvSpPr>
-        <p:spPr>
-          <a:xfrm>
-            <a:off x="4395537" y="1507068"/>
-            <a:ext cx="7143905" cy="4669896"/>
-          </a:xfrm>
-        </p:spPr>
-        <p:txBody>
-          <a:bodyPr anchor="ctr"/>
-          <a:lstStyle>
-            <a:lvl1pPr marL="0" indent="0">
-              <a:spcAft>
-                <a:spcPts val="1200"/>
-              </a:spcAft>
-              <a:buSzPct val="25000"/>
-              <a:buFont typeface="Segoe UI" panose="020B0502040204020203" pitchFamily="34" charset="0"/>
-              <a:buChar char=" "/>
-              <a:defRPr sz="1200"/>
-            </a:lvl1pPr>
-            <a:lvl2pPr marL="401638" indent="7938">
-              <a:spcBef>
-                <a:spcPts val="600"/>
-              </a:spcBef>
-              <a:spcAft>
-                <a:spcPts val="1200"/>
-              </a:spcAft>
-              <a:buFont typeface="Segoe UI" panose="020B0502040204020203" pitchFamily="34" charset="0"/>
-              <a:buChar char=" "/>
-              <a:defRPr sz="1200"/>
-            </a:lvl2pPr>
-            <a:lvl3pPr marL="1143000" indent="-228600">
-              <a:buFont typeface="Segoe UI" panose="020B0502040204020203" pitchFamily="34" charset="0"/>
-              <a:buChar char=" "/>
-              <a:defRPr/>
-            </a:lvl3pPr>
-            <a:lvl4pPr marL="1600200" indent="-228600">
-              <a:buFont typeface="Segoe UI" panose="020B0502040204020203" pitchFamily="34" charset="0"/>
-              <a:buChar char=" "/>
-              <a:defRPr/>
-            </a:lvl4pPr>
-            <a:lvl5pPr marL="2057400" indent="-228600">
-              <a:buFont typeface="Segoe UI" panose="020B0502040204020203" pitchFamily="34" charset="0"/>
-              <a:buChar char=" "/>
-              <a:defRPr/>
-            </a:lvl5pPr>
-          </a:lstStyle>
-          <a:p>
-            <a:pPr lvl="0"/>
-            <a:r>
-              <a:rPr lang="en-US"/>
-              <a:t>Click to edit Master text styles</a:t>
-            </a:r>
-          </a:p>
-          <a:p>
-            <a:pPr lvl="1"/>
-            <a:r>
-              <a:rPr lang="en-US"/>
-              <a:t>Second level</a:t>
-            </a:r>
-          </a:p>
-        </p:txBody>
-      </p:sp>
-      <p:sp>
-        <p:nvSpPr>
-          <p:cNvPr id="11" name="Title 10">
-            <a:extLst>
-              <a:ext uri="{FF2B5EF4-FFF2-40B4-BE49-F238E27FC236}">
-                <a16:creationId xmlns:a16="http://schemas.microsoft.com/office/drawing/2014/main" id="{F9E63483-559C-4A6F-B04F-D6C56A3CC094}"/>
-              </a:ext>
-            </a:extLst>
-          </p:cNvPr>
-          <p:cNvSpPr>
-            <a:spLocks noGrp="1"/>
-          </p:cNvSpPr>
-          <p:nvPr>
-            <p:ph type="title"/>
-          </p:nvPr>
-        </p:nvSpPr>
-        <p:spPr/>
-        <p:txBody>
-          <a:bodyPr/>
-          <a:lstStyle/>
-          <a:p>
-            <a:r>
-              <a:rPr lang="en-US"/>
-              <a:t>Click to edit Master title style</a:t>
-            </a:r>
-          </a:p>
-        </p:txBody>
-      </p:sp>
-    </p:spTree>
-    <p:extLst>
-      <p:ext uri="{BB962C8B-B14F-4D97-AF65-F5344CB8AC3E}">
-        <p14:creationId xmlns:p14="http://schemas.microsoft.com/office/powerpoint/2010/main" val="2049444577"/>
-      </p:ext>
-    </p:extLst>
-  </p:cSld>
-  <p:clrMapOvr>
-    <a:masterClrMapping/>
-  </p:clrMapOvr>
-</p:sldLayout>
-</file>
-
-<file path=ppt/slideLayouts/slideLayout5.xml><?xml version="1.0" encoding="utf-8"?>
-<p:sldLayout xmlns:a="http://schemas.openxmlformats.org/drawingml/2006/main" xmlns:r="http://schemas.openxmlformats.org/officeDocument/2006/relationships" xmlns:p="http://schemas.openxmlformats.org/presentationml/2006/main" preserve="1" userDrawn="1">
-  <p:cSld name="Section Header">
-    <p:spTree>
-      <p:nvGrpSpPr>
-        <p:cNvPr id="1" name=""/>
-        <p:cNvGrpSpPr/>
-        <p:nvPr/>
-      </p:nvGrpSpPr>
-      <p:grpSpPr>
-        <a:xfrm>
-          <a:off x="0" y="0"/>
-          <a:ext cx="0" cy="0"/>
-          <a:chOff x="0" y="0"/>
-          <a:chExt cx="0" cy="0"/>
-        </a:xfrm>
-      </p:grpSpPr>
-      <p:sp>
-        <p:nvSpPr>
-          <p:cNvPr id="9" name="Rectangle 8"/>
-          <p:cNvSpPr/>
-          <p:nvPr userDrawn="1"/>
-        </p:nvSpPr>
-        <p:spPr>
-          <a:xfrm>
-            <a:off x="254951" y="262784"/>
-            <a:ext cx="11683049" cy="6332433"/>
-          </a:xfrm>
-          <a:prstGeom prst="rect">
-            <a:avLst/>
-          </a:prstGeom>
-          <a:solidFill>
-            <a:srgbClr val="F5F5F5"/>
-          </a:solidFill>
-          <a:ln>
-            <a:noFill/>
-          </a:ln>
-        </p:spPr>
-        <p:style>
-          <a:lnRef idx="2">
-            <a:schemeClr val="accent1">
-              <a:shade val="50000"/>
-            </a:schemeClr>
-          </a:lnRef>
-          <a:fillRef idx="1">
-            <a:schemeClr val="accent1"/>
-          </a:fillRef>
-          <a:effectRef idx="0">
-            <a:schemeClr val="accent1"/>
-          </a:effectRef>
-          <a:fontRef idx="minor">
-            <a:schemeClr val="lt1"/>
-          </a:fontRef>
-        </p:style>
-        <p:txBody>
-          <a:bodyPr rtlCol="0" anchor="ctr"/>
-          <a:lstStyle/>
-          <a:p>
-            <a:pPr algn="ctr"/>
-            <a:endParaRPr lang="en-US" sz="1800"/>
-          </a:p>
-        </p:txBody>
-      </p:sp>
-      <p:sp>
-        <p:nvSpPr>
-          <p:cNvPr id="10" name="Rectangle 9"/>
-          <p:cNvSpPr/>
-          <p:nvPr userDrawn="1"/>
-        </p:nvSpPr>
-        <p:spPr bwMode="blackWhite">
-          <a:xfrm>
-            <a:off x="254950" y="262784"/>
-            <a:ext cx="11682101" cy="2072643"/>
-          </a:xfrm>
-          <a:prstGeom prst="rect">
-            <a:avLst/>
-          </a:prstGeom>
-          <a:solidFill>
-            <a:srgbClr val="D24726"/>
-          </a:solidFill>
-          <a:ln>
-            <a:noFill/>
-          </a:ln>
-        </p:spPr>
-        <p:style>
-          <a:lnRef idx="2">
-            <a:schemeClr val="accent1">
-              <a:shade val="50000"/>
-            </a:schemeClr>
-          </a:lnRef>
-          <a:fillRef idx="1">
-            <a:schemeClr val="accent1"/>
-          </a:fillRef>
-          <a:effectRef idx="0">
-            <a:schemeClr val="accent1"/>
-          </a:effectRef>
-          <a:fontRef idx="minor">
-            <a:schemeClr val="lt1"/>
-          </a:fontRef>
-        </p:style>
-        <p:txBody>
-          <a:bodyPr rtlCol="0" anchor="ctr"/>
-          <a:lstStyle/>
-          <a:p>
-            <a:pPr algn="ctr"/>
-            <a:endParaRPr lang="en-US" sz="1800"/>
-          </a:p>
-        </p:txBody>
-      </p:sp>
-      <p:sp>
-        <p:nvSpPr>
-          <p:cNvPr id="2" name="Title 1"/>
-          <p:cNvSpPr>
-            <a:spLocks noGrp="1"/>
-          </p:cNvSpPr>
-          <p:nvPr>
-            <p:ph type="title"/>
-          </p:nvPr>
-        </p:nvSpPr>
-        <p:spPr>
-          <a:xfrm>
-            <a:off x="521208" y="1536192"/>
-            <a:ext cx="6876288" cy="640080"/>
-          </a:xfrm>
-        </p:spPr>
-        <p:txBody>
-          <a:bodyPr>
-            <a:normAutofit/>
-          </a:bodyPr>
-          <a:lstStyle>
-            <a:lvl1pPr>
-              <a:defRPr sz="3600">
-                <a:solidFill>
-                  <a:schemeClr val="bg1"/>
-                </a:solidFill>
-              </a:defRPr>
-            </a:lvl1pPr>
-          </a:lstStyle>
-          <a:p>
-            <a:r>
-              <a:rPr lang="en-US"/>
-              <a:t>Click to edit Master title style</a:t>
-            </a:r>
-            <a:endParaRPr lang="en-US" dirty="0"/>
-          </a:p>
-        </p:txBody>
-      </p:sp>
-      <p:sp>
-        <p:nvSpPr>
-          <p:cNvPr id="7" name="Content Placeholder 6"/>
-          <p:cNvSpPr>
-            <a:spLocks noGrp="1"/>
-          </p:cNvSpPr>
-          <p:nvPr>
-            <p:ph sz="quarter" idx="13"/>
-          </p:nvPr>
-        </p:nvSpPr>
-        <p:spPr>
-          <a:xfrm>
-            <a:off x="539496" y="2560320"/>
-            <a:ext cx="9445752" cy="3977640"/>
-          </a:xfrm>
-        </p:spPr>
-        <p:txBody>
-          <a:bodyPr vert="horz" lIns="91440" tIns="45720" rIns="91440" bIns="45720" rtlCol="0">
-            <a:normAutofit/>
-          </a:bodyPr>
-          <a:lstStyle>
-            <a:lvl1pPr>
-              <a:defRPr lang="en-US" sz="2400" smtClean="0">
-                <a:solidFill>
-                  <a:schemeClr val="tx1">
-                    <a:lumMod val="75000"/>
-                    <a:lumOff val="25000"/>
-                  </a:schemeClr>
-                </a:solidFill>
-                <a:latin typeface="+mj-lt"/>
-              </a:defRPr>
-            </a:lvl1pPr>
-            <a:lvl2pPr>
-              <a:defRPr lang="en-US" sz="1200" dirty="0" smtClean="0">
-                <a:solidFill>
-                  <a:schemeClr val="tx1">
-                    <a:lumMod val="75000"/>
-                    <a:lumOff val="25000"/>
-                  </a:schemeClr>
-                </a:solidFill>
-              </a:defRPr>
-            </a:lvl2pPr>
-            <a:lvl3pPr>
-              <a:defRPr lang="en-US" sz="1200" dirty="0" smtClean="0">
-                <a:solidFill>
-                  <a:schemeClr val="tx1">
-                    <a:lumMod val="75000"/>
-                    <a:lumOff val="25000"/>
-                  </a:schemeClr>
-                </a:solidFill>
-              </a:defRPr>
-            </a:lvl3pPr>
-            <a:lvl4pPr>
-              <a:defRPr lang="en-US" sz="1200" dirty="0" smtClean="0">
-                <a:solidFill>
-                  <a:schemeClr val="tx1">
-                    <a:lumMod val="75000"/>
-                    <a:lumOff val="25000"/>
-                  </a:schemeClr>
-                </a:solidFill>
-              </a:defRPr>
-            </a:lvl4pPr>
-            <a:lvl5pPr>
-              <a:defRPr lang="en-US" sz="1200" dirty="0">
-                <a:solidFill>
-                  <a:schemeClr val="tx1">
-                    <a:lumMod val="75000"/>
-                    <a:lumOff val="25000"/>
-                  </a:schemeClr>
-                </a:solidFill>
-              </a:defRPr>
-            </a:lvl5pPr>
-          </a:lstStyle>
-          <a:p>
-            <a:pPr marL="0" lvl="0" indent="0">
-              <a:lnSpc>
-                <a:spcPct val="150000"/>
-              </a:lnSpc>
-              <a:spcBef>
-                <a:spcPts val="1000"/>
-              </a:spcBef>
-              <a:spcAft>
-                <a:spcPts val="1200"/>
-              </a:spcAft>
-              <a:buNone/>
-            </a:pPr>
-            <a:r>
-              <a:rPr lang="en-US"/>
-              <a:t>Click to edit Master text styles</a:t>
-            </a:r>
-          </a:p>
-          <a:p>
-            <a:pPr marL="0" lvl="1" indent="0">
-              <a:lnSpc>
-                <a:spcPct val="150000"/>
-              </a:lnSpc>
-              <a:spcBef>
-                <a:spcPts val="1000"/>
-              </a:spcBef>
-              <a:spcAft>
-                <a:spcPts val="1200"/>
-              </a:spcAft>
-              <a:buNone/>
-            </a:pPr>
-            <a:r>
-              <a:rPr lang="en-US"/>
-              <a:t>Second level</a:t>
-            </a:r>
-          </a:p>
-          <a:p>
-            <a:pPr marL="0" lvl="2" indent="0">
-              <a:lnSpc>
-                <a:spcPct val="150000"/>
-              </a:lnSpc>
-              <a:spcBef>
-                <a:spcPts val="1000"/>
-              </a:spcBef>
-              <a:spcAft>
-                <a:spcPts val="1200"/>
-              </a:spcAft>
-              <a:buNone/>
-            </a:pPr>
-            <a:r>
-              <a:rPr lang="en-US"/>
-              <a:t>Third level</a:t>
-            </a:r>
-          </a:p>
-          <a:p>
-            <a:pPr marL="0" lvl="3" indent="0">
-              <a:lnSpc>
-                <a:spcPct val="150000"/>
-              </a:lnSpc>
-              <a:spcBef>
-                <a:spcPts val="1000"/>
-              </a:spcBef>
-              <a:spcAft>
-                <a:spcPts val="1200"/>
-              </a:spcAft>
-              <a:buNone/>
-            </a:pPr>
-            <a:r>
-              <a:rPr lang="en-US"/>
-              <a:t>Fourth level</a:t>
-            </a:r>
-          </a:p>
-          <a:p>
-            <a:pPr marL="0" lvl="4" indent="0">
-              <a:lnSpc>
-                <a:spcPct val="150000"/>
-              </a:lnSpc>
-              <a:spcBef>
-                <a:spcPts val="1000"/>
-              </a:spcBef>
-              <a:spcAft>
-                <a:spcPts val="1200"/>
-              </a:spcAft>
-              <a:buNone/>
-            </a:pPr>
-            <a:r>
-              <a:rPr lang="en-US"/>
-              <a:t>Fifth level</a:t>
-            </a:r>
-            <a:endParaRPr lang="en-US" dirty="0"/>
-          </a:p>
-        </p:txBody>
-      </p:sp>
-    </p:spTree>
-    <p:extLst>
-      <p:ext uri="{BB962C8B-B14F-4D97-AF65-F5344CB8AC3E}">
-        <p14:creationId xmlns:p14="http://schemas.microsoft.com/office/powerpoint/2010/main" val="697828445"/>
-      </p:ext>
-    </p:extLst>
-  </p:cSld>
-  <p:clrMapOvr>
-    <a:masterClrMapping/>
-  </p:clrMapOvr>
-</p:sldLayout>
-</file>
-
-<file path=ppt/slideLayouts/slideLayout6.xml><?xml version="1.0" encoding="utf-8"?>
-<p:sldLayout xmlns:a="http://schemas.openxmlformats.org/drawingml/2006/main" xmlns:r="http://schemas.openxmlformats.org/officeDocument/2006/relationships" xmlns:p="http://schemas.openxmlformats.org/presentationml/2006/main" preserve="1" userDrawn="1">
-  <p:cSld name="Title Only">
+  <p:cSld name="1_Title Only">
     <p:spTree>
       <p:nvGrpSpPr>
         <p:cNvPr id="1" name=""/>
@@ -6375,7 +6881,7 @@
 </p:sldLayout>
 </file>
 
-<file path=ppt/slideLayouts/slideLayout7.xml><?xml version="1.0" encoding="utf-8"?>
+<file path=ppt/slideLayouts/slideLayout17.xml><?xml version="1.0" encoding="utf-8"?>
 <p:sldLayout xmlns:a="http://schemas.openxmlformats.org/drawingml/2006/main" xmlns:r="http://schemas.openxmlformats.org/officeDocument/2006/relationships" xmlns:p="http://schemas.openxmlformats.org/presentationml/2006/main" preserve="1" userDrawn="1">
   <p:cSld name="Standard">
     <p:spTree>
@@ -6549,44 +7055,9 @@
 </p:sldLayout>
 </file>
 
-<file path=ppt/slideLayouts/slideLayout8.xml><?xml version="1.0" encoding="utf-8"?>
-<p:sldLayout xmlns:a="http://schemas.openxmlformats.org/drawingml/2006/main" xmlns:r="http://schemas.openxmlformats.org/officeDocument/2006/relationships" xmlns:p="http://schemas.openxmlformats.org/presentationml/2006/main" type="blank" preserve="1">
-  <p:cSld name="Blank">
-    <p:spTree>
-      <p:nvGrpSpPr>
-        <p:cNvPr id="1" name=""/>
-        <p:cNvGrpSpPr/>
-        <p:nvPr/>
-      </p:nvGrpSpPr>
-      <p:grpSpPr>
-        <a:xfrm>
-          <a:off x="0" y="0"/>
-          <a:ext cx="0" cy="0"/>
-          <a:chOff x="0" y="0"/>
-          <a:chExt cx="0" cy="0"/>
-        </a:xfrm>
-      </p:grpSpPr>
-    </p:spTree>
-    <p:extLst>
-      <p:ext uri="{BB962C8B-B14F-4D97-AF65-F5344CB8AC3E}">
-        <p14:creationId xmlns:p14="http://schemas.microsoft.com/office/powerpoint/2010/main" val="2976675406"/>
-      </p:ext>
-    </p:extLst>
-  </p:cSld>
-  <p:clrMapOvr>
-    <a:masterClrMapping/>
-  </p:clrMapOvr>
-</p:sldLayout>
-</file>
-
-<file path=ppt/slideMasters/slideMaster1.xml><?xml version="1.0" encoding="utf-8"?>
-<p:sldMaster xmlns:a="http://schemas.openxmlformats.org/drawingml/2006/main" xmlns:r="http://schemas.openxmlformats.org/officeDocument/2006/relationships" xmlns:p="http://schemas.openxmlformats.org/presentationml/2006/main">
-  <p:cSld>
-    <p:bg>
-      <p:bgRef idx="1001">
-        <a:schemeClr val="bg1"/>
-      </p:bgRef>
-    </p:bg>
+<file path=ppt/slideLayouts/slideLayout2.xml><?xml version="1.0" encoding="utf-8"?>
+<p:sldLayout xmlns:a="http://schemas.openxmlformats.org/drawingml/2006/main" xmlns:r="http://schemas.openxmlformats.org/officeDocument/2006/relationships" xmlns:p="http://schemas.openxmlformats.org/presentationml/2006/main" type="obj" preserve="1">
+  <p:cSld name="Title and Content">
     <p:spTree>
       <p:nvGrpSpPr>
         <p:cNvPr id="1" name=""/>
@@ -6603,10 +7074,1313 @@
       </p:grpSpPr>
       <p:sp>
         <p:nvSpPr>
-          <p:cNvPr id="7" name="Rectangle 6">
+          <p:cNvPr id="2" name="Title 1">
             <a:extLst>
               <a:ext uri="{FF2B5EF4-FFF2-40B4-BE49-F238E27FC236}">
-                <a16:creationId xmlns:a16="http://schemas.microsoft.com/office/drawing/2014/main" id="{CD5FD28E-AEC9-43B8-86F4-9CD3C41D49D7}"/>
+                <a16:creationId xmlns:a16="http://schemas.microsoft.com/office/drawing/2014/main" id="{DFDA5B3A-66AE-4DA4-B52A-17E8D4E74E5C}"/>
+              </a:ext>
+            </a:extLst>
+          </p:cNvPr>
+          <p:cNvSpPr>
+            <a:spLocks noGrp="1"/>
+          </p:cNvSpPr>
+          <p:nvPr>
+            <p:ph type="title"/>
+          </p:nvPr>
+        </p:nvSpPr>
+        <p:spPr/>
+        <p:txBody>
+          <a:bodyPr/>
+          <a:lstStyle/>
+          <a:p>
+            <a:r>
+              <a:rPr lang="en-US"/>
+              <a:t>Click to edit Master title style</a:t>
+            </a:r>
+          </a:p>
+        </p:txBody>
+      </p:sp>
+      <p:sp>
+        <p:nvSpPr>
+          <p:cNvPr id="3" name="Content Placeholder 2">
+            <a:extLst>
+              <a:ext uri="{FF2B5EF4-FFF2-40B4-BE49-F238E27FC236}">
+                <a16:creationId xmlns:a16="http://schemas.microsoft.com/office/drawing/2014/main" id="{FF5A1888-ECC6-4612-9BB8-85B71250B21E}"/>
+              </a:ext>
+            </a:extLst>
+          </p:cNvPr>
+          <p:cNvSpPr>
+            <a:spLocks noGrp="1"/>
+          </p:cNvSpPr>
+          <p:nvPr>
+            <p:ph idx="1"/>
+          </p:nvPr>
+        </p:nvSpPr>
+        <p:spPr/>
+        <p:txBody>
+          <a:bodyPr/>
+          <a:lstStyle/>
+          <a:p>
+            <a:pPr lvl="0"/>
+            <a:r>
+              <a:rPr lang="en-US"/>
+              <a:t>Click to edit Master text styles</a:t>
+            </a:r>
+          </a:p>
+          <a:p>
+            <a:pPr lvl="1"/>
+            <a:r>
+              <a:rPr lang="en-US"/>
+              <a:t>Second level</a:t>
+            </a:r>
+          </a:p>
+          <a:p>
+            <a:pPr lvl="2"/>
+            <a:r>
+              <a:rPr lang="en-US"/>
+              <a:t>Third level</a:t>
+            </a:r>
+          </a:p>
+          <a:p>
+            <a:pPr lvl="3"/>
+            <a:r>
+              <a:rPr lang="en-US"/>
+              <a:t>Fourth level</a:t>
+            </a:r>
+          </a:p>
+          <a:p>
+            <a:pPr lvl="4"/>
+            <a:r>
+              <a:rPr lang="en-US"/>
+              <a:t>Fifth level</a:t>
+            </a:r>
+          </a:p>
+        </p:txBody>
+      </p:sp>
+      <p:sp>
+        <p:nvSpPr>
+          <p:cNvPr id="4" name="Date Placeholder 3">
+            <a:extLst>
+              <a:ext uri="{FF2B5EF4-FFF2-40B4-BE49-F238E27FC236}">
+                <a16:creationId xmlns:a16="http://schemas.microsoft.com/office/drawing/2014/main" id="{F151F230-6EF6-4AA0-B518-8A9E82BFA909}"/>
+              </a:ext>
+            </a:extLst>
+          </p:cNvPr>
+          <p:cNvSpPr>
+            <a:spLocks noGrp="1"/>
+          </p:cNvSpPr>
+          <p:nvPr>
+            <p:ph type="dt" sz="half" idx="10"/>
+          </p:nvPr>
+        </p:nvSpPr>
+        <p:spPr/>
+        <p:txBody>
+          <a:bodyPr/>
+          <a:lstStyle/>
+          <a:p>
+            <a:fld id="{B61BEF0D-F0BB-DE4B-95CE-6DB70DBA9567}" type="datetimeFigureOut">
+              <a:rPr lang="en-US" smtClean="0"/>
+              <a:pPr/>
+              <a:t>10/31/2019</a:t>
+            </a:fld>
+            <a:endParaRPr lang="en-US" dirty="0"/>
+          </a:p>
+        </p:txBody>
+      </p:sp>
+      <p:sp>
+        <p:nvSpPr>
+          <p:cNvPr id="5" name="Footer Placeholder 4">
+            <a:extLst>
+              <a:ext uri="{FF2B5EF4-FFF2-40B4-BE49-F238E27FC236}">
+                <a16:creationId xmlns:a16="http://schemas.microsoft.com/office/drawing/2014/main" id="{FE1C5B9A-25F8-4A22-A33A-5DF87DF20C37}"/>
+              </a:ext>
+            </a:extLst>
+          </p:cNvPr>
+          <p:cNvSpPr>
+            <a:spLocks noGrp="1"/>
+          </p:cNvSpPr>
+          <p:nvPr>
+            <p:ph type="ftr" sz="quarter" idx="11"/>
+          </p:nvPr>
+        </p:nvSpPr>
+        <p:spPr/>
+        <p:txBody>
+          <a:bodyPr/>
+          <a:lstStyle/>
+          <a:p>
+            <a:endParaRPr lang="en-US" dirty="0"/>
+          </a:p>
+        </p:txBody>
+      </p:sp>
+      <p:sp>
+        <p:nvSpPr>
+          <p:cNvPr id="6" name="Slide Number Placeholder 5">
+            <a:extLst>
+              <a:ext uri="{FF2B5EF4-FFF2-40B4-BE49-F238E27FC236}">
+                <a16:creationId xmlns:a16="http://schemas.microsoft.com/office/drawing/2014/main" id="{69DF361E-E4B7-4C9A-9727-143797107DE3}"/>
+              </a:ext>
+            </a:extLst>
+          </p:cNvPr>
+          <p:cNvSpPr>
+            <a:spLocks noGrp="1"/>
+          </p:cNvSpPr>
+          <p:nvPr>
+            <p:ph type="sldNum" sz="quarter" idx="12"/>
+          </p:nvPr>
+        </p:nvSpPr>
+        <p:spPr/>
+        <p:txBody>
+          <a:bodyPr/>
+          <a:lstStyle/>
+          <a:p>
+            <a:fld id="{D57F1E4F-1CFF-5643-939E-217C01CDF565}" type="slidenum">
+              <a:rPr lang="en-US" smtClean="0"/>
+              <a:pPr/>
+              <a:t>‹#›</a:t>
+            </a:fld>
+            <a:endParaRPr lang="en-US" dirty="0"/>
+          </a:p>
+        </p:txBody>
+      </p:sp>
+      <p:pic>
+        <p:nvPicPr>
+          <p:cNvPr id="7" name="Picture 6">
+            <a:extLst>
+              <a:ext uri="{FF2B5EF4-FFF2-40B4-BE49-F238E27FC236}">
+                <a16:creationId xmlns:a16="http://schemas.microsoft.com/office/drawing/2014/main" id="{F983F3E1-C4AA-4FA4-847B-2F73B59C5464}"/>
+              </a:ext>
+              <a:ext uri="{C183D7F6-B498-43B3-948B-1728B52AA6E4}">
+                <adec:decorative xmlns:adec="http://schemas.microsoft.com/office/drawing/2017/decorative" val="1"/>
+              </a:ext>
+            </a:extLst>
+          </p:cNvPr>
+          <p:cNvPicPr>
+            <a:picLocks noChangeAspect="1"/>
+          </p:cNvPicPr>
+          <p:nvPr userDrawn="1"/>
+        </p:nvPicPr>
+        <p:blipFill rotWithShape="1">
+          <a:blip r:embed="rId2">
+            <a:extLst>
+              <a:ext uri="{28A0092B-C50C-407E-A947-70E740481C1C}">
+                <a14:useLocalDpi xmlns:a14="http://schemas.microsoft.com/office/drawing/2010/main" val="0"/>
+              </a:ext>
+            </a:extLst>
+          </a:blip>
+          <a:srcRect t="-3"/>
+          <a:stretch/>
+        </p:blipFill>
+        <p:spPr>
+          <a:xfrm>
+            <a:off x="269032" y="4801396"/>
+            <a:ext cx="11653936" cy="1786228"/>
+          </a:xfrm>
+          <a:prstGeom prst="rect">
+            <a:avLst/>
+          </a:prstGeom>
+        </p:spPr>
+      </p:pic>
+    </p:spTree>
+    <p:extLst>
+      <p:ext uri="{BB962C8B-B14F-4D97-AF65-F5344CB8AC3E}">
+        <p14:creationId xmlns:p14="http://schemas.microsoft.com/office/powerpoint/2010/main" val="2990375087"/>
+      </p:ext>
+    </p:extLst>
+  </p:cSld>
+  <p:clrMapOvr>
+    <a:masterClrMapping/>
+  </p:clrMapOvr>
+</p:sldLayout>
+</file>
+
+<file path=ppt/slideLayouts/slideLayout3.xml><?xml version="1.0" encoding="utf-8"?>
+<p:sldLayout xmlns:a="http://schemas.openxmlformats.org/drawingml/2006/main" xmlns:r="http://schemas.openxmlformats.org/officeDocument/2006/relationships" xmlns:p="http://schemas.openxmlformats.org/presentationml/2006/main" type="secHead" preserve="1">
+  <p:cSld name="Section Header">
+    <p:spTree>
+      <p:nvGrpSpPr>
+        <p:cNvPr id="1" name=""/>
+        <p:cNvGrpSpPr/>
+        <p:nvPr/>
+      </p:nvGrpSpPr>
+      <p:grpSpPr>
+        <a:xfrm>
+          <a:off x="0" y="0"/>
+          <a:ext cx="0" cy="0"/>
+          <a:chOff x="0" y="0"/>
+          <a:chExt cx="0" cy="0"/>
+        </a:xfrm>
+      </p:grpSpPr>
+      <p:sp>
+        <p:nvSpPr>
+          <p:cNvPr id="2" name="Title 1">
+            <a:extLst>
+              <a:ext uri="{FF2B5EF4-FFF2-40B4-BE49-F238E27FC236}">
+                <a16:creationId xmlns:a16="http://schemas.microsoft.com/office/drawing/2014/main" id="{7A7D23DD-B870-4AAD-9357-4A70439CC51D}"/>
+              </a:ext>
+            </a:extLst>
+          </p:cNvPr>
+          <p:cNvSpPr>
+            <a:spLocks noGrp="1"/>
+          </p:cNvSpPr>
+          <p:nvPr>
+            <p:ph type="title"/>
+          </p:nvPr>
+        </p:nvSpPr>
+        <p:spPr>
+          <a:xfrm>
+            <a:off x="831850" y="1709738"/>
+            <a:ext cx="10515600" cy="2852737"/>
+          </a:xfrm>
+        </p:spPr>
+        <p:txBody>
+          <a:bodyPr anchor="b"/>
+          <a:lstStyle>
+            <a:lvl1pPr>
+              <a:defRPr sz="6000"/>
+            </a:lvl1pPr>
+          </a:lstStyle>
+          <a:p>
+            <a:r>
+              <a:rPr lang="en-US"/>
+              <a:t>Click to edit Master title style</a:t>
+            </a:r>
+          </a:p>
+        </p:txBody>
+      </p:sp>
+      <p:sp>
+        <p:nvSpPr>
+          <p:cNvPr id="3" name="Text Placeholder 2">
+            <a:extLst>
+              <a:ext uri="{FF2B5EF4-FFF2-40B4-BE49-F238E27FC236}">
+                <a16:creationId xmlns:a16="http://schemas.microsoft.com/office/drawing/2014/main" id="{1CE998B0-2653-4D36-9F27-630B4797D5F2}"/>
+              </a:ext>
+            </a:extLst>
+          </p:cNvPr>
+          <p:cNvSpPr>
+            <a:spLocks noGrp="1"/>
+          </p:cNvSpPr>
+          <p:nvPr>
+            <p:ph type="body" idx="1"/>
+          </p:nvPr>
+        </p:nvSpPr>
+        <p:spPr>
+          <a:xfrm>
+            <a:off x="831850" y="4589463"/>
+            <a:ext cx="10515600" cy="1500187"/>
+          </a:xfrm>
+        </p:spPr>
+        <p:txBody>
+          <a:bodyPr/>
+          <a:lstStyle>
+            <a:lvl1pPr marL="0" indent="0">
+              <a:buNone/>
+              <a:defRPr sz="2400">
+                <a:solidFill>
+                  <a:schemeClr val="tx1">
+                    <a:tint val="75000"/>
+                  </a:schemeClr>
+                </a:solidFill>
+              </a:defRPr>
+            </a:lvl1pPr>
+            <a:lvl2pPr marL="457200" indent="0">
+              <a:buNone/>
+              <a:defRPr sz="2000">
+                <a:solidFill>
+                  <a:schemeClr val="tx1">
+                    <a:tint val="75000"/>
+                  </a:schemeClr>
+                </a:solidFill>
+              </a:defRPr>
+            </a:lvl2pPr>
+            <a:lvl3pPr marL="914400" indent="0">
+              <a:buNone/>
+              <a:defRPr sz="1800">
+                <a:solidFill>
+                  <a:schemeClr val="tx1">
+                    <a:tint val="75000"/>
+                  </a:schemeClr>
+                </a:solidFill>
+              </a:defRPr>
+            </a:lvl3pPr>
+            <a:lvl4pPr marL="1371600" indent="0">
+              <a:buNone/>
+              <a:defRPr sz="1600">
+                <a:solidFill>
+                  <a:schemeClr val="tx1">
+                    <a:tint val="75000"/>
+                  </a:schemeClr>
+                </a:solidFill>
+              </a:defRPr>
+            </a:lvl4pPr>
+            <a:lvl5pPr marL="1828800" indent="0">
+              <a:buNone/>
+              <a:defRPr sz="1600">
+                <a:solidFill>
+                  <a:schemeClr val="tx1">
+                    <a:tint val="75000"/>
+                  </a:schemeClr>
+                </a:solidFill>
+              </a:defRPr>
+            </a:lvl5pPr>
+            <a:lvl6pPr marL="2286000" indent="0">
+              <a:buNone/>
+              <a:defRPr sz="1600">
+                <a:solidFill>
+                  <a:schemeClr val="tx1">
+                    <a:tint val="75000"/>
+                  </a:schemeClr>
+                </a:solidFill>
+              </a:defRPr>
+            </a:lvl6pPr>
+            <a:lvl7pPr marL="2743200" indent="0">
+              <a:buNone/>
+              <a:defRPr sz="1600">
+                <a:solidFill>
+                  <a:schemeClr val="tx1">
+                    <a:tint val="75000"/>
+                  </a:schemeClr>
+                </a:solidFill>
+              </a:defRPr>
+            </a:lvl7pPr>
+            <a:lvl8pPr marL="3200400" indent="0">
+              <a:buNone/>
+              <a:defRPr sz="1600">
+                <a:solidFill>
+                  <a:schemeClr val="tx1">
+                    <a:tint val="75000"/>
+                  </a:schemeClr>
+                </a:solidFill>
+              </a:defRPr>
+            </a:lvl8pPr>
+            <a:lvl9pPr marL="3657600" indent="0">
+              <a:buNone/>
+              <a:defRPr sz="1600">
+                <a:solidFill>
+                  <a:schemeClr val="tx1">
+                    <a:tint val="75000"/>
+                  </a:schemeClr>
+                </a:solidFill>
+              </a:defRPr>
+            </a:lvl9pPr>
+          </a:lstStyle>
+          <a:p>
+            <a:pPr lvl="0"/>
+            <a:r>
+              <a:rPr lang="en-US"/>
+              <a:t>Click to edit Master text styles</a:t>
+            </a:r>
+          </a:p>
+        </p:txBody>
+      </p:sp>
+      <p:sp>
+        <p:nvSpPr>
+          <p:cNvPr id="4" name="Date Placeholder 3">
+            <a:extLst>
+              <a:ext uri="{FF2B5EF4-FFF2-40B4-BE49-F238E27FC236}">
+                <a16:creationId xmlns:a16="http://schemas.microsoft.com/office/drawing/2014/main" id="{0B3FD4A8-F624-4778-B533-BB072DE7D3DE}"/>
+              </a:ext>
+            </a:extLst>
+          </p:cNvPr>
+          <p:cNvSpPr>
+            <a:spLocks noGrp="1"/>
+          </p:cNvSpPr>
+          <p:nvPr>
+            <p:ph type="dt" sz="half" idx="10"/>
+          </p:nvPr>
+        </p:nvSpPr>
+        <p:spPr/>
+        <p:txBody>
+          <a:bodyPr/>
+          <a:lstStyle/>
+          <a:p>
+            <a:fld id="{4744E560-77BF-4D1A-B6E7-CD55CE12B1B8}" type="datetimeFigureOut">
+              <a:rPr lang="en-US" smtClean="0"/>
+              <a:t>10/31/2019</a:t>
+            </a:fld>
+            <a:endParaRPr lang="en-US"/>
+          </a:p>
+        </p:txBody>
+      </p:sp>
+      <p:sp>
+        <p:nvSpPr>
+          <p:cNvPr id="5" name="Footer Placeholder 4">
+            <a:extLst>
+              <a:ext uri="{FF2B5EF4-FFF2-40B4-BE49-F238E27FC236}">
+                <a16:creationId xmlns:a16="http://schemas.microsoft.com/office/drawing/2014/main" id="{04237026-137A-4BB7-966D-3E450430A1EA}"/>
+              </a:ext>
+            </a:extLst>
+          </p:cNvPr>
+          <p:cNvSpPr>
+            <a:spLocks noGrp="1"/>
+          </p:cNvSpPr>
+          <p:nvPr>
+            <p:ph type="ftr" sz="quarter" idx="11"/>
+          </p:nvPr>
+        </p:nvSpPr>
+        <p:spPr/>
+        <p:txBody>
+          <a:bodyPr/>
+          <a:lstStyle/>
+          <a:p>
+            <a:endParaRPr lang="en-US"/>
+          </a:p>
+        </p:txBody>
+      </p:sp>
+      <p:sp>
+        <p:nvSpPr>
+          <p:cNvPr id="6" name="Slide Number Placeholder 5">
+            <a:extLst>
+              <a:ext uri="{FF2B5EF4-FFF2-40B4-BE49-F238E27FC236}">
+                <a16:creationId xmlns:a16="http://schemas.microsoft.com/office/drawing/2014/main" id="{BBC94D76-1E9A-4D7D-8750-E64820E7867E}"/>
+              </a:ext>
+            </a:extLst>
+          </p:cNvPr>
+          <p:cNvSpPr>
+            <a:spLocks noGrp="1"/>
+          </p:cNvSpPr>
+          <p:nvPr>
+            <p:ph type="sldNum" sz="quarter" idx="12"/>
+          </p:nvPr>
+        </p:nvSpPr>
+        <p:spPr/>
+        <p:txBody>
+          <a:bodyPr/>
+          <a:lstStyle/>
+          <a:p>
+            <a:fld id="{3359379A-16E2-4C4A-96D0-A52C442257E7}" type="slidenum">
+              <a:rPr lang="en-US" smtClean="0"/>
+              <a:t>‹#›</a:t>
+            </a:fld>
+            <a:endParaRPr lang="en-US"/>
+          </a:p>
+        </p:txBody>
+      </p:sp>
+    </p:spTree>
+    <p:extLst>
+      <p:ext uri="{BB962C8B-B14F-4D97-AF65-F5344CB8AC3E}">
+        <p14:creationId xmlns:p14="http://schemas.microsoft.com/office/powerpoint/2010/main" val="4204801822"/>
+      </p:ext>
+    </p:extLst>
+  </p:cSld>
+  <p:clrMapOvr>
+    <a:masterClrMapping/>
+  </p:clrMapOvr>
+</p:sldLayout>
+</file>
+
+<file path=ppt/slideLayouts/slideLayout4.xml><?xml version="1.0" encoding="utf-8"?>
+<p:sldLayout xmlns:a="http://schemas.openxmlformats.org/drawingml/2006/main" xmlns:r="http://schemas.openxmlformats.org/officeDocument/2006/relationships" xmlns:p="http://schemas.openxmlformats.org/presentationml/2006/main" type="twoObj" preserve="1">
+  <p:cSld name="Two Content">
+    <p:spTree>
+      <p:nvGrpSpPr>
+        <p:cNvPr id="1" name=""/>
+        <p:cNvGrpSpPr/>
+        <p:nvPr/>
+      </p:nvGrpSpPr>
+      <p:grpSpPr>
+        <a:xfrm>
+          <a:off x="0" y="0"/>
+          <a:ext cx="0" cy="0"/>
+          <a:chOff x="0" y="0"/>
+          <a:chExt cx="0" cy="0"/>
+        </a:xfrm>
+      </p:grpSpPr>
+      <p:sp>
+        <p:nvSpPr>
+          <p:cNvPr id="2" name="Title 1">
+            <a:extLst>
+              <a:ext uri="{FF2B5EF4-FFF2-40B4-BE49-F238E27FC236}">
+                <a16:creationId xmlns:a16="http://schemas.microsoft.com/office/drawing/2014/main" id="{AFEB9A3A-1988-4D29-90BF-6B641D00F68D}"/>
+              </a:ext>
+            </a:extLst>
+          </p:cNvPr>
+          <p:cNvSpPr>
+            <a:spLocks noGrp="1"/>
+          </p:cNvSpPr>
+          <p:nvPr>
+            <p:ph type="title"/>
+          </p:nvPr>
+        </p:nvSpPr>
+        <p:spPr/>
+        <p:txBody>
+          <a:bodyPr/>
+          <a:lstStyle/>
+          <a:p>
+            <a:r>
+              <a:rPr lang="en-US"/>
+              <a:t>Click to edit Master title style</a:t>
+            </a:r>
+          </a:p>
+        </p:txBody>
+      </p:sp>
+      <p:sp>
+        <p:nvSpPr>
+          <p:cNvPr id="3" name="Content Placeholder 2">
+            <a:extLst>
+              <a:ext uri="{FF2B5EF4-FFF2-40B4-BE49-F238E27FC236}">
+                <a16:creationId xmlns:a16="http://schemas.microsoft.com/office/drawing/2014/main" id="{54272139-555F-4318-AF1F-776AB12E1863}"/>
+              </a:ext>
+            </a:extLst>
+          </p:cNvPr>
+          <p:cNvSpPr>
+            <a:spLocks noGrp="1"/>
+          </p:cNvSpPr>
+          <p:nvPr>
+            <p:ph sz="half" idx="1"/>
+          </p:nvPr>
+        </p:nvSpPr>
+        <p:spPr>
+          <a:xfrm>
+            <a:off x="838200" y="1825625"/>
+            <a:ext cx="5181600" cy="4351338"/>
+          </a:xfrm>
+        </p:spPr>
+        <p:txBody>
+          <a:bodyPr/>
+          <a:lstStyle/>
+          <a:p>
+            <a:pPr lvl="0"/>
+            <a:r>
+              <a:rPr lang="en-US"/>
+              <a:t>Click to edit Master text styles</a:t>
+            </a:r>
+          </a:p>
+          <a:p>
+            <a:pPr lvl="1"/>
+            <a:r>
+              <a:rPr lang="en-US"/>
+              <a:t>Second level</a:t>
+            </a:r>
+          </a:p>
+          <a:p>
+            <a:pPr lvl="2"/>
+            <a:r>
+              <a:rPr lang="en-US"/>
+              <a:t>Third level</a:t>
+            </a:r>
+          </a:p>
+          <a:p>
+            <a:pPr lvl="3"/>
+            <a:r>
+              <a:rPr lang="en-US"/>
+              <a:t>Fourth level</a:t>
+            </a:r>
+          </a:p>
+          <a:p>
+            <a:pPr lvl="4"/>
+            <a:r>
+              <a:rPr lang="en-US"/>
+              <a:t>Fifth level</a:t>
+            </a:r>
+          </a:p>
+        </p:txBody>
+      </p:sp>
+      <p:sp>
+        <p:nvSpPr>
+          <p:cNvPr id="4" name="Content Placeholder 3">
+            <a:extLst>
+              <a:ext uri="{FF2B5EF4-FFF2-40B4-BE49-F238E27FC236}">
+                <a16:creationId xmlns:a16="http://schemas.microsoft.com/office/drawing/2014/main" id="{E8FD9389-7DC2-427C-A2F8-6BF7F60518B0}"/>
+              </a:ext>
+            </a:extLst>
+          </p:cNvPr>
+          <p:cNvSpPr>
+            <a:spLocks noGrp="1"/>
+          </p:cNvSpPr>
+          <p:nvPr>
+            <p:ph sz="half" idx="2"/>
+          </p:nvPr>
+        </p:nvSpPr>
+        <p:spPr>
+          <a:xfrm>
+            <a:off x="6172200" y="1825625"/>
+            <a:ext cx="5181600" cy="4351338"/>
+          </a:xfrm>
+        </p:spPr>
+        <p:txBody>
+          <a:bodyPr/>
+          <a:lstStyle/>
+          <a:p>
+            <a:pPr lvl="0"/>
+            <a:r>
+              <a:rPr lang="en-US"/>
+              <a:t>Click to edit Master text styles</a:t>
+            </a:r>
+          </a:p>
+          <a:p>
+            <a:pPr lvl="1"/>
+            <a:r>
+              <a:rPr lang="en-US"/>
+              <a:t>Second level</a:t>
+            </a:r>
+          </a:p>
+          <a:p>
+            <a:pPr lvl="2"/>
+            <a:r>
+              <a:rPr lang="en-US"/>
+              <a:t>Third level</a:t>
+            </a:r>
+          </a:p>
+          <a:p>
+            <a:pPr lvl="3"/>
+            <a:r>
+              <a:rPr lang="en-US"/>
+              <a:t>Fourth level</a:t>
+            </a:r>
+          </a:p>
+          <a:p>
+            <a:pPr lvl="4"/>
+            <a:r>
+              <a:rPr lang="en-US"/>
+              <a:t>Fifth level</a:t>
+            </a:r>
+          </a:p>
+        </p:txBody>
+      </p:sp>
+      <p:sp>
+        <p:nvSpPr>
+          <p:cNvPr id="5" name="Date Placeholder 4">
+            <a:extLst>
+              <a:ext uri="{FF2B5EF4-FFF2-40B4-BE49-F238E27FC236}">
+                <a16:creationId xmlns:a16="http://schemas.microsoft.com/office/drawing/2014/main" id="{8BAB5486-A900-4957-9CA7-36E78B9E8120}"/>
+              </a:ext>
+            </a:extLst>
+          </p:cNvPr>
+          <p:cNvSpPr>
+            <a:spLocks noGrp="1"/>
+          </p:cNvSpPr>
+          <p:nvPr>
+            <p:ph type="dt" sz="half" idx="10"/>
+          </p:nvPr>
+        </p:nvSpPr>
+        <p:spPr/>
+        <p:txBody>
+          <a:bodyPr/>
+          <a:lstStyle/>
+          <a:p>
+            <a:fld id="{4744E560-77BF-4D1A-B6E7-CD55CE12B1B8}" type="datetimeFigureOut">
+              <a:rPr lang="en-US" smtClean="0"/>
+              <a:t>10/31/2019</a:t>
+            </a:fld>
+            <a:endParaRPr lang="en-US"/>
+          </a:p>
+        </p:txBody>
+      </p:sp>
+      <p:sp>
+        <p:nvSpPr>
+          <p:cNvPr id="6" name="Footer Placeholder 5">
+            <a:extLst>
+              <a:ext uri="{FF2B5EF4-FFF2-40B4-BE49-F238E27FC236}">
+                <a16:creationId xmlns:a16="http://schemas.microsoft.com/office/drawing/2014/main" id="{0442CF11-60E2-4156-852A-DB000EC7D53D}"/>
+              </a:ext>
+            </a:extLst>
+          </p:cNvPr>
+          <p:cNvSpPr>
+            <a:spLocks noGrp="1"/>
+          </p:cNvSpPr>
+          <p:nvPr>
+            <p:ph type="ftr" sz="quarter" idx="11"/>
+          </p:nvPr>
+        </p:nvSpPr>
+        <p:spPr/>
+        <p:txBody>
+          <a:bodyPr/>
+          <a:lstStyle/>
+          <a:p>
+            <a:endParaRPr lang="en-US"/>
+          </a:p>
+        </p:txBody>
+      </p:sp>
+      <p:sp>
+        <p:nvSpPr>
+          <p:cNvPr id="7" name="Slide Number Placeholder 6">
+            <a:extLst>
+              <a:ext uri="{FF2B5EF4-FFF2-40B4-BE49-F238E27FC236}">
+                <a16:creationId xmlns:a16="http://schemas.microsoft.com/office/drawing/2014/main" id="{3074E9BD-4F1F-4332-82FA-91C8B6EE1861}"/>
+              </a:ext>
+            </a:extLst>
+          </p:cNvPr>
+          <p:cNvSpPr>
+            <a:spLocks noGrp="1"/>
+          </p:cNvSpPr>
+          <p:nvPr>
+            <p:ph type="sldNum" sz="quarter" idx="12"/>
+          </p:nvPr>
+        </p:nvSpPr>
+        <p:spPr/>
+        <p:txBody>
+          <a:bodyPr/>
+          <a:lstStyle/>
+          <a:p>
+            <a:fld id="{3359379A-16E2-4C4A-96D0-A52C442257E7}" type="slidenum">
+              <a:rPr lang="en-US" smtClean="0"/>
+              <a:t>‹#›</a:t>
+            </a:fld>
+            <a:endParaRPr lang="en-US"/>
+          </a:p>
+        </p:txBody>
+      </p:sp>
+    </p:spTree>
+    <p:extLst>
+      <p:ext uri="{BB962C8B-B14F-4D97-AF65-F5344CB8AC3E}">
+        <p14:creationId xmlns:p14="http://schemas.microsoft.com/office/powerpoint/2010/main" val="1959145221"/>
+      </p:ext>
+    </p:extLst>
+  </p:cSld>
+  <p:clrMapOvr>
+    <a:masterClrMapping/>
+  </p:clrMapOvr>
+</p:sldLayout>
+</file>
+
+<file path=ppt/slideLayouts/slideLayout5.xml><?xml version="1.0" encoding="utf-8"?>
+<p:sldLayout xmlns:a="http://schemas.openxmlformats.org/drawingml/2006/main" xmlns:r="http://schemas.openxmlformats.org/officeDocument/2006/relationships" xmlns:p="http://schemas.openxmlformats.org/presentationml/2006/main" type="twoTxTwoObj" preserve="1">
+  <p:cSld name="Comparison">
+    <p:spTree>
+      <p:nvGrpSpPr>
+        <p:cNvPr id="1" name=""/>
+        <p:cNvGrpSpPr/>
+        <p:nvPr/>
+      </p:nvGrpSpPr>
+      <p:grpSpPr>
+        <a:xfrm>
+          <a:off x="0" y="0"/>
+          <a:ext cx="0" cy="0"/>
+          <a:chOff x="0" y="0"/>
+          <a:chExt cx="0" cy="0"/>
+        </a:xfrm>
+      </p:grpSpPr>
+      <p:sp>
+        <p:nvSpPr>
+          <p:cNvPr id="2" name="Title 1">
+            <a:extLst>
+              <a:ext uri="{FF2B5EF4-FFF2-40B4-BE49-F238E27FC236}">
+                <a16:creationId xmlns:a16="http://schemas.microsoft.com/office/drawing/2014/main" id="{D921CFD3-888C-4698-A482-2B4518FE69D4}"/>
+              </a:ext>
+            </a:extLst>
+          </p:cNvPr>
+          <p:cNvSpPr>
+            <a:spLocks noGrp="1"/>
+          </p:cNvSpPr>
+          <p:nvPr>
+            <p:ph type="title"/>
+          </p:nvPr>
+        </p:nvSpPr>
+        <p:spPr>
+          <a:xfrm>
+            <a:off x="839788" y="365125"/>
+            <a:ext cx="10515600" cy="1325563"/>
+          </a:xfrm>
+        </p:spPr>
+        <p:txBody>
+          <a:bodyPr/>
+          <a:lstStyle/>
+          <a:p>
+            <a:r>
+              <a:rPr lang="en-US"/>
+              <a:t>Click to edit Master title style</a:t>
+            </a:r>
+          </a:p>
+        </p:txBody>
+      </p:sp>
+      <p:sp>
+        <p:nvSpPr>
+          <p:cNvPr id="3" name="Text Placeholder 2">
+            <a:extLst>
+              <a:ext uri="{FF2B5EF4-FFF2-40B4-BE49-F238E27FC236}">
+                <a16:creationId xmlns:a16="http://schemas.microsoft.com/office/drawing/2014/main" id="{A6D2623D-D331-4EAF-A836-FF2A44039EB5}"/>
+              </a:ext>
+            </a:extLst>
+          </p:cNvPr>
+          <p:cNvSpPr>
+            <a:spLocks noGrp="1"/>
+          </p:cNvSpPr>
+          <p:nvPr>
+            <p:ph type="body" idx="1"/>
+          </p:nvPr>
+        </p:nvSpPr>
+        <p:spPr>
+          <a:xfrm>
+            <a:off x="839788" y="1681163"/>
+            <a:ext cx="5157787" cy="823912"/>
+          </a:xfrm>
+        </p:spPr>
+        <p:txBody>
+          <a:bodyPr anchor="b"/>
+          <a:lstStyle>
+            <a:lvl1pPr marL="0" indent="0">
+              <a:buNone/>
+              <a:defRPr sz="2400" b="1"/>
+            </a:lvl1pPr>
+            <a:lvl2pPr marL="457200" indent="0">
+              <a:buNone/>
+              <a:defRPr sz="2000" b="1"/>
+            </a:lvl2pPr>
+            <a:lvl3pPr marL="914400" indent="0">
+              <a:buNone/>
+              <a:defRPr sz="1800" b="1"/>
+            </a:lvl3pPr>
+            <a:lvl4pPr marL="1371600" indent="0">
+              <a:buNone/>
+              <a:defRPr sz="1600" b="1"/>
+            </a:lvl4pPr>
+            <a:lvl5pPr marL="1828800" indent="0">
+              <a:buNone/>
+              <a:defRPr sz="1600" b="1"/>
+            </a:lvl5pPr>
+            <a:lvl6pPr marL="2286000" indent="0">
+              <a:buNone/>
+              <a:defRPr sz="1600" b="1"/>
+            </a:lvl6pPr>
+            <a:lvl7pPr marL="2743200" indent="0">
+              <a:buNone/>
+              <a:defRPr sz="1600" b="1"/>
+            </a:lvl7pPr>
+            <a:lvl8pPr marL="3200400" indent="0">
+              <a:buNone/>
+              <a:defRPr sz="1600" b="1"/>
+            </a:lvl8pPr>
+            <a:lvl9pPr marL="3657600" indent="0">
+              <a:buNone/>
+              <a:defRPr sz="1600" b="1"/>
+            </a:lvl9pPr>
+          </a:lstStyle>
+          <a:p>
+            <a:pPr lvl="0"/>
+            <a:r>
+              <a:rPr lang="en-US"/>
+              <a:t>Click to edit Master text styles</a:t>
+            </a:r>
+          </a:p>
+        </p:txBody>
+      </p:sp>
+      <p:sp>
+        <p:nvSpPr>
+          <p:cNvPr id="4" name="Content Placeholder 3">
+            <a:extLst>
+              <a:ext uri="{FF2B5EF4-FFF2-40B4-BE49-F238E27FC236}">
+                <a16:creationId xmlns:a16="http://schemas.microsoft.com/office/drawing/2014/main" id="{A4B743D3-D3CF-49CF-ABB5-7C0C929A34ED}"/>
+              </a:ext>
+            </a:extLst>
+          </p:cNvPr>
+          <p:cNvSpPr>
+            <a:spLocks noGrp="1"/>
+          </p:cNvSpPr>
+          <p:nvPr>
+            <p:ph sz="half" idx="2"/>
+          </p:nvPr>
+        </p:nvSpPr>
+        <p:spPr>
+          <a:xfrm>
+            <a:off x="839788" y="2505075"/>
+            <a:ext cx="5157787" cy="3684588"/>
+          </a:xfrm>
+        </p:spPr>
+        <p:txBody>
+          <a:bodyPr/>
+          <a:lstStyle/>
+          <a:p>
+            <a:pPr lvl="0"/>
+            <a:r>
+              <a:rPr lang="en-US"/>
+              <a:t>Click to edit Master text styles</a:t>
+            </a:r>
+          </a:p>
+          <a:p>
+            <a:pPr lvl="1"/>
+            <a:r>
+              <a:rPr lang="en-US"/>
+              <a:t>Second level</a:t>
+            </a:r>
+          </a:p>
+          <a:p>
+            <a:pPr lvl="2"/>
+            <a:r>
+              <a:rPr lang="en-US"/>
+              <a:t>Third level</a:t>
+            </a:r>
+          </a:p>
+          <a:p>
+            <a:pPr lvl="3"/>
+            <a:r>
+              <a:rPr lang="en-US"/>
+              <a:t>Fourth level</a:t>
+            </a:r>
+          </a:p>
+          <a:p>
+            <a:pPr lvl="4"/>
+            <a:r>
+              <a:rPr lang="en-US"/>
+              <a:t>Fifth level</a:t>
+            </a:r>
+          </a:p>
+        </p:txBody>
+      </p:sp>
+      <p:sp>
+        <p:nvSpPr>
+          <p:cNvPr id="5" name="Text Placeholder 4">
+            <a:extLst>
+              <a:ext uri="{FF2B5EF4-FFF2-40B4-BE49-F238E27FC236}">
+                <a16:creationId xmlns:a16="http://schemas.microsoft.com/office/drawing/2014/main" id="{734096B8-BE1F-4C65-A9C8-BA2BA05DD8EE}"/>
+              </a:ext>
+            </a:extLst>
+          </p:cNvPr>
+          <p:cNvSpPr>
+            <a:spLocks noGrp="1"/>
+          </p:cNvSpPr>
+          <p:nvPr>
+            <p:ph type="body" sz="quarter" idx="3"/>
+          </p:nvPr>
+        </p:nvSpPr>
+        <p:spPr>
+          <a:xfrm>
+            <a:off x="6172200" y="1681163"/>
+            <a:ext cx="5183188" cy="823912"/>
+          </a:xfrm>
+        </p:spPr>
+        <p:txBody>
+          <a:bodyPr anchor="b"/>
+          <a:lstStyle>
+            <a:lvl1pPr marL="0" indent="0">
+              <a:buNone/>
+              <a:defRPr sz="2400" b="1"/>
+            </a:lvl1pPr>
+            <a:lvl2pPr marL="457200" indent="0">
+              <a:buNone/>
+              <a:defRPr sz="2000" b="1"/>
+            </a:lvl2pPr>
+            <a:lvl3pPr marL="914400" indent="0">
+              <a:buNone/>
+              <a:defRPr sz="1800" b="1"/>
+            </a:lvl3pPr>
+            <a:lvl4pPr marL="1371600" indent="0">
+              <a:buNone/>
+              <a:defRPr sz="1600" b="1"/>
+            </a:lvl4pPr>
+            <a:lvl5pPr marL="1828800" indent="0">
+              <a:buNone/>
+              <a:defRPr sz="1600" b="1"/>
+            </a:lvl5pPr>
+            <a:lvl6pPr marL="2286000" indent="0">
+              <a:buNone/>
+              <a:defRPr sz="1600" b="1"/>
+            </a:lvl6pPr>
+            <a:lvl7pPr marL="2743200" indent="0">
+              <a:buNone/>
+              <a:defRPr sz="1600" b="1"/>
+            </a:lvl7pPr>
+            <a:lvl8pPr marL="3200400" indent="0">
+              <a:buNone/>
+              <a:defRPr sz="1600" b="1"/>
+            </a:lvl8pPr>
+            <a:lvl9pPr marL="3657600" indent="0">
+              <a:buNone/>
+              <a:defRPr sz="1600" b="1"/>
+            </a:lvl9pPr>
+          </a:lstStyle>
+          <a:p>
+            <a:pPr lvl="0"/>
+            <a:r>
+              <a:rPr lang="en-US"/>
+              <a:t>Click to edit Master text styles</a:t>
+            </a:r>
+          </a:p>
+        </p:txBody>
+      </p:sp>
+      <p:sp>
+        <p:nvSpPr>
+          <p:cNvPr id="6" name="Content Placeholder 5">
+            <a:extLst>
+              <a:ext uri="{FF2B5EF4-FFF2-40B4-BE49-F238E27FC236}">
+                <a16:creationId xmlns:a16="http://schemas.microsoft.com/office/drawing/2014/main" id="{F631AD92-985F-4882-83E0-2A15B1743A6C}"/>
+              </a:ext>
+            </a:extLst>
+          </p:cNvPr>
+          <p:cNvSpPr>
+            <a:spLocks noGrp="1"/>
+          </p:cNvSpPr>
+          <p:nvPr>
+            <p:ph sz="quarter" idx="4"/>
+          </p:nvPr>
+        </p:nvSpPr>
+        <p:spPr>
+          <a:xfrm>
+            <a:off x="6172200" y="2505075"/>
+            <a:ext cx="5183188" cy="3684588"/>
+          </a:xfrm>
+        </p:spPr>
+        <p:txBody>
+          <a:bodyPr/>
+          <a:lstStyle/>
+          <a:p>
+            <a:pPr lvl="0"/>
+            <a:r>
+              <a:rPr lang="en-US"/>
+              <a:t>Click to edit Master text styles</a:t>
+            </a:r>
+          </a:p>
+          <a:p>
+            <a:pPr lvl="1"/>
+            <a:r>
+              <a:rPr lang="en-US"/>
+              <a:t>Second level</a:t>
+            </a:r>
+          </a:p>
+          <a:p>
+            <a:pPr lvl="2"/>
+            <a:r>
+              <a:rPr lang="en-US"/>
+              <a:t>Third level</a:t>
+            </a:r>
+          </a:p>
+          <a:p>
+            <a:pPr lvl="3"/>
+            <a:r>
+              <a:rPr lang="en-US"/>
+              <a:t>Fourth level</a:t>
+            </a:r>
+          </a:p>
+          <a:p>
+            <a:pPr lvl="4"/>
+            <a:r>
+              <a:rPr lang="en-US"/>
+              <a:t>Fifth level</a:t>
+            </a:r>
+          </a:p>
+        </p:txBody>
+      </p:sp>
+      <p:sp>
+        <p:nvSpPr>
+          <p:cNvPr id="7" name="Date Placeholder 6">
+            <a:extLst>
+              <a:ext uri="{FF2B5EF4-FFF2-40B4-BE49-F238E27FC236}">
+                <a16:creationId xmlns:a16="http://schemas.microsoft.com/office/drawing/2014/main" id="{F9BFC1B5-1A1B-4DBB-A2F4-048A9A47D7D5}"/>
+              </a:ext>
+            </a:extLst>
+          </p:cNvPr>
+          <p:cNvSpPr>
+            <a:spLocks noGrp="1"/>
+          </p:cNvSpPr>
+          <p:nvPr>
+            <p:ph type="dt" sz="half" idx="10"/>
+          </p:nvPr>
+        </p:nvSpPr>
+        <p:spPr/>
+        <p:txBody>
+          <a:bodyPr/>
+          <a:lstStyle/>
+          <a:p>
+            <a:fld id="{4744E560-77BF-4D1A-B6E7-CD55CE12B1B8}" type="datetimeFigureOut">
+              <a:rPr lang="en-US" smtClean="0"/>
+              <a:t>10/31/2019</a:t>
+            </a:fld>
+            <a:endParaRPr lang="en-US"/>
+          </a:p>
+        </p:txBody>
+      </p:sp>
+      <p:sp>
+        <p:nvSpPr>
+          <p:cNvPr id="8" name="Footer Placeholder 7">
+            <a:extLst>
+              <a:ext uri="{FF2B5EF4-FFF2-40B4-BE49-F238E27FC236}">
+                <a16:creationId xmlns:a16="http://schemas.microsoft.com/office/drawing/2014/main" id="{9FC81466-5BA3-4F18-B3A5-0B17FC9C1D24}"/>
+              </a:ext>
+            </a:extLst>
+          </p:cNvPr>
+          <p:cNvSpPr>
+            <a:spLocks noGrp="1"/>
+          </p:cNvSpPr>
+          <p:nvPr>
+            <p:ph type="ftr" sz="quarter" idx="11"/>
+          </p:nvPr>
+        </p:nvSpPr>
+        <p:spPr/>
+        <p:txBody>
+          <a:bodyPr/>
+          <a:lstStyle/>
+          <a:p>
+            <a:endParaRPr lang="en-US"/>
+          </a:p>
+        </p:txBody>
+      </p:sp>
+      <p:sp>
+        <p:nvSpPr>
+          <p:cNvPr id="9" name="Slide Number Placeholder 8">
+            <a:extLst>
+              <a:ext uri="{FF2B5EF4-FFF2-40B4-BE49-F238E27FC236}">
+                <a16:creationId xmlns:a16="http://schemas.microsoft.com/office/drawing/2014/main" id="{0A727CF1-7531-4ABA-B067-D50ECBEFA2D1}"/>
+              </a:ext>
+            </a:extLst>
+          </p:cNvPr>
+          <p:cNvSpPr>
+            <a:spLocks noGrp="1"/>
+          </p:cNvSpPr>
+          <p:nvPr>
+            <p:ph type="sldNum" sz="quarter" idx="12"/>
+          </p:nvPr>
+        </p:nvSpPr>
+        <p:spPr/>
+        <p:txBody>
+          <a:bodyPr/>
+          <a:lstStyle/>
+          <a:p>
+            <a:fld id="{3359379A-16E2-4C4A-96D0-A52C442257E7}" type="slidenum">
+              <a:rPr lang="en-US" smtClean="0"/>
+              <a:t>‹#›</a:t>
+            </a:fld>
+            <a:endParaRPr lang="en-US"/>
+          </a:p>
+        </p:txBody>
+      </p:sp>
+    </p:spTree>
+    <p:extLst>
+      <p:ext uri="{BB962C8B-B14F-4D97-AF65-F5344CB8AC3E}">
+        <p14:creationId xmlns:p14="http://schemas.microsoft.com/office/powerpoint/2010/main" val="2727908572"/>
+      </p:ext>
+    </p:extLst>
+  </p:cSld>
+  <p:clrMapOvr>
+    <a:masterClrMapping/>
+  </p:clrMapOvr>
+</p:sldLayout>
+</file>
+
+<file path=ppt/slideLayouts/slideLayout6.xml><?xml version="1.0" encoding="utf-8"?>
+<p:sldLayout xmlns:a="http://schemas.openxmlformats.org/drawingml/2006/main" xmlns:r="http://schemas.openxmlformats.org/officeDocument/2006/relationships" xmlns:p="http://schemas.openxmlformats.org/presentationml/2006/main" type="titleOnly" preserve="1">
+  <p:cSld name="Title Only">
+    <p:spTree>
+      <p:nvGrpSpPr>
+        <p:cNvPr id="1" name=""/>
+        <p:cNvGrpSpPr/>
+        <p:nvPr/>
+      </p:nvGrpSpPr>
+      <p:grpSpPr>
+        <a:xfrm>
+          <a:off x="0" y="0"/>
+          <a:ext cx="0" cy="0"/>
+          <a:chOff x="0" y="0"/>
+          <a:chExt cx="0" cy="0"/>
+        </a:xfrm>
+      </p:grpSpPr>
+      <p:sp>
+        <p:nvSpPr>
+          <p:cNvPr id="2" name="Title 1">
+            <a:extLst>
+              <a:ext uri="{FF2B5EF4-FFF2-40B4-BE49-F238E27FC236}">
+                <a16:creationId xmlns:a16="http://schemas.microsoft.com/office/drawing/2014/main" id="{05D00DCF-55F9-4EA0-BCFC-329B18982A7E}"/>
+              </a:ext>
+            </a:extLst>
+          </p:cNvPr>
+          <p:cNvSpPr>
+            <a:spLocks noGrp="1"/>
+          </p:cNvSpPr>
+          <p:nvPr>
+            <p:ph type="title"/>
+          </p:nvPr>
+        </p:nvSpPr>
+        <p:spPr/>
+        <p:txBody>
+          <a:bodyPr/>
+          <a:lstStyle/>
+          <a:p>
+            <a:r>
+              <a:rPr lang="en-US"/>
+              <a:t>Click to edit Master title style</a:t>
+            </a:r>
+          </a:p>
+        </p:txBody>
+      </p:sp>
+      <p:sp>
+        <p:nvSpPr>
+          <p:cNvPr id="3" name="Date Placeholder 2">
+            <a:extLst>
+              <a:ext uri="{FF2B5EF4-FFF2-40B4-BE49-F238E27FC236}">
+                <a16:creationId xmlns:a16="http://schemas.microsoft.com/office/drawing/2014/main" id="{41BD53F9-EED0-4716-A654-38EAEDFB3933}"/>
+              </a:ext>
+            </a:extLst>
+          </p:cNvPr>
+          <p:cNvSpPr>
+            <a:spLocks noGrp="1"/>
+          </p:cNvSpPr>
+          <p:nvPr>
+            <p:ph type="dt" sz="half" idx="10"/>
+          </p:nvPr>
+        </p:nvSpPr>
+        <p:spPr/>
+        <p:txBody>
+          <a:bodyPr/>
+          <a:lstStyle/>
+          <a:p>
+            <a:fld id="{B61BEF0D-F0BB-DE4B-95CE-6DB70DBA9567}" type="datetimeFigureOut">
+              <a:rPr lang="en-US" smtClean="0"/>
+              <a:pPr/>
+              <a:t>10/31/2019</a:t>
+            </a:fld>
+            <a:endParaRPr lang="en-US" dirty="0"/>
+          </a:p>
+        </p:txBody>
+      </p:sp>
+      <p:sp>
+        <p:nvSpPr>
+          <p:cNvPr id="4" name="Footer Placeholder 3">
+            <a:extLst>
+              <a:ext uri="{FF2B5EF4-FFF2-40B4-BE49-F238E27FC236}">
+                <a16:creationId xmlns:a16="http://schemas.microsoft.com/office/drawing/2014/main" id="{D4C5DCEC-3CB6-4880-974C-64BB842C55C1}"/>
+              </a:ext>
+            </a:extLst>
+          </p:cNvPr>
+          <p:cNvSpPr>
+            <a:spLocks noGrp="1"/>
+          </p:cNvSpPr>
+          <p:nvPr>
+            <p:ph type="ftr" sz="quarter" idx="11"/>
+          </p:nvPr>
+        </p:nvSpPr>
+        <p:spPr/>
+        <p:txBody>
+          <a:bodyPr/>
+          <a:lstStyle/>
+          <a:p>
+            <a:endParaRPr lang="en-US" dirty="0"/>
+          </a:p>
+        </p:txBody>
+      </p:sp>
+      <p:sp>
+        <p:nvSpPr>
+          <p:cNvPr id="5" name="Slide Number Placeholder 4">
+            <a:extLst>
+              <a:ext uri="{FF2B5EF4-FFF2-40B4-BE49-F238E27FC236}">
+                <a16:creationId xmlns:a16="http://schemas.microsoft.com/office/drawing/2014/main" id="{ABA909F8-E810-482F-A3F9-89B646FD98FE}"/>
+              </a:ext>
+            </a:extLst>
+          </p:cNvPr>
+          <p:cNvSpPr>
+            <a:spLocks noGrp="1"/>
+          </p:cNvSpPr>
+          <p:nvPr>
+            <p:ph type="sldNum" sz="quarter" idx="12"/>
+          </p:nvPr>
+        </p:nvSpPr>
+        <p:spPr/>
+        <p:txBody>
+          <a:bodyPr/>
+          <a:lstStyle/>
+          <a:p>
+            <a:fld id="{D57F1E4F-1CFF-5643-939E-217C01CDF565}" type="slidenum">
+              <a:rPr lang="en-US" smtClean="0"/>
+              <a:pPr/>
+              <a:t>‹#›</a:t>
+            </a:fld>
+            <a:endParaRPr lang="en-US" dirty="0"/>
+          </a:p>
+        </p:txBody>
+      </p:sp>
+      <p:sp>
+        <p:nvSpPr>
+          <p:cNvPr id="6" name="Rectangle 5">
+            <a:extLst>
+              <a:ext uri="{FF2B5EF4-FFF2-40B4-BE49-F238E27FC236}">
+                <a16:creationId xmlns:a16="http://schemas.microsoft.com/office/drawing/2014/main" id="{D251B173-77C8-419D-A9C4-02A7CEEB3EAD}"/>
               </a:ext>
             </a:extLst>
           </p:cNvPr>
@@ -6653,256 +8427,12 @@
           </a:p>
         </p:txBody>
       </p:sp>
-      <p:sp>
-        <p:nvSpPr>
-          <p:cNvPr id="2" name="Title Placeholder 1">
+      <p:cxnSp>
+        <p:nvCxnSpPr>
+          <p:cNvPr id="7" name="Straight Connector 6">
             <a:extLst>
               <a:ext uri="{FF2B5EF4-FFF2-40B4-BE49-F238E27FC236}">
-                <a16:creationId xmlns:a16="http://schemas.microsoft.com/office/drawing/2014/main" id="{C5AFE014-E3CD-4B9A-A705-F1CADD8F420B}"/>
-              </a:ext>
-            </a:extLst>
-          </p:cNvPr>
-          <p:cNvSpPr>
-            <a:spLocks noGrp="1"/>
-          </p:cNvSpPr>
-          <p:nvPr>
-            <p:ph type="title"/>
-          </p:nvPr>
-        </p:nvSpPr>
-        <p:spPr>
-          <a:xfrm>
-            <a:off x="604434" y="448628"/>
-            <a:ext cx="10983132" cy="747763"/>
-          </a:xfrm>
-          <a:prstGeom prst="rect">
-            <a:avLst/>
-          </a:prstGeom>
-        </p:spPr>
-        <p:txBody>
-          <a:bodyPr vert="horz" lIns="91440" tIns="45720" rIns="91440" bIns="45720" rtlCol="0" anchor="ctr" anchorCtr="0">
-            <a:normAutofit/>
-          </a:bodyPr>
-          <a:lstStyle/>
-          <a:p>
-            <a:pPr lvl="0"/>
-            <a:r>
-              <a:rPr lang="en-US"/>
-              <a:t>Click to edit Master title style</a:t>
-            </a:r>
-            <a:endParaRPr lang="en-US" dirty="0"/>
-          </a:p>
-        </p:txBody>
-      </p:sp>
-      <p:sp>
-        <p:nvSpPr>
-          <p:cNvPr id="3" name="Text Placeholder 2">
-            <a:extLst>
-              <a:ext uri="{FF2B5EF4-FFF2-40B4-BE49-F238E27FC236}">
-                <a16:creationId xmlns:a16="http://schemas.microsoft.com/office/drawing/2014/main" id="{61ADE5F7-8A52-43AD-8F30-F13CF5450616}"/>
-              </a:ext>
-            </a:extLst>
-          </p:cNvPr>
-          <p:cNvSpPr>
-            <a:spLocks noGrp="1"/>
-          </p:cNvSpPr>
-          <p:nvPr>
-            <p:ph type="body" idx="1"/>
-          </p:nvPr>
-        </p:nvSpPr>
-        <p:spPr>
-          <a:xfrm>
-            <a:off x="838200" y="1825625"/>
-            <a:ext cx="10515600" cy="4351338"/>
-          </a:xfrm>
-          <a:prstGeom prst="rect">
-            <a:avLst/>
-          </a:prstGeom>
-        </p:spPr>
-        <p:txBody>
-          <a:bodyPr vert="horz" lIns="91440" tIns="45720" rIns="91440" bIns="45720" rtlCol="0">
-            <a:normAutofit/>
-          </a:bodyPr>
-          <a:lstStyle/>
-          <a:p>
-            <a:pPr lvl="0"/>
-            <a:r>
-              <a:rPr lang="en-US"/>
-              <a:t>Click to edit Master text styles</a:t>
-            </a:r>
-          </a:p>
-          <a:p>
-            <a:pPr lvl="1"/>
-            <a:r>
-              <a:rPr lang="en-US"/>
-              <a:t>Second level</a:t>
-            </a:r>
-          </a:p>
-          <a:p>
-            <a:pPr lvl="2"/>
-            <a:r>
-              <a:rPr lang="en-US"/>
-              <a:t>Third level</a:t>
-            </a:r>
-          </a:p>
-          <a:p>
-            <a:pPr lvl="3"/>
-            <a:r>
-              <a:rPr lang="en-US"/>
-              <a:t>Fourth level</a:t>
-            </a:r>
-          </a:p>
-          <a:p>
-            <a:pPr lvl="4"/>
-            <a:r>
-              <a:rPr lang="en-US"/>
-              <a:t>Fifth level</a:t>
-            </a:r>
-          </a:p>
-        </p:txBody>
-      </p:sp>
-      <p:sp>
-        <p:nvSpPr>
-          <p:cNvPr id="4" name="Date Placeholder 3">
-            <a:extLst>
-              <a:ext uri="{FF2B5EF4-FFF2-40B4-BE49-F238E27FC236}">
-                <a16:creationId xmlns:a16="http://schemas.microsoft.com/office/drawing/2014/main" id="{A9DC85AE-A002-4BA3-8D90-3960ED0FF8F4}"/>
-              </a:ext>
-            </a:extLst>
-          </p:cNvPr>
-          <p:cNvSpPr>
-            <a:spLocks noGrp="1"/>
-          </p:cNvSpPr>
-          <p:nvPr>
-            <p:ph type="dt" sz="half" idx="2"/>
-          </p:nvPr>
-        </p:nvSpPr>
-        <p:spPr>
-          <a:xfrm>
-            <a:off x="838200" y="6356350"/>
-            <a:ext cx="2743200" cy="365125"/>
-          </a:xfrm>
-          <a:prstGeom prst="rect">
-            <a:avLst/>
-          </a:prstGeom>
-        </p:spPr>
-        <p:txBody>
-          <a:bodyPr vert="horz" lIns="91440" tIns="45720" rIns="91440" bIns="45720" rtlCol="0" anchor="ctr"/>
-          <a:lstStyle>
-            <a:lvl1pPr algn="l">
-              <a:defRPr sz="1200">
-                <a:solidFill>
-                  <a:schemeClr val="tx1">
-                    <a:tint val="75000"/>
-                  </a:schemeClr>
-                </a:solidFill>
-              </a:defRPr>
-            </a:lvl1pPr>
-          </a:lstStyle>
-          <a:p>
-            <a:fld id="{4744E560-77BF-4D1A-B6E7-CD55CE12B1B8}" type="datetimeFigureOut">
-              <a:rPr lang="en-US" smtClean="0"/>
-              <a:t>10/25/2019</a:t>
-            </a:fld>
-            <a:endParaRPr lang="en-US"/>
-          </a:p>
-        </p:txBody>
-      </p:sp>
-      <p:sp>
-        <p:nvSpPr>
-          <p:cNvPr id="5" name="Footer Placeholder 4">
-            <a:extLst>
-              <a:ext uri="{FF2B5EF4-FFF2-40B4-BE49-F238E27FC236}">
-                <a16:creationId xmlns:a16="http://schemas.microsoft.com/office/drawing/2014/main" id="{02103AA5-C732-4ECB-88D6-DAA20E2C1C66}"/>
-              </a:ext>
-            </a:extLst>
-          </p:cNvPr>
-          <p:cNvSpPr>
-            <a:spLocks noGrp="1"/>
-          </p:cNvSpPr>
-          <p:nvPr>
-            <p:ph type="ftr" sz="quarter" idx="3"/>
-          </p:nvPr>
-        </p:nvSpPr>
-        <p:spPr>
-          <a:xfrm>
-            <a:off x="4038600" y="6356350"/>
-            <a:ext cx="4114800" cy="365125"/>
-          </a:xfrm>
-          <a:prstGeom prst="rect">
-            <a:avLst/>
-          </a:prstGeom>
-        </p:spPr>
-        <p:txBody>
-          <a:bodyPr vert="horz" lIns="91440" tIns="45720" rIns="91440" bIns="45720" rtlCol="0" anchor="ctr"/>
-          <a:lstStyle>
-            <a:lvl1pPr algn="ctr">
-              <a:defRPr sz="1200">
-                <a:solidFill>
-                  <a:schemeClr val="tx1">
-                    <a:tint val="75000"/>
-                  </a:schemeClr>
-                </a:solidFill>
-              </a:defRPr>
-            </a:lvl1pPr>
-          </a:lstStyle>
-          <a:p>
-            <a:endParaRPr lang="en-US"/>
-          </a:p>
-        </p:txBody>
-      </p:sp>
-      <p:sp>
-        <p:nvSpPr>
-          <p:cNvPr id="6" name="Slide Number Placeholder 5">
-            <a:extLst>
-              <a:ext uri="{FF2B5EF4-FFF2-40B4-BE49-F238E27FC236}">
-                <a16:creationId xmlns:a16="http://schemas.microsoft.com/office/drawing/2014/main" id="{CC280433-CBB5-49C5-B032-5A800E5D0959}"/>
-              </a:ext>
-            </a:extLst>
-          </p:cNvPr>
-          <p:cNvSpPr>
-            <a:spLocks noGrp="1"/>
-          </p:cNvSpPr>
-          <p:nvPr>
-            <p:ph type="sldNum" sz="quarter" idx="4"/>
-          </p:nvPr>
-        </p:nvSpPr>
-        <p:spPr>
-          <a:xfrm>
-            <a:off x="8610600" y="6356350"/>
-            <a:ext cx="2743200" cy="365125"/>
-          </a:xfrm>
-          <a:prstGeom prst="rect">
-            <a:avLst/>
-          </a:prstGeom>
-        </p:spPr>
-        <p:txBody>
-          <a:bodyPr vert="horz" lIns="91440" tIns="45720" rIns="91440" bIns="45720" rtlCol="0" anchor="ctr"/>
-          <a:lstStyle>
-            <a:lvl1pPr algn="r">
-              <a:defRPr sz="1200">
-                <a:solidFill>
-                  <a:schemeClr val="tx1">
-                    <a:tint val="75000"/>
-                  </a:schemeClr>
-                </a:solidFill>
-              </a:defRPr>
-            </a:lvl1pPr>
-          </a:lstStyle>
-          <a:p>
-            <a:fld id="{3359379A-16E2-4C4A-96D0-A52C442257E7}" type="slidenum">
-              <a:rPr lang="en-US" smtClean="0"/>
-              <a:t>‹#›</a:t>
-            </a:fld>
-            <a:endParaRPr lang="en-US"/>
-          </a:p>
-        </p:txBody>
-      </p:sp>
-      <p:cxnSp>
-        <p:nvCxnSpPr>
-          <p:cNvPr id="8" name="Straight Connector 7">
-            <a:extLst>
-              <a:ext uri="{FF2B5EF4-FFF2-40B4-BE49-F238E27FC236}">
-                <a16:creationId xmlns:a16="http://schemas.microsoft.com/office/drawing/2014/main" id="{E32A06DA-7FF5-4DDE-94D0-63A83DB241E8}"/>
+                <a16:creationId xmlns:a16="http://schemas.microsoft.com/office/drawing/2014/main" id="{C7D5E4FB-B209-46E6-9CCA-37DBF958E04B}"/>
               </a:ext>
             </a:extLst>
           </p:cNvPr>
@@ -6941,20 +8471,1113 @@
     </p:spTree>
     <p:extLst>
       <p:ext uri="{BB962C8B-B14F-4D97-AF65-F5344CB8AC3E}">
-        <p14:creationId xmlns:p14="http://schemas.microsoft.com/office/powerpoint/2010/main" val="2308514094"/>
+        <p14:creationId xmlns:p14="http://schemas.microsoft.com/office/powerpoint/2010/main" val="1494848432"/>
+      </p:ext>
+    </p:extLst>
+  </p:cSld>
+  <p:clrMapOvr>
+    <a:masterClrMapping/>
+  </p:clrMapOvr>
+</p:sldLayout>
+</file>
+
+<file path=ppt/slideLayouts/slideLayout7.xml><?xml version="1.0" encoding="utf-8"?>
+<p:sldLayout xmlns:a="http://schemas.openxmlformats.org/drawingml/2006/main" xmlns:r="http://schemas.openxmlformats.org/officeDocument/2006/relationships" xmlns:p="http://schemas.openxmlformats.org/presentationml/2006/main" type="blank" preserve="1">
+  <p:cSld name="Blank">
+    <p:spTree>
+      <p:nvGrpSpPr>
+        <p:cNvPr id="1" name=""/>
+        <p:cNvGrpSpPr/>
+        <p:nvPr/>
+      </p:nvGrpSpPr>
+      <p:grpSpPr>
+        <a:xfrm>
+          <a:off x="0" y="0"/>
+          <a:ext cx="0" cy="0"/>
+          <a:chOff x="0" y="0"/>
+          <a:chExt cx="0" cy="0"/>
+        </a:xfrm>
+      </p:grpSpPr>
+      <p:sp>
+        <p:nvSpPr>
+          <p:cNvPr id="2" name="Date Placeholder 1">
+            <a:extLst>
+              <a:ext uri="{FF2B5EF4-FFF2-40B4-BE49-F238E27FC236}">
+                <a16:creationId xmlns:a16="http://schemas.microsoft.com/office/drawing/2014/main" id="{06D45A98-85D5-4733-8C00-37C2C18613F6}"/>
+              </a:ext>
+            </a:extLst>
+          </p:cNvPr>
+          <p:cNvSpPr>
+            <a:spLocks noGrp="1"/>
+          </p:cNvSpPr>
+          <p:nvPr>
+            <p:ph type="dt" sz="half" idx="10"/>
+          </p:nvPr>
+        </p:nvSpPr>
+        <p:spPr/>
+        <p:txBody>
+          <a:bodyPr/>
+          <a:lstStyle/>
+          <a:p>
+            <a:fld id="{B61BEF0D-F0BB-DE4B-95CE-6DB70DBA9567}" type="datetimeFigureOut">
+              <a:rPr lang="en-US" smtClean="0"/>
+              <a:pPr/>
+              <a:t>10/31/2019</a:t>
+            </a:fld>
+            <a:endParaRPr lang="en-US" dirty="0"/>
+          </a:p>
+        </p:txBody>
+      </p:sp>
+      <p:sp>
+        <p:nvSpPr>
+          <p:cNvPr id="3" name="Footer Placeholder 2">
+            <a:extLst>
+              <a:ext uri="{FF2B5EF4-FFF2-40B4-BE49-F238E27FC236}">
+                <a16:creationId xmlns:a16="http://schemas.microsoft.com/office/drawing/2014/main" id="{51100484-1FA9-4015-A556-3AC823A79F34}"/>
+              </a:ext>
+            </a:extLst>
+          </p:cNvPr>
+          <p:cNvSpPr>
+            <a:spLocks noGrp="1"/>
+          </p:cNvSpPr>
+          <p:nvPr>
+            <p:ph type="ftr" sz="quarter" idx="11"/>
+          </p:nvPr>
+        </p:nvSpPr>
+        <p:spPr/>
+        <p:txBody>
+          <a:bodyPr/>
+          <a:lstStyle/>
+          <a:p>
+            <a:endParaRPr lang="en-US" dirty="0"/>
+          </a:p>
+        </p:txBody>
+      </p:sp>
+      <p:sp>
+        <p:nvSpPr>
+          <p:cNvPr id="4" name="Slide Number Placeholder 3">
+            <a:extLst>
+              <a:ext uri="{FF2B5EF4-FFF2-40B4-BE49-F238E27FC236}">
+                <a16:creationId xmlns:a16="http://schemas.microsoft.com/office/drawing/2014/main" id="{AE20089A-CE71-4130-BD53-CFC46B10FB64}"/>
+              </a:ext>
+            </a:extLst>
+          </p:cNvPr>
+          <p:cNvSpPr>
+            <a:spLocks noGrp="1"/>
+          </p:cNvSpPr>
+          <p:nvPr>
+            <p:ph type="sldNum" sz="quarter" idx="12"/>
+          </p:nvPr>
+        </p:nvSpPr>
+        <p:spPr/>
+        <p:txBody>
+          <a:bodyPr/>
+          <a:lstStyle/>
+          <a:p>
+            <a:fld id="{D57F1E4F-1CFF-5643-939E-217C01CDF565}" type="slidenum">
+              <a:rPr lang="en-US" smtClean="0"/>
+              <a:pPr/>
+              <a:t>‹#›</a:t>
+            </a:fld>
+            <a:endParaRPr lang="en-US" dirty="0"/>
+          </a:p>
+        </p:txBody>
+      </p:sp>
+    </p:spTree>
+    <p:extLst>
+      <p:ext uri="{BB962C8B-B14F-4D97-AF65-F5344CB8AC3E}">
+        <p14:creationId xmlns:p14="http://schemas.microsoft.com/office/powerpoint/2010/main" val="1205463656"/>
+      </p:ext>
+    </p:extLst>
+  </p:cSld>
+  <p:clrMapOvr>
+    <a:masterClrMapping/>
+  </p:clrMapOvr>
+</p:sldLayout>
+</file>
+
+<file path=ppt/slideLayouts/slideLayout8.xml><?xml version="1.0" encoding="utf-8"?>
+<p:sldLayout xmlns:a="http://schemas.openxmlformats.org/drawingml/2006/main" xmlns:r="http://schemas.openxmlformats.org/officeDocument/2006/relationships" xmlns:p="http://schemas.openxmlformats.org/presentationml/2006/main" type="objTx" preserve="1">
+  <p:cSld name="Content with Caption">
+    <p:spTree>
+      <p:nvGrpSpPr>
+        <p:cNvPr id="1" name=""/>
+        <p:cNvGrpSpPr/>
+        <p:nvPr/>
+      </p:nvGrpSpPr>
+      <p:grpSpPr>
+        <a:xfrm>
+          <a:off x="0" y="0"/>
+          <a:ext cx="0" cy="0"/>
+          <a:chOff x="0" y="0"/>
+          <a:chExt cx="0" cy="0"/>
+        </a:xfrm>
+      </p:grpSpPr>
+      <p:sp>
+        <p:nvSpPr>
+          <p:cNvPr id="2" name="Title 1">
+            <a:extLst>
+              <a:ext uri="{FF2B5EF4-FFF2-40B4-BE49-F238E27FC236}">
+                <a16:creationId xmlns:a16="http://schemas.microsoft.com/office/drawing/2014/main" id="{D94C5547-FF9F-4738-B954-D1CFFEB49FE0}"/>
+              </a:ext>
+            </a:extLst>
+          </p:cNvPr>
+          <p:cNvSpPr>
+            <a:spLocks noGrp="1"/>
+          </p:cNvSpPr>
+          <p:nvPr>
+            <p:ph type="title"/>
+          </p:nvPr>
+        </p:nvSpPr>
+        <p:spPr>
+          <a:xfrm>
+            <a:off x="839788" y="457200"/>
+            <a:ext cx="3932237" cy="1600200"/>
+          </a:xfrm>
+        </p:spPr>
+        <p:txBody>
+          <a:bodyPr anchor="b"/>
+          <a:lstStyle>
+            <a:lvl1pPr>
+              <a:defRPr sz="3200"/>
+            </a:lvl1pPr>
+          </a:lstStyle>
+          <a:p>
+            <a:r>
+              <a:rPr lang="en-US"/>
+              <a:t>Click to edit Master title style</a:t>
+            </a:r>
+          </a:p>
+        </p:txBody>
+      </p:sp>
+      <p:sp>
+        <p:nvSpPr>
+          <p:cNvPr id="3" name="Content Placeholder 2">
+            <a:extLst>
+              <a:ext uri="{FF2B5EF4-FFF2-40B4-BE49-F238E27FC236}">
+                <a16:creationId xmlns:a16="http://schemas.microsoft.com/office/drawing/2014/main" id="{08704CB2-1C48-42EF-AA48-0FB3239E5F42}"/>
+              </a:ext>
+            </a:extLst>
+          </p:cNvPr>
+          <p:cNvSpPr>
+            <a:spLocks noGrp="1"/>
+          </p:cNvSpPr>
+          <p:nvPr>
+            <p:ph idx="1"/>
+          </p:nvPr>
+        </p:nvSpPr>
+        <p:spPr>
+          <a:xfrm>
+            <a:off x="5183188" y="987425"/>
+            <a:ext cx="6172200" cy="4873625"/>
+          </a:xfrm>
+        </p:spPr>
+        <p:txBody>
+          <a:bodyPr/>
+          <a:lstStyle>
+            <a:lvl1pPr>
+              <a:defRPr sz="3200"/>
+            </a:lvl1pPr>
+            <a:lvl2pPr>
+              <a:defRPr sz="2800"/>
+            </a:lvl2pPr>
+            <a:lvl3pPr>
+              <a:defRPr sz="2400"/>
+            </a:lvl3pPr>
+            <a:lvl4pPr>
+              <a:defRPr sz="2000"/>
+            </a:lvl4pPr>
+            <a:lvl5pPr>
+              <a:defRPr sz="2000"/>
+            </a:lvl5pPr>
+            <a:lvl6pPr>
+              <a:defRPr sz="2000"/>
+            </a:lvl6pPr>
+            <a:lvl7pPr>
+              <a:defRPr sz="2000"/>
+            </a:lvl7pPr>
+            <a:lvl8pPr>
+              <a:defRPr sz="2000"/>
+            </a:lvl8pPr>
+            <a:lvl9pPr>
+              <a:defRPr sz="2000"/>
+            </a:lvl9pPr>
+          </a:lstStyle>
+          <a:p>
+            <a:pPr lvl="0"/>
+            <a:r>
+              <a:rPr lang="en-US"/>
+              <a:t>Click to edit Master text styles</a:t>
+            </a:r>
+          </a:p>
+          <a:p>
+            <a:pPr lvl="1"/>
+            <a:r>
+              <a:rPr lang="en-US"/>
+              <a:t>Second level</a:t>
+            </a:r>
+          </a:p>
+          <a:p>
+            <a:pPr lvl="2"/>
+            <a:r>
+              <a:rPr lang="en-US"/>
+              <a:t>Third level</a:t>
+            </a:r>
+          </a:p>
+          <a:p>
+            <a:pPr lvl="3"/>
+            <a:r>
+              <a:rPr lang="en-US"/>
+              <a:t>Fourth level</a:t>
+            </a:r>
+          </a:p>
+          <a:p>
+            <a:pPr lvl="4"/>
+            <a:r>
+              <a:rPr lang="en-US"/>
+              <a:t>Fifth level</a:t>
+            </a:r>
+          </a:p>
+        </p:txBody>
+      </p:sp>
+      <p:sp>
+        <p:nvSpPr>
+          <p:cNvPr id="4" name="Text Placeholder 3">
+            <a:extLst>
+              <a:ext uri="{FF2B5EF4-FFF2-40B4-BE49-F238E27FC236}">
+                <a16:creationId xmlns:a16="http://schemas.microsoft.com/office/drawing/2014/main" id="{496F30ED-2F68-424D-A87E-A063A16555E3}"/>
+              </a:ext>
+            </a:extLst>
+          </p:cNvPr>
+          <p:cNvSpPr>
+            <a:spLocks noGrp="1"/>
+          </p:cNvSpPr>
+          <p:nvPr>
+            <p:ph type="body" sz="half" idx="2"/>
+          </p:nvPr>
+        </p:nvSpPr>
+        <p:spPr>
+          <a:xfrm>
+            <a:off x="839788" y="2057400"/>
+            <a:ext cx="3932237" cy="3811588"/>
+          </a:xfrm>
+        </p:spPr>
+        <p:txBody>
+          <a:bodyPr/>
+          <a:lstStyle>
+            <a:lvl1pPr marL="0" indent="0">
+              <a:buNone/>
+              <a:defRPr sz="1600"/>
+            </a:lvl1pPr>
+            <a:lvl2pPr marL="457200" indent="0">
+              <a:buNone/>
+              <a:defRPr sz="1400"/>
+            </a:lvl2pPr>
+            <a:lvl3pPr marL="914400" indent="0">
+              <a:buNone/>
+              <a:defRPr sz="1200"/>
+            </a:lvl3pPr>
+            <a:lvl4pPr marL="1371600" indent="0">
+              <a:buNone/>
+              <a:defRPr sz="1000"/>
+            </a:lvl4pPr>
+            <a:lvl5pPr marL="1828800" indent="0">
+              <a:buNone/>
+              <a:defRPr sz="1000"/>
+            </a:lvl5pPr>
+            <a:lvl6pPr marL="2286000" indent="0">
+              <a:buNone/>
+              <a:defRPr sz="1000"/>
+            </a:lvl6pPr>
+            <a:lvl7pPr marL="2743200" indent="0">
+              <a:buNone/>
+              <a:defRPr sz="1000"/>
+            </a:lvl7pPr>
+            <a:lvl8pPr marL="3200400" indent="0">
+              <a:buNone/>
+              <a:defRPr sz="1000"/>
+            </a:lvl8pPr>
+            <a:lvl9pPr marL="3657600" indent="0">
+              <a:buNone/>
+              <a:defRPr sz="1000"/>
+            </a:lvl9pPr>
+          </a:lstStyle>
+          <a:p>
+            <a:pPr lvl="0"/>
+            <a:r>
+              <a:rPr lang="en-US"/>
+              <a:t>Click to edit Master text styles</a:t>
+            </a:r>
+          </a:p>
+        </p:txBody>
+      </p:sp>
+      <p:sp>
+        <p:nvSpPr>
+          <p:cNvPr id="5" name="Date Placeholder 4">
+            <a:extLst>
+              <a:ext uri="{FF2B5EF4-FFF2-40B4-BE49-F238E27FC236}">
+                <a16:creationId xmlns:a16="http://schemas.microsoft.com/office/drawing/2014/main" id="{09C820BC-0178-4BFC-BC0B-2FD7BE0C0B16}"/>
+              </a:ext>
+            </a:extLst>
+          </p:cNvPr>
+          <p:cNvSpPr>
+            <a:spLocks noGrp="1"/>
+          </p:cNvSpPr>
+          <p:nvPr>
+            <p:ph type="dt" sz="half" idx="10"/>
+          </p:nvPr>
+        </p:nvSpPr>
+        <p:spPr/>
+        <p:txBody>
+          <a:bodyPr/>
+          <a:lstStyle/>
+          <a:p>
+            <a:fld id="{4744E560-77BF-4D1A-B6E7-CD55CE12B1B8}" type="datetimeFigureOut">
+              <a:rPr lang="en-US" smtClean="0"/>
+              <a:t>10/31/2019</a:t>
+            </a:fld>
+            <a:endParaRPr lang="en-US"/>
+          </a:p>
+        </p:txBody>
+      </p:sp>
+      <p:sp>
+        <p:nvSpPr>
+          <p:cNvPr id="6" name="Footer Placeholder 5">
+            <a:extLst>
+              <a:ext uri="{FF2B5EF4-FFF2-40B4-BE49-F238E27FC236}">
+                <a16:creationId xmlns:a16="http://schemas.microsoft.com/office/drawing/2014/main" id="{3E5BDAB2-866C-4DDC-9F06-65DB318CD249}"/>
+              </a:ext>
+            </a:extLst>
+          </p:cNvPr>
+          <p:cNvSpPr>
+            <a:spLocks noGrp="1"/>
+          </p:cNvSpPr>
+          <p:nvPr>
+            <p:ph type="ftr" sz="quarter" idx="11"/>
+          </p:nvPr>
+        </p:nvSpPr>
+        <p:spPr/>
+        <p:txBody>
+          <a:bodyPr/>
+          <a:lstStyle/>
+          <a:p>
+            <a:endParaRPr lang="en-US"/>
+          </a:p>
+        </p:txBody>
+      </p:sp>
+      <p:sp>
+        <p:nvSpPr>
+          <p:cNvPr id="7" name="Slide Number Placeholder 6">
+            <a:extLst>
+              <a:ext uri="{FF2B5EF4-FFF2-40B4-BE49-F238E27FC236}">
+                <a16:creationId xmlns:a16="http://schemas.microsoft.com/office/drawing/2014/main" id="{09F2E966-5D62-4768-8460-9FF123754861}"/>
+              </a:ext>
+            </a:extLst>
+          </p:cNvPr>
+          <p:cNvSpPr>
+            <a:spLocks noGrp="1"/>
+          </p:cNvSpPr>
+          <p:nvPr>
+            <p:ph type="sldNum" sz="quarter" idx="12"/>
+          </p:nvPr>
+        </p:nvSpPr>
+        <p:spPr/>
+        <p:txBody>
+          <a:bodyPr/>
+          <a:lstStyle/>
+          <a:p>
+            <a:fld id="{3359379A-16E2-4C4A-96D0-A52C442257E7}" type="slidenum">
+              <a:rPr lang="en-US" smtClean="0"/>
+              <a:t>‹#›</a:t>
+            </a:fld>
+            <a:endParaRPr lang="en-US"/>
+          </a:p>
+        </p:txBody>
+      </p:sp>
+    </p:spTree>
+    <p:extLst>
+      <p:ext uri="{BB962C8B-B14F-4D97-AF65-F5344CB8AC3E}">
+        <p14:creationId xmlns:p14="http://schemas.microsoft.com/office/powerpoint/2010/main" val="925769778"/>
+      </p:ext>
+    </p:extLst>
+  </p:cSld>
+  <p:clrMapOvr>
+    <a:masterClrMapping/>
+  </p:clrMapOvr>
+</p:sldLayout>
+</file>
+
+<file path=ppt/slideLayouts/slideLayout9.xml><?xml version="1.0" encoding="utf-8"?>
+<p:sldLayout xmlns:a="http://schemas.openxmlformats.org/drawingml/2006/main" xmlns:r="http://schemas.openxmlformats.org/officeDocument/2006/relationships" xmlns:p="http://schemas.openxmlformats.org/presentationml/2006/main" type="picTx" preserve="1">
+  <p:cSld name="Picture with Caption">
+    <p:spTree>
+      <p:nvGrpSpPr>
+        <p:cNvPr id="1" name=""/>
+        <p:cNvGrpSpPr/>
+        <p:nvPr/>
+      </p:nvGrpSpPr>
+      <p:grpSpPr>
+        <a:xfrm>
+          <a:off x="0" y="0"/>
+          <a:ext cx="0" cy="0"/>
+          <a:chOff x="0" y="0"/>
+          <a:chExt cx="0" cy="0"/>
+        </a:xfrm>
+      </p:grpSpPr>
+      <p:sp>
+        <p:nvSpPr>
+          <p:cNvPr id="2" name="Title 1">
+            <a:extLst>
+              <a:ext uri="{FF2B5EF4-FFF2-40B4-BE49-F238E27FC236}">
+                <a16:creationId xmlns:a16="http://schemas.microsoft.com/office/drawing/2014/main" id="{54F60C6D-7C23-4BAD-BB99-6E25A044BAB5}"/>
+              </a:ext>
+            </a:extLst>
+          </p:cNvPr>
+          <p:cNvSpPr>
+            <a:spLocks noGrp="1"/>
+          </p:cNvSpPr>
+          <p:nvPr>
+            <p:ph type="title"/>
+          </p:nvPr>
+        </p:nvSpPr>
+        <p:spPr>
+          <a:xfrm>
+            <a:off x="839788" y="457200"/>
+            <a:ext cx="3932237" cy="1600200"/>
+          </a:xfrm>
+        </p:spPr>
+        <p:txBody>
+          <a:bodyPr anchor="b"/>
+          <a:lstStyle>
+            <a:lvl1pPr>
+              <a:defRPr sz="3200"/>
+            </a:lvl1pPr>
+          </a:lstStyle>
+          <a:p>
+            <a:r>
+              <a:rPr lang="en-US"/>
+              <a:t>Click to edit Master title style</a:t>
+            </a:r>
+          </a:p>
+        </p:txBody>
+      </p:sp>
+      <p:sp>
+        <p:nvSpPr>
+          <p:cNvPr id="3" name="Picture Placeholder 2">
+            <a:extLst>
+              <a:ext uri="{FF2B5EF4-FFF2-40B4-BE49-F238E27FC236}">
+                <a16:creationId xmlns:a16="http://schemas.microsoft.com/office/drawing/2014/main" id="{4783E21F-B554-44C8-AAE0-3CDABB8D9D6F}"/>
+              </a:ext>
+            </a:extLst>
+          </p:cNvPr>
+          <p:cNvSpPr>
+            <a:spLocks noGrp="1"/>
+          </p:cNvSpPr>
+          <p:nvPr>
+            <p:ph type="pic" idx="1"/>
+          </p:nvPr>
+        </p:nvSpPr>
+        <p:spPr>
+          <a:xfrm>
+            <a:off x="5183188" y="987425"/>
+            <a:ext cx="6172200" cy="4873625"/>
+          </a:xfrm>
+        </p:spPr>
+        <p:txBody>
+          <a:bodyPr/>
+          <a:lstStyle>
+            <a:lvl1pPr marL="0" indent="0">
+              <a:buNone/>
+              <a:defRPr sz="3200"/>
+            </a:lvl1pPr>
+            <a:lvl2pPr marL="457200" indent="0">
+              <a:buNone/>
+              <a:defRPr sz="2800"/>
+            </a:lvl2pPr>
+            <a:lvl3pPr marL="914400" indent="0">
+              <a:buNone/>
+              <a:defRPr sz="2400"/>
+            </a:lvl3pPr>
+            <a:lvl4pPr marL="1371600" indent="0">
+              <a:buNone/>
+              <a:defRPr sz="2000"/>
+            </a:lvl4pPr>
+            <a:lvl5pPr marL="1828800" indent="0">
+              <a:buNone/>
+              <a:defRPr sz="2000"/>
+            </a:lvl5pPr>
+            <a:lvl6pPr marL="2286000" indent="0">
+              <a:buNone/>
+              <a:defRPr sz="2000"/>
+            </a:lvl6pPr>
+            <a:lvl7pPr marL="2743200" indent="0">
+              <a:buNone/>
+              <a:defRPr sz="2000"/>
+            </a:lvl7pPr>
+            <a:lvl8pPr marL="3200400" indent="0">
+              <a:buNone/>
+              <a:defRPr sz="2000"/>
+            </a:lvl8pPr>
+            <a:lvl9pPr marL="3657600" indent="0">
+              <a:buNone/>
+              <a:defRPr sz="2000"/>
+            </a:lvl9pPr>
+          </a:lstStyle>
+          <a:p>
+            <a:endParaRPr lang="en-US"/>
+          </a:p>
+        </p:txBody>
+      </p:sp>
+      <p:sp>
+        <p:nvSpPr>
+          <p:cNvPr id="4" name="Text Placeholder 3">
+            <a:extLst>
+              <a:ext uri="{FF2B5EF4-FFF2-40B4-BE49-F238E27FC236}">
+                <a16:creationId xmlns:a16="http://schemas.microsoft.com/office/drawing/2014/main" id="{1B8E354D-5C0B-4662-9D7B-19217EF6213B}"/>
+              </a:ext>
+            </a:extLst>
+          </p:cNvPr>
+          <p:cNvSpPr>
+            <a:spLocks noGrp="1"/>
+          </p:cNvSpPr>
+          <p:nvPr>
+            <p:ph type="body" sz="half" idx="2"/>
+          </p:nvPr>
+        </p:nvSpPr>
+        <p:spPr>
+          <a:xfrm>
+            <a:off x="839788" y="2057400"/>
+            <a:ext cx="3932237" cy="3811588"/>
+          </a:xfrm>
+        </p:spPr>
+        <p:txBody>
+          <a:bodyPr/>
+          <a:lstStyle>
+            <a:lvl1pPr marL="0" indent="0">
+              <a:buNone/>
+              <a:defRPr sz="1600"/>
+            </a:lvl1pPr>
+            <a:lvl2pPr marL="457200" indent="0">
+              <a:buNone/>
+              <a:defRPr sz="1400"/>
+            </a:lvl2pPr>
+            <a:lvl3pPr marL="914400" indent="0">
+              <a:buNone/>
+              <a:defRPr sz="1200"/>
+            </a:lvl3pPr>
+            <a:lvl4pPr marL="1371600" indent="0">
+              <a:buNone/>
+              <a:defRPr sz="1000"/>
+            </a:lvl4pPr>
+            <a:lvl5pPr marL="1828800" indent="0">
+              <a:buNone/>
+              <a:defRPr sz="1000"/>
+            </a:lvl5pPr>
+            <a:lvl6pPr marL="2286000" indent="0">
+              <a:buNone/>
+              <a:defRPr sz="1000"/>
+            </a:lvl6pPr>
+            <a:lvl7pPr marL="2743200" indent="0">
+              <a:buNone/>
+              <a:defRPr sz="1000"/>
+            </a:lvl7pPr>
+            <a:lvl8pPr marL="3200400" indent="0">
+              <a:buNone/>
+              <a:defRPr sz="1000"/>
+            </a:lvl8pPr>
+            <a:lvl9pPr marL="3657600" indent="0">
+              <a:buNone/>
+              <a:defRPr sz="1000"/>
+            </a:lvl9pPr>
+          </a:lstStyle>
+          <a:p>
+            <a:pPr lvl="0"/>
+            <a:r>
+              <a:rPr lang="en-US"/>
+              <a:t>Click to edit Master text styles</a:t>
+            </a:r>
+          </a:p>
+        </p:txBody>
+      </p:sp>
+      <p:sp>
+        <p:nvSpPr>
+          <p:cNvPr id="5" name="Date Placeholder 4">
+            <a:extLst>
+              <a:ext uri="{FF2B5EF4-FFF2-40B4-BE49-F238E27FC236}">
+                <a16:creationId xmlns:a16="http://schemas.microsoft.com/office/drawing/2014/main" id="{7D7E51EC-38B4-430A-8AA3-95C976E9926D}"/>
+              </a:ext>
+            </a:extLst>
+          </p:cNvPr>
+          <p:cNvSpPr>
+            <a:spLocks noGrp="1"/>
+          </p:cNvSpPr>
+          <p:nvPr>
+            <p:ph type="dt" sz="half" idx="10"/>
+          </p:nvPr>
+        </p:nvSpPr>
+        <p:spPr/>
+        <p:txBody>
+          <a:bodyPr/>
+          <a:lstStyle/>
+          <a:p>
+            <a:fld id="{4744E560-77BF-4D1A-B6E7-CD55CE12B1B8}" type="datetimeFigureOut">
+              <a:rPr lang="en-US" smtClean="0"/>
+              <a:t>10/31/2019</a:t>
+            </a:fld>
+            <a:endParaRPr lang="en-US"/>
+          </a:p>
+        </p:txBody>
+      </p:sp>
+      <p:sp>
+        <p:nvSpPr>
+          <p:cNvPr id="6" name="Footer Placeholder 5">
+            <a:extLst>
+              <a:ext uri="{FF2B5EF4-FFF2-40B4-BE49-F238E27FC236}">
+                <a16:creationId xmlns:a16="http://schemas.microsoft.com/office/drawing/2014/main" id="{4C0FB375-C622-4554-920D-F8429B174DD1}"/>
+              </a:ext>
+            </a:extLst>
+          </p:cNvPr>
+          <p:cNvSpPr>
+            <a:spLocks noGrp="1"/>
+          </p:cNvSpPr>
+          <p:nvPr>
+            <p:ph type="ftr" sz="quarter" idx="11"/>
+          </p:nvPr>
+        </p:nvSpPr>
+        <p:spPr/>
+        <p:txBody>
+          <a:bodyPr/>
+          <a:lstStyle/>
+          <a:p>
+            <a:endParaRPr lang="en-US"/>
+          </a:p>
+        </p:txBody>
+      </p:sp>
+      <p:sp>
+        <p:nvSpPr>
+          <p:cNvPr id="7" name="Slide Number Placeholder 6">
+            <a:extLst>
+              <a:ext uri="{FF2B5EF4-FFF2-40B4-BE49-F238E27FC236}">
+                <a16:creationId xmlns:a16="http://schemas.microsoft.com/office/drawing/2014/main" id="{0B19B1E9-32CC-4C9B-8478-5F2D74C0B509}"/>
+              </a:ext>
+            </a:extLst>
+          </p:cNvPr>
+          <p:cNvSpPr>
+            <a:spLocks noGrp="1"/>
+          </p:cNvSpPr>
+          <p:nvPr>
+            <p:ph type="sldNum" sz="quarter" idx="12"/>
+          </p:nvPr>
+        </p:nvSpPr>
+        <p:spPr/>
+        <p:txBody>
+          <a:bodyPr/>
+          <a:lstStyle/>
+          <a:p>
+            <a:fld id="{3359379A-16E2-4C4A-96D0-A52C442257E7}" type="slidenum">
+              <a:rPr lang="en-US" smtClean="0"/>
+              <a:t>‹#›</a:t>
+            </a:fld>
+            <a:endParaRPr lang="en-US"/>
+          </a:p>
+        </p:txBody>
+      </p:sp>
+    </p:spTree>
+    <p:extLst>
+      <p:ext uri="{BB962C8B-B14F-4D97-AF65-F5344CB8AC3E}">
+        <p14:creationId xmlns:p14="http://schemas.microsoft.com/office/powerpoint/2010/main" val="2218822251"/>
+      </p:ext>
+    </p:extLst>
+  </p:cSld>
+  <p:clrMapOvr>
+    <a:masterClrMapping/>
+  </p:clrMapOvr>
+</p:sldLayout>
+</file>
+
+<file path=ppt/slideMasters/slideMaster1.xml><?xml version="1.0" encoding="utf-8"?>
+<p:sldMaster xmlns:a="http://schemas.openxmlformats.org/drawingml/2006/main" xmlns:r="http://schemas.openxmlformats.org/officeDocument/2006/relationships" xmlns:p="http://schemas.openxmlformats.org/presentationml/2006/main">
+  <p:cSld>
+    <p:bg>
+      <p:bgRef idx="1001">
+        <a:schemeClr val="bg1"/>
+      </p:bgRef>
+    </p:bg>
+    <p:spTree>
+      <p:nvGrpSpPr>
+        <p:cNvPr id="1" name=""/>
+        <p:cNvGrpSpPr/>
+        <p:nvPr/>
+      </p:nvGrpSpPr>
+      <p:grpSpPr>
+        <a:xfrm>
+          <a:off x="0" y="0"/>
+          <a:ext cx="0" cy="0"/>
+          <a:chOff x="0" y="0"/>
+          <a:chExt cx="0" cy="0"/>
+        </a:xfrm>
+      </p:grpSpPr>
+      <p:sp>
+        <p:nvSpPr>
+          <p:cNvPr id="2" name="Title Placeholder 1">
+            <a:extLst>
+              <a:ext uri="{FF2B5EF4-FFF2-40B4-BE49-F238E27FC236}">
+                <a16:creationId xmlns:a16="http://schemas.microsoft.com/office/drawing/2014/main" id="{FB71AA63-D9E2-47A8-A3D2-5E52E21A0B18}"/>
+              </a:ext>
+            </a:extLst>
+          </p:cNvPr>
+          <p:cNvSpPr>
+            <a:spLocks noGrp="1"/>
+          </p:cNvSpPr>
+          <p:nvPr>
+            <p:ph type="title"/>
+          </p:nvPr>
+        </p:nvSpPr>
+        <p:spPr>
+          <a:xfrm>
+            <a:off x="838200" y="365125"/>
+            <a:ext cx="10515600" cy="1325563"/>
+          </a:xfrm>
+          <a:prstGeom prst="rect">
+            <a:avLst/>
+          </a:prstGeom>
+        </p:spPr>
+        <p:txBody>
+          <a:bodyPr vert="horz" lIns="91440" tIns="45720" rIns="91440" bIns="45720" rtlCol="0" anchor="ctr">
+            <a:normAutofit/>
+          </a:bodyPr>
+          <a:lstStyle/>
+          <a:p>
+            <a:r>
+              <a:rPr lang="en-US"/>
+              <a:t>Click to edit Master title style</a:t>
+            </a:r>
+          </a:p>
+        </p:txBody>
+      </p:sp>
+      <p:sp>
+        <p:nvSpPr>
+          <p:cNvPr id="3" name="Text Placeholder 2">
+            <a:extLst>
+              <a:ext uri="{FF2B5EF4-FFF2-40B4-BE49-F238E27FC236}">
+                <a16:creationId xmlns:a16="http://schemas.microsoft.com/office/drawing/2014/main" id="{D459A87E-E5E9-4061-89D9-333F75AECF6D}"/>
+              </a:ext>
+            </a:extLst>
+          </p:cNvPr>
+          <p:cNvSpPr>
+            <a:spLocks noGrp="1"/>
+          </p:cNvSpPr>
+          <p:nvPr>
+            <p:ph type="body" idx="1"/>
+          </p:nvPr>
+        </p:nvSpPr>
+        <p:spPr>
+          <a:xfrm>
+            <a:off x="838200" y="1825625"/>
+            <a:ext cx="10515600" cy="4351338"/>
+          </a:xfrm>
+          <a:prstGeom prst="rect">
+            <a:avLst/>
+          </a:prstGeom>
+        </p:spPr>
+        <p:txBody>
+          <a:bodyPr vert="horz" lIns="91440" tIns="45720" rIns="91440" bIns="45720" rtlCol="0">
+            <a:normAutofit/>
+          </a:bodyPr>
+          <a:lstStyle/>
+          <a:p>
+            <a:pPr lvl="0"/>
+            <a:r>
+              <a:rPr lang="en-US"/>
+              <a:t>Click to edit Master text styles</a:t>
+            </a:r>
+          </a:p>
+          <a:p>
+            <a:pPr lvl="1"/>
+            <a:r>
+              <a:rPr lang="en-US"/>
+              <a:t>Second level</a:t>
+            </a:r>
+          </a:p>
+          <a:p>
+            <a:pPr lvl="2"/>
+            <a:r>
+              <a:rPr lang="en-US"/>
+              <a:t>Third level</a:t>
+            </a:r>
+          </a:p>
+          <a:p>
+            <a:pPr lvl="3"/>
+            <a:r>
+              <a:rPr lang="en-US"/>
+              <a:t>Fourth level</a:t>
+            </a:r>
+          </a:p>
+          <a:p>
+            <a:pPr lvl="4"/>
+            <a:r>
+              <a:rPr lang="en-US"/>
+              <a:t>Fifth level</a:t>
+            </a:r>
+          </a:p>
+        </p:txBody>
+      </p:sp>
+      <p:sp>
+        <p:nvSpPr>
+          <p:cNvPr id="4" name="Date Placeholder 3">
+            <a:extLst>
+              <a:ext uri="{FF2B5EF4-FFF2-40B4-BE49-F238E27FC236}">
+                <a16:creationId xmlns:a16="http://schemas.microsoft.com/office/drawing/2014/main" id="{E9825652-0B82-434F-A4F4-47268696C97F}"/>
+              </a:ext>
+            </a:extLst>
+          </p:cNvPr>
+          <p:cNvSpPr>
+            <a:spLocks noGrp="1"/>
+          </p:cNvSpPr>
+          <p:nvPr>
+            <p:ph type="dt" sz="half" idx="2"/>
+          </p:nvPr>
+        </p:nvSpPr>
+        <p:spPr>
+          <a:xfrm>
+            <a:off x="838200" y="6356350"/>
+            <a:ext cx="2743200" cy="365125"/>
+          </a:xfrm>
+          <a:prstGeom prst="rect">
+            <a:avLst/>
+          </a:prstGeom>
+        </p:spPr>
+        <p:txBody>
+          <a:bodyPr vert="horz" lIns="91440" tIns="45720" rIns="91440" bIns="45720" rtlCol="0" anchor="ctr"/>
+          <a:lstStyle>
+            <a:lvl1pPr algn="l">
+              <a:defRPr sz="1200">
+                <a:solidFill>
+                  <a:schemeClr val="tx1">
+                    <a:tint val="75000"/>
+                  </a:schemeClr>
+                </a:solidFill>
+              </a:defRPr>
+            </a:lvl1pPr>
+          </a:lstStyle>
+          <a:p>
+            <a:fld id="{4744E560-77BF-4D1A-B6E7-CD55CE12B1B8}" type="datetimeFigureOut">
+              <a:rPr lang="en-US" smtClean="0"/>
+              <a:t>10/31/2019</a:t>
+            </a:fld>
+            <a:endParaRPr lang="en-US"/>
+          </a:p>
+        </p:txBody>
+      </p:sp>
+      <p:sp>
+        <p:nvSpPr>
+          <p:cNvPr id="5" name="Footer Placeholder 4">
+            <a:extLst>
+              <a:ext uri="{FF2B5EF4-FFF2-40B4-BE49-F238E27FC236}">
+                <a16:creationId xmlns:a16="http://schemas.microsoft.com/office/drawing/2014/main" id="{A2F051B2-E845-4BB5-9A66-BC34BC3F2502}"/>
+              </a:ext>
+            </a:extLst>
+          </p:cNvPr>
+          <p:cNvSpPr>
+            <a:spLocks noGrp="1"/>
+          </p:cNvSpPr>
+          <p:nvPr>
+            <p:ph type="ftr" sz="quarter" idx="3"/>
+          </p:nvPr>
+        </p:nvSpPr>
+        <p:spPr>
+          <a:xfrm>
+            <a:off x="4038600" y="6356350"/>
+            <a:ext cx="4114800" cy="365125"/>
+          </a:xfrm>
+          <a:prstGeom prst="rect">
+            <a:avLst/>
+          </a:prstGeom>
+        </p:spPr>
+        <p:txBody>
+          <a:bodyPr vert="horz" lIns="91440" tIns="45720" rIns="91440" bIns="45720" rtlCol="0" anchor="ctr"/>
+          <a:lstStyle>
+            <a:lvl1pPr algn="ctr">
+              <a:defRPr sz="1200">
+                <a:solidFill>
+                  <a:schemeClr val="tx1">
+                    <a:tint val="75000"/>
+                  </a:schemeClr>
+                </a:solidFill>
+              </a:defRPr>
+            </a:lvl1pPr>
+          </a:lstStyle>
+          <a:p>
+            <a:endParaRPr lang="en-US"/>
+          </a:p>
+        </p:txBody>
+      </p:sp>
+      <p:sp>
+        <p:nvSpPr>
+          <p:cNvPr id="6" name="Slide Number Placeholder 5">
+            <a:extLst>
+              <a:ext uri="{FF2B5EF4-FFF2-40B4-BE49-F238E27FC236}">
+                <a16:creationId xmlns:a16="http://schemas.microsoft.com/office/drawing/2014/main" id="{21D122C5-9B81-4BBA-92AD-D9FD8C68D8E1}"/>
+              </a:ext>
+            </a:extLst>
+          </p:cNvPr>
+          <p:cNvSpPr>
+            <a:spLocks noGrp="1"/>
+          </p:cNvSpPr>
+          <p:nvPr>
+            <p:ph type="sldNum" sz="quarter" idx="4"/>
+          </p:nvPr>
+        </p:nvSpPr>
+        <p:spPr>
+          <a:xfrm>
+            <a:off x="8610600" y="6356350"/>
+            <a:ext cx="2743200" cy="365125"/>
+          </a:xfrm>
+          <a:prstGeom prst="rect">
+            <a:avLst/>
+          </a:prstGeom>
+        </p:spPr>
+        <p:txBody>
+          <a:bodyPr vert="horz" lIns="91440" tIns="45720" rIns="91440" bIns="45720" rtlCol="0" anchor="ctr"/>
+          <a:lstStyle>
+            <a:lvl1pPr algn="r">
+              <a:defRPr sz="1200">
+                <a:solidFill>
+                  <a:schemeClr val="tx1">
+                    <a:tint val="75000"/>
+                  </a:schemeClr>
+                </a:solidFill>
+              </a:defRPr>
+            </a:lvl1pPr>
+          </a:lstStyle>
+          <a:p>
+            <a:fld id="{3359379A-16E2-4C4A-96D0-A52C442257E7}" type="slidenum">
+              <a:rPr lang="en-US" smtClean="0"/>
+              <a:t>‹#›</a:t>
+            </a:fld>
+            <a:endParaRPr lang="en-US"/>
+          </a:p>
+        </p:txBody>
+      </p:sp>
+      <p:sp>
+        <p:nvSpPr>
+          <p:cNvPr id="7" name="Rectangle 6">
+            <a:extLst>
+              <a:ext uri="{FF2B5EF4-FFF2-40B4-BE49-F238E27FC236}">
+                <a16:creationId xmlns:a16="http://schemas.microsoft.com/office/drawing/2014/main" id="{651D351C-07BE-4FFF-895A-43CDD3A03556}"/>
+              </a:ext>
+            </a:extLst>
+          </p:cNvPr>
+          <p:cNvSpPr/>
+          <p:nvPr userDrawn="1"/>
+        </p:nvSpPr>
+        <p:spPr>
+          <a:xfrm>
+            <a:off x="256032" y="265176"/>
+            <a:ext cx="11683049" cy="6332433"/>
+          </a:xfrm>
+          <a:prstGeom prst="rect">
+            <a:avLst/>
+          </a:prstGeom>
+          <a:solidFill>
+            <a:srgbClr val="F5F5F5"/>
+          </a:solidFill>
+          <a:ln>
+            <a:noFill/>
+          </a:ln>
+        </p:spPr>
+        <p:style>
+          <a:lnRef idx="2">
+            <a:schemeClr val="accent1">
+              <a:shade val="50000"/>
+            </a:schemeClr>
+          </a:lnRef>
+          <a:fillRef idx="1">
+            <a:schemeClr val="accent1"/>
+          </a:fillRef>
+          <a:effectRef idx="0">
+            <a:schemeClr val="accent1"/>
+          </a:effectRef>
+          <a:fontRef idx="minor">
+            <a:schemeClr val="lt1"/>
+          </a:fontRef>
+        </p:style>
+        <p:txBody>
+          <a:bodyPr rtlCol="0" anchor="b" anchorCtr="0"/>
+          <a:lstStyle/>
+          <a:p>
+            <a:pPr algn="ctr"/>
+            <a:endParaRPr lang="en-US" sz="1800" dirty="0"/>
+          </a:p>
+        </p:txBody>
+      </p:sp>
+      <p:cxnSp>
+        <p:nvCxnSpPr>
+          <p:cNvPr id="8" name="Straight Connector 7">
+            <a:extLst>
+              <a:ext uri="{FF2B5EF4-FFF2-40B4-BE49-F238E27FC236}">
+                <a16:creationId xmlns:a16="http://schemas.microsoft.com/office/drawing/2014/main" id="{43C28CB3-8E92-4E2F-9F24-A1DCC669D313}"/>
+              </a:ext>
+            </a:extLst>
+          </p:cNvPr>
+          <p:cNvCxnSpPr/>
+          <p:nvPr userDrawn="1"/>
+        </p:nvCxnSpPr>
+        <p:spPr>
+          <a:xfrm>
+            <a:off x="604434" y="1196392"/>
+            <a:ext cx="10983132" cy="0"/>
+          </a:xfrm>
+          <a:prstGeom prst="line">
+            <a:avLst/>
+          </a:prstGeom>
+          <a:ln w="25400">
+            <a:solidFill>
+              <a:srgbClr val="D24726"/>
+            </a:solidFill>
+          </a:ln>
+        </p:spPr>
+        <p:style>
+          <a:lnRef idx="1">
+            <a:schemeClr val="accent1"/>
+          </a:lnRef>
+          <a:fillRef idx="0">
+            <a:schemeClr val="accent1"/>
+          </a:fillRef>
+          <a:effectRef idx="0">
+            <a:schemeClr val="accent1"/>
+          </a:effectRef>
+          <a:fontRef idx="minor">
+            <a:schemeClr val="tx1"/>
+          </a:fontRef>
+        </p:style>
+      </p:cxnSp>
+    </p:spTree>
+    <p:extLst>
+      <p:ext uri="{BB962C8B-B14F-4D97-AF65-F5344CB8AC3E}">
+        <p14:creationId xmlns:p14="http://schemas.microsoft.com/office/powerpoint/2010/main" val="4085438111"/>
       </p:ext>
     </p:extLst>
   </p:cSld>
   <p:clrMap bg1="lt1" tx1="dk1" bg2="lt2" tx2="dk2" accent1="accent1" accent2="accent2" accent3="accent3" accent4="accent4" accent5="accent5" accent6="accent6" hlink="hlink" folHlink="folHlink"/>
   <p:sldLayoutIdLst>
-    <p:sldLayoutId id="2147483649" r:id="rId1"/>
-    <p:sldLayoutId id="2147483650" r:id="rId2"/>
-    <p:sldLayoutId id="2147483663" r:id="rId3"/>
-    <p:sldLayoutId id="2147483652" r:id="rId4"/>
-    <p:sldLayoutId id="2147483660" r:id="rId5"/>
-    <p:sldLayoutId id="2147483662" r:id="rId6"/>
-    <p:sldLayoutId id="2147483661" r:id="rId7"/>
-    <p:sldLayoutId id="2147483655" r:id="rId8"/>
+    <p:sldLayoutId id="2147483684" r:id="rId1"/>
+    <p:sldLayoutId id="2147483685" r:id="rId2"/>
+    <p:sldLayoutId id="2147483686" r:id="rId3"/>
+    <p:sldLayoutId id="2147483687" r:id="rId4"/>
+    <p:sldLayoutId id="2147483688" r:id="rId5"/>
+    <p:sldLayoutId id="2147483689" r:id="rId6"/>
+    <p:sldLayoutId id="2147483690" r:id="rId7"/>
+    <p:sldLayoutId id="2147483691" r:id="rId8"/>
+    <p:sldLayoutId id="2147483692" r:id="rId9"/>
+    <p:sldLayoutId id="2147483693" r:id="rId10"/>
+    <p:sldLayoutId id="2147483694" r:id="rId11"/>
+    <p:sldLayoutId id="2147483695" r:id="rId12"/>
+    <p:sldLayoutId id="2147483696" r:id="rId13"/>
+    <p:sldLayoutId id="2147483650" r:id="rId14"/>
+    <p:sldLayoutId id="2147483663" r:id="rId15"/>
+    <p:sldLayoutId id="2147483662" r:id="rId16"/>
+    <p:sldLayoutId id="2147483661" r:id="rId17"/>
   </p:sldLayoutIdLst>
   <p:txStyles>
     <p:titleStyle>
@@ -6966,11 +9589,9 @@
           <a:spcPct val="0"/>
         </a:spcBef>
         <a:buNone/>
-        <a:defRPr lang="en-US" sz="2800" kern="1200">
+        <a:defRPr sz="4400" kern="1200">
           <a:solidFill>
-            <a:schemeClr val="bg2">
-              <a:lumMod val="25000"/>
-            </a:schemeClr>
+            <a:schemeClr val="tx1"/>
           </a:solidFill>
           <a:latin typeface="+mj-lt"/>
           <a:ea typeface="+mj-ea"/>
@@ -7276,7 +9897,9 @@
         </p:nvSpPr>
         <p:spPr/>
         <p:txBody>
-          <a:bodyPr/>
+          <a:bodyPr>
+            <a:normAutofit fontScale="90000"/>
+          </a:bodyPr>
           <a:lstStyle/>
           <a:p>
             <a:r>
@@ -7322,6 +9945,444 @@
     <p:extLst>
       <p:ext uri="{BB962C8B-B14F-4D97-AF65-F5344CB8AC3E}">
         <p14:creationId xmlns:p14="http://schemas.microsoft.com/office/powerpoint/2010/main" val="468053002"/>
+      </p:ext>
+    </p:extLst>
+  </p:cSld>
+  <p:clrMapOvr>
+    <a:masterClrMapping/>
+  </p:clrMapOvr>
+</p:sld>
+</file>
+
+<file path=ppt/slides/slide10.xml><?xml version="1.0" encoding="utf-8"?>
+<p:sld xmlns:a="http://schemas.openxmlformats.org/drawingml/2006/main" xmlns:r="http://schemas.openxmlformats.org/officeDocument/2006/relationships" xmlns:p="http://schemas.openxmlformats.org/presentationml/2006/main">
+  <p:cSld>
+    <p:spTree>
+      <p:nvGrpSpPr>
+        <p:cNvPr id="1" name=""/>
+        <p:cNvGrpSpPr/>
+        <p:nvPr/>
+      </p:nvGrpSpPr>
+      <p:grpSpPr>
+        <a:xfrm>
+          <a:off x="0" y="0"/>
+          <a:ext cx="0" cy="0"/>
+          <a:chOff x="0" y="0"/>
+          <a:chExt cx="0" cy="0"/>
+        </a:xfrm>
+      </p:grpSpPr>
+      <p:sp>
+        <p:nvSpPr>
+          <p:cNvPr id="2" name="Title 1">
+            <a:extLst>
+              <a:ext uri="{FF2B5EF4-FFF2-40B4-BE49-F238E27FC236}">
+                <a16:creationId xmlns:a16="http://schemas.microsoft.com/office/drawing/2014/main" id="{35F8DCE4-A033-4BD5-9165-4AD31FDE627E}"/>
+              </a:ext>
+            </a:extLst>
+          </p:cNvPr>
+          <p:cNvSpPr>
+            <a:spLocks noGrp="1"/>
+          </p:cNvSpPr>
+          <p:nvPr>
+            <p:ph type="title"/>
+          </p:nvPr>
+        </p:nvSpPr>
+        <p:spPr/>
+        <p:txBody>
+          <a:bodyPr/>
+          <a:lstStyle/>
+          <a:p>
+            <a:r>
+              <a:rPr lang="en-US" dirty="0"/>
+              <a:t>Model</a:t>
+            </a:r>
+          </a:p>
+        </p:txBody>
+      </p:sp>
+      <p:sp>
+        <p:nvSpPr>
+          <p:cNvPr id="3" name="Content Placeholder 2">
+            <a:extLst>
+              <a:ext uri="{FF2B5EF4-FFF2-40B4-BE49-F238E27FC236}">
+                <a16:creationId xmlns:a16="http://schemas.microsoft.com/office/drawing/2014/main" id="{4816EB8F-F2CB-4606-A5DB-E3E881D058BF}"/>
+              </a:ext>
+            </a:extLst>
+          </p:cNvPr>
+          <p:cNvSpPr>
+            <a:spLocks noGrp="1"/>
+          </p:cNvSpPr>
+          <p:nvPr>
+            <p:ph idx="1"/>
+          </p:nvPr>
+        </p:nvSpPr>
+        <p:spPr/>
+        <p:txBody>
+          <a:bodyPr/>
+          <a:lstStyle/>
+          <a:p>
+            <a:r>
+              <a:rPr lang="en-US" dirty="0"/>
+              <a:t>Log-odds/logit</a:t>
+            </a:r>
+          </a:p>
+          <a:p>
+            <a:r>
+              <a:rPr lang="en-US" dirty="0"/>
+              <a:t>Maximum likelihood is used to estimate </a:t>
+            </a:r>
+            <a:r>
+              <a:rPr lang="en-US" dirty="0" err="1"/>
+              <a:t>beta_hat</a:t>
+            </a:r>
+            <a:endParaRPr lang="en-US" dirty="0"/>
+          </a:p>
+          <a:p>
+            <a:endParaRPr lang="en-US" dirty="0"/>
+          </a:p>
+          <a:p>
+            <a:endParaRPr lang="en-US" dirty="0"/>
+          </a:p>
+          <a:p>
+            <a:endParaRPr lang="en-US" dirty="0"/>
+          </a:p>
+          <a:p>
+            <a:endParaRPr lang="en-US" dirty="0"/>
+          </a:p>
+          <a:p>
+            <a:r>
+              <a:rPr lang="en-US" dirty="0"/>
+              <a:t>For example, an individual with a balance of $1000</a:t>
+            </a:r>
+            <a:br>
+              <a:rPr lang="en-US" dirty="0"/>
+            </a:br>
+            <a:endParaRPr lang="en-US" dirty="0"/>
+          </a:p>
+        </p:txBody>
+      </p:sp>
+      <p:pic>
+        <p:nvPicPr>
+          <p:cNvPr id="7" name="Picture 6">
+            <a:extLst>
+              <a:ext uri="{FF2B5EF4-FFF2-40B4-BE49-F238E27FC236}">
+                <a16:creationId xmlns:a16="http://schemas.microsoft.com/office/drawing/2014/main" id="{964DC085-1FEC-46DF-A788-26EA53132941}"/>
+              </a:ext>
+            </a:extLst>
+          </p:cNvPr>
+          <p:cNvPicPr>
+            <a:picLocks noChangeAspect="1"/>
+          </p:cNvPicPr>
+          <p:nvPr/>
+        </p:nvPicPr>
+        <p:blipFill>
+          <a:blip r:embed="rId2"/>
+          <a:stretch>
+            <a:fillRect/>
+          </a:stretch>
+        </p:blipFill>
+        <p:spPr>
+          <a:xfrm>
+            <a:off x="4309310" y="1477108"/>
+            <a:ext cx="3577596" cy="867296"/>
+          </a:xfrm>
+          <a:prstGeom prst="rect">
+            <a:avLst/>
+          </a:prstGeom>
+        </p:spPr>
+      </p:pic>
+      <p:pic>
+        <p:nvPicPr>
+          <p:cNvPr id="9" name="Picture 8">
+            <a:extLst>
+              <a:ext uri="{FF2B5EF4-FFF2-40B4-BE49-F238E27FC236}">
+                <a16:creationId xmlns:a16="http://schemas.microsoft.com/office/drawing/2014/main" id="{E47F7C1B-55C0-45F2-B6D1-80584E70107D}"/>
+              </a:ext>
+            </a:extLst>
+          </p:cNvPr>
+          <p:cNvPicPr>
+            <a:picLocks noChangeAspect="1"/>
+          </p:cNvPicPr>
+          <p:nvPr/>
+        </p:nvPicPr>
+        <p:blipFill>
+          <a:blip r:embed="rId3"/>
+          <a:stretch>
+            <a:fillRect/>
+          </a:stretch>
+        </p:blipFill>
+        <p:spPr>
+          <a:xfrm>
+            <a:off x="2933700" y="2713372"/>
+            <a:ext cx="6324600" cy="1800225"/>
+          </a:xfrm>
+          <a:prstGeom prst="rect">
+            <a:avLst/>
+          </a:prstGeom>
+        </p:spPr>
+      </p:pic>
+      <p:pic>
+        <p:nvPicPr>
+          <p:cNvPr id="10" name="Picture 9">
+            <a:extLst>
+              <a:ext uri="{FF2B5EF4-FFF2-40B4-BE49-F238E27FC236}">
+                <a16:creationId xmlns:a16="http://schemas.microsoft.com/office/drawing/2014/main" id="{A6837E9C-9078-48FB-94BF-7D552B037935}"/>
+              </a:ext>
+            </a:extLst>
+          </p:cNvPr>
+          <p:cNvPicPr>
+            <a:picLocks noChangeAspect="1"/>
+          </p:cNvPicPr>
+          <p:nvPr/>
+        </p:nvPicPr>
+        <p:blipFill>
+          <a:blip r:embed="rId4"/>
+          <a:stretch>
+            <a:fillRect/>
+          </a:stretch>
+        </p:blipFill>
+        <p:spPr>
+          <a:xfrm>
+            <a:off x="2759373" y="5401344"/>
+            <a:ext cx="6673253" cy="910556"/>
+          </a:xfrm>
+          <a:prstGeom prst="rect">
+            <a:avLst/>
+          </a:prstGeom>
+        </p:spPr>
+      </p:pic>
+    </p:spTree>
+    <p:extLst>
+      <p:ext uri="{BB962C8B-B14F-4D97-AF65-F5344CB8AC3E}">
+        <p14:creationId xmlns:p14="http://schemas.microsoft.com/office/powerpoint/2010/main" val="3924501173"/>
+      </p:ext>
+    </p:extLst>
+  </p:cSld>
+  <p:clrMapOvr>
+    <a:masterClrMapping/>
+  </p:clrMapOvr>
+</p:sld>
+</file>
+
+<file path=ppt/slides/slide11.xml><?xml version="1.0" encoding="utf-8"?>
+<p:sld xmlns:a="http://schemas.openxmlformats.org/drawingml/2006/main" xmlns:r="http://schemas.openxmlformats.org/officeDocument/2006/relationships" xmlns:p="http://schemas.openxmlformats.org/presentationml/2006/main">
+  <p:cSld>
+    <p:spTree>
+      <p:nvGrpSpPr>
+        <p:cNvPr id="1" name=""/>
+        <p:cNvGrpSpPr/>
+        <p:nvPr/>
+      </p:nvGrpSpPr>
+      <p:grpSpPr>
+        <a:xfrm>
+          <a:off x="0" y="0"/>
+          <a:ext cx="0" cy="0"/>
+          <a:chOff x="0" y="0"/>
+          <a:chExt cx="0" cy="0"/>
+        </a:xfrm>
+      </p:grpSpPr>
+      <p:sp>
+        <p:nvSpPr>
+          <p:cNvPr id="2" name="Title 1">
+            <a:extLst>
+              <a:ext uri="{FF2B5EF4-FFF2-40B4-BE49-F238E27FC236}">
+                <a16:creationId xmlns:a16="http://schemas.microsoft.com/office/drawing/2014/main" id="{2EE048D3-C33B-4814-9C17-AB6FA328BC7A}"/>
+              </a:ext>
+            </a:extLst>
+          </p:cNvPr>
+          <p:cNvSpPr>
+            <a:spLocks noGrp="1"/>
+          </p:cNvSpPr>
+          <p:nvPr>
+            <p:ph type="title"/>
+          </p:nvPr>
+        </p:nvSpPr>
+        <p:spPr/>
+        <p:txBody>
+          <a:bodyPr/>
+          <a:lstStyle/>
+          <a:p>
+            <a:r>
+              <a:rPr lang="en-US" dirty="0"/>
+              <a:t>Multiple Logistic Regression</a:t>
+            </a:r>
+          </a:p>
+        </p:txBody>
+      </p:sp>
+      <p:sp>
+        <p:nvSpPr>
+          <p:cNvPr id="3" name="Content Placeholder 2">
+            <a:extLst>
+              <a:ext uri="{FF2B5EF4-FFF2-40B4-BE49-F238E27FC236}">
+                <a16:creationId xmlns:a16="http://schemas.microsoft.com/office/drawing/2014/main" id="{E15ACDCD-8C0C-443B-B78C-0E1464918B17}"/>
+              </a:ext>
+            </a:extLst>
+          </p:cNvPr>
+          <p:cNvSpPr>
+            <a:spLocks noGrp="1"/>
+          </p:cNvSpPr>
+          <p:nvPr>
+            <p:ph idx="1"/>
+          </p:nvPr>
+        </p:nvSpPr>
+        <p:spPr/>
+        <p:txBody>
+          <a:bodyPr/>
+          <a:lstStyle/>
+          <a:p>
+            <a:r>
+              <a:rPr lang="en-US" dirty="0"/>
+              <a:t>Model</a:t>
+            </a:r>
+          </a:p>
+        </p:txBody>
+      </p:sp>
+      <p:pic>
+        <p:nvPicPr>
+          <p:cNvPr id="5" name="Picture 4">
+            <a:extLst>
+              <a:ext uri="{FF2B5EF4-FFF2-40B4-BE49-F238E27FC236}">
+                <a16:creationId xmlns:a16="http://schemas.microsoft.com/office/drawing/2014/main" id="{81944661-A441-42D2-A523-4DAA8FFD5481}"/>
+              </a:ext>
+            </a:extLst>
+          </p:cNvPr>
+          <p:cNvPicPr>
+            <a:picLocks noChangeAspect="1"/>
+          </p:cNvPicPr>
+          <p:nvPr/>
+        </p:nvPicPr>
+        <p:blipFill>
+          <a:blip r:embed="rId2"/>
+          <a:stretch>
+            <a:fillRect/>
+          </a:stretch>
+        </p:blipFill>
+        <p:spPr>
+          <a:xfrm>
+            <a:off x="3652104" y="1825625"/>
+            <a:ext cx="3762375" cy="676275"/>
+          </a:xfrm>
+          <a:prstGeom prst="rect">
+            <a:avLst/>
+          </a:prstGeom>
+        </p:spPr>
+      </p:pic>
+      <p:pic>
+        <p:nvPicPr>
+          <p:cNvPr id="6" name="Picture 5">
+            <a:extLst>
+              <a:ext uri="{FF2B5EF4-FFF2-40B4-BE49-F238E27FC236}">
+                <a16:creationId xmlns:a16="http://schemas.microsoft.com/office/drawing/2014/main" id="{734CFF76-761E-4CCB-9D38-8323E979C7C9}"/>
+              </a:ext>
+            </a:extLst>
+          </p:cNvPr>
+          <p:cNvPicPr>
+            <a:picLocks noChangeAspect="1"/>
+          </p:cNvPicPr>
+          <p:nvPr/>
+        </p:nvPicPr>
+        <p:blipFill>
+          <a:blip r:embed="rId3"/>
+          <a:stretch>
+            <a:fillRect/>
+          </a:stretch>
+        </p:blipFill>
+        <p:spPr>
+          <a:xfrm>
+            <a:off x="2947485" y="2636837"/>
+            <a:ext cx="5591175" cy="1304925"/>
+          </a:xfrm>
+          <a:prstGeom prst="rect">
+            <a:avLst/>
+          </a:prstGeom>
+        </p:spPr>
+      </p:pic>
+    </p:spTree>
+    <p:extLst>
+      <p:ext uri="{BB962C8B-B14F-4D97-AF65-F5344CB8AC3E}">
+        <p14:creationId xmlns:p14="http://schemas.microsoft.com/office/powerpoint/2010/main" val="3805366747"/>
+      </p:ext>
+    </p:extLst>
+  </p:cSld>
+  <p:clrMapOvr>
+    <a:masterClrMapping/>
+  </p:clrMapOvr>
+</p:sld>
+</file>
+
+<file path=ppt/slides/slide12.xml><?xml version="1.0" encoding="utf-8"?>
+<p:sld xmlns:a="http://schemas.openxmlformats.org/drawingml/2006/main" xmlns:r="http://schemas.openxmlformats.org/officeDocument/2006/relationships" xmlns:p="http://schemas.openxmlformats.org/presentationml/2006/main">
+  <p:cSld>
+    <p:spTree>
+      <p:nvGrpSpPr>
+        <p:cNvPr id="1" name=""/>
+        <p:cNvGrpSpPr/>
+        <p:nvPr/>
+      </p:nvGrpSpPr>
+      <p:grpSpPr>
+        <a:xfrm>
+          <a:off x="0" y="0"/>
+          <a:ext cx="0" cy="0"/>
+          <a:chOff x="0" y="0"/>
+          <a:chExt cx="0" cy="0"/>
+        </a:xfrm>
+      </p:grpSpPr>
+      <p:sp>
+        <p:nvSpPr>
+          <p:cNvPr id="4" name="Title 3">
+            <a:extLst>
+              <a:ext uri="{FF2B5EF4-FFF2-40B4-BE49-F238E27FC236}">
+                <a16:creationId xmlns:a16="http://schemas.microsoft.com/office/drawing/2014/main" id="{50126F37-121D-4220-A381-BDECED5533BD}"/>
+              </a:ext>
+            </a:extLst>
+          </p:cNvPr>
+          <p:cNvSpPr>
+            <a:spLocks noGrp="1"/>
+          </p:cNvSpPr>
+          <p:nvPr>
+            <p:ph type="title"/>
+          </p:nvPr>
+        </p:nvSpPr>
+        <p:spPr/>
+        <p:txBody>
+          <a:bodyPr/>
+          <a:lstStyle/>
+          <a:p>
+            <a:r>
+              <a:rPr lang="en-US" dirty="0"/>
+              <a:t>Thank you for your attention</a:t>
+            </a:r>
+          </a:p>
+        </p:txBody>
+      </p:sp>
+      <p:sp>
+        <p:nvSpPr>
+          <p:cNvPr id="5" name="Content Placeholder 4">
+            <a:extLst>
+              <a:ext uri="{FF2B5EF4-FFF2-40B4-BE49-F238E27FC236}">
+                <a16:creationId xmlns:a16="http://schemas.microsoft.com/office/drawing/2014/main" id="{03746977-C7EB-4600-94FE-3FC224494E56}"/>
+              </a:ext>
+            </a:extLst>
+          </p:cNvPr>
+          <p:cNvSpPr>
+            <a:spLocks noGrp="1"/>
+          </p:cNvSpPr>
+          <p:nvPr>
+            <p:ph sz="quarter" idx="13"/>
+          </p:nvPr>
+        </p:nvSpPr>
+        <p:spPr/>
+        <p:txBody>
+          <a:bodyPr/>
+          <a:lstStyle/>
+          <a:p>
+            <a:endParaRPr lang="en-US" dirty="0"/>
+          </a:p>
+        </p:txBody>
+      </p:sp>
+    </p:spTree>
+    <p:extLst>
+      <p:ext uri="{BB962C8B-B14F-4D97-AF65-F5344CB8AC3E}">
+        <p14:creationId xmlns:p14="http://schemas.microsoft.com/office/powerpoint/2010/main" val="4287330508"/>
       </p:ext>
     </p:extLst>
   </p:cSld>
@@ -7350,157 +10411,6 @@
       </p:grpSpPr>
       <p:sp>
         <p:nvSpPr>
-          <p:cNvPr id="2" name="Content Placeholder 1">
-            <a:extLst>
-              <a:ext uri="{FF2B5EF4-FFF2-40B4-BE49-F238E27FC236}">
-                <a16:creationId xmlns:a16="http://schemas.microsoft.com/office/drawing/2014/main" id="{BAE0A03C-C251-4BED-B35C-DD3D1E84A9B3}"/>
-              </a:ext>
-            </a:extLst>
-          </p:cNvPr>
-          <p:cNvSpPr>
-            <a:spLocks noGrp="1"/>
-          </p:cNvSpPr>
-          <p:nvPr>
-            <p:ph idx="1"/>
-          </p:nvPr>
-        </p:nvSpPr>
-        <p:spPr/>
-        <p:txBody>
-          <a:bodyPr/>
-          <a:lstStyle/>
-          <a:p>
-            <a:r>
-              <a:rPr lang="en-US" sz="1800" dirty="0"/>
-              <a:t>Goal: </a:t>
-            </a:r>
-            <a:r>
-              <a:rPr lang="en-US" sz="1800" dirty="0">
-                <a:solidFill>
-                  <a:srgbClr val="FF0000"/>
-                </a:solidFill>
-              </a:rPr>
-              <a:t>Use machine learning to create a model </a:t>
-            </a:r>
-            <a:r>
-              <a:rPr lang="en-US" sz="1800" dirty="0"/>
-              <a:t>that </a:t>
-            </a:r>
-            <a:r>
-              <a:rPr lang="en-US" sz="1800" dirty="0">
-                <a:solidFill>
-                  <a:srgbClr val="FF0000"/>
-                </a:solidFill>
-              </a:rPr>
-              <a:t>predicts which passengers survived </a:t>
-            </a:r>
-            <a:r>
-              <a:rPr lang="en-US" sz="1800" dirty="0"/>
-              <a:t>the Titanic shipwreck</a:t>
-            </a:r>
-          </a:p>
-          <a:p>
-            <a:pPr fontAlgn="base"/>
-            <a:r>
-              <a:rPr lang="en-US" sz="1800" dirty="0"/>
-              <a:t>On April 15, 1912, during her maiden voyage, the widely considered “unsinkable” RMS Titanic sank after colliding with an iceberg. Unfortunately, there weren’t enough lifeboats for everyone onboard, resulting in the death of </a:t>
-            </a:r>
-            <a:r>
-              <a:rPr lang="en-US" sz="1800" dirty="0">
-                <a:solidFill>
-                  <a:srgbClr val="FF0000"/>
-                </a:solidFill>
-              </a:rPr>
-              <a:t>1502 out of 2224 passengers and crew.</a:t>
-            </a:r>
-          </a:p>
-          <a:p>
-            <a:pPr fontAlgn="base"/>
-            <a:r>
-              <a:rPr lang="en-US" sz="1800" dirty="0"/>
-              <a:t>While there was some element of luck involved in surviving, it seems </a:t>
-            </a:r>
-            <a:r>
-              <a:rPr lang="en-US" sz="1800" dirty="0">
-                <a:solidFill>
-                  <a:srgbClr val="FF0000"/>
-                </a:solidFill>
-              </a:rPr>
-              <a:t>some groups of people were more likely to survive than others</a:t>
-            </a:r>
-            <a:r>
-              <a:rPr lang="en-US" sz="1800" dirty="0"/>
-              <a:t>.</a:t>
-            </a:r>
-          </a:p>
-          <a:p>
-            <a:pPr fontAlgn="base"/>
-            <a:r>
-              <a:rPr lang="en-US" sz="1800" dirty="0"/>
-              <a:t>In this challenge, we ask you to </a:t>
-            </a:r>
-            <a:r>
-              <a:rPr lang="en-US" sz="1800" dirty="0">
-                <a:solidFill>
-                  <a:srgbClr val="FF0000"/>
-                </a:solidFill>
-              </a:rPr>
-              <a:t>build a predictive model </a:t>
-            </a:r>
-            <a:r>
-              <a:rPr lang="en-US" sz="1800" dirty="0"/>
-              <a:t>that answers the question: “</a:t>
-            </a:r>
-            <a:r>
-              <a:rPr lang="en-US" sz="1800" dirty="0">
-                <a:solidFill>
-                  <a:srgbClr val="FF0000"/>
-                </a:solidFill>
-              </a:rPr>
-              <a:t>what sorts of people were more likely to survive?” </a:t>
-            </a:r>
-            <a:r>
-              <a:rPr lang="en-US" sz="1800" dirty="0"/>
-              <a:t>using passenger data (</a:t>
-            </a:r>
-            <a:r>
-              <a:rPr lang="en-US" sz="1800" dirty="0" err="1"/>
-              <a:t>ie</a:t>
-            </a:r>
-            <a:r>
-              <a:rPr lang="en-US" sz="1800" dirty="0"/>
-              <a:t> name, age, gender, socio-economic class, </a:t>
-            </a:r>
-            <a:r>
-              <a:rPr lang="en-US" sz="1800" dirty="0" err="1"/>
-              <a:t>etc</a:t>
-            </a:r>
-            <a:r>
-              <a:rPr lang="en-US" sz="1800" dirty="0"/>
-              <a:t>).</a:t>
-            </a:r>
-          </a:p>
-          <a:p>
-            <a:pPr fontAlgn="base"/>
-            <a:r>
-              <a:rPr lang="en-US" sz="1800" dirty="0"/>
-              <a:t>The </a:t>
-            </a:r>
-            <a:r>
-              <a:rPr lang="en-US" sz="1800" dirty="0">
-                <a:solidFill>
-                  <a:srgbClr val="FF0000"/>
-                </a:solidFill>
-              </a:rPr>
-              <a:t>HW6 is a simple model of this competition</a:t>
-            </a:r>
-          </a:p>
-          <a:p>
-            <a:endParaRPr lang="en-US" dirty="0"/>
-          </a:p>
-        </p:txBody>
-      </p:sp>
-      <p:sp>
-        <p:nvSpPr>
           <p:cNvPr id="3" name="Title 2">
             <a:extLst>
               <a:ext uri="{FF2B5EF4-FFF2-40B4-BE49-F238E27FC236}">
@@ -7524,6 +10434,159 @@
               <a:rPr lang="en-US" dirty="0"/>
               <a:t>Overview</a:t>
             </a:r>
+          </a:p>
+        </p:txBody>
+      </p:sp>
+      <p:sp>
+        <p:nvSpPr>
+          <p:cNvPr id="2" name="Content Placeholder 1">
+            <a:extLst>
+              <a:ext uri="{FF2B5EF4-FFF2-40B4-BE49-F238E27FC236}">
+                <a16:creationId xmlns:a16="http://schemas.microsoft.com/office/drawing/2014/main" id="{BAE0A03C-C251-4BED-B35C-DD3D1E84A9B3}"/>
+              </a:ext>
+            </a:extLst>
+          </p:cNvPr>
+          <p:cNvSpPr>
+            <a:spLocks noGrp="1"/>
+          </p:cNvSpPr>
+          <p:nvPr>
+            <p:ph idx="1"/>
+          </p:nvPr>
+        </p:nvSpPr>
+        <p:spPr/>
+        <p:txBody>
+          <a:bodyPr>
+            <a:normAutofit/>
+          </a:bodyPr>
+          <a:lstStyle/>
+          <a:p>
+            <a:r>
+              <a:rPr lang="en-US" sz="1800" dirty="0"/>
+              <a:t>Goal: </a:t>
+            </a:r>
+            <a:r>
+              <a:rPr lang="en-US" sz="1800" dirty="0">
+                <a:solidFill>
+                  <a:srgbClr val="FF0000"/>
+                </a:solidFill>
+              </a:rPr>
+              <a:t>Use machine learning to create a model </a:t>
+            </a:r>
+            <a:r>
+              <a:rPr lang="en-US" sz="1800" dirty="0"/>
+              <a:t>that </a:t>
+            </a:r>
+            <a:r>
+              <a:rPr lang="en-US" sz="1800" dirty="0">
+                <a:solidFill>
+                  <a:srgbClr val="FF0000"/>
+                </a:solidFill>
+              </a:rPr>
+              <a:t>predicts which passengers survived </a:t>
+            </a:r>
+            <a:r>
+              <a:rPr lang="en-US" sz="1800" dirty="0"/>
+              <a:t>the Titanic shipwreck</a:t>
+            </a:r>
+          </a:p>
+          <a:p>
+            <a:pPr fontAlgn="base"/>
+            <a:r>
+              <a:rPr lang="en-US" sz="1800" dirty="0"/>
+              <a:t>On April 15, 1912, during her maiden voyage, the widely considered “unsinkable” RMS Titanic sank after colliding with an iceberg. Unfortunately, there weren’t enough lifeboats for everyone onboard, resulting in the death of </a:t>
+            </a:r>
+            <a:r>
+              <a:rPr lang="en-US" sz="1800" dirty="0">
+                <a:solidFill>
+                  <a:srgbClr val="FF0000"/>
+                </a:solidFill>
+              </a:rPr>
+              <a:t>1502 out of 2224 passengers and crew.</a:t>
+            </a:r>
+          </a:p>
+          <a:p>
+            <a:pPr fontAlgn="base"/>
+            <a:r>
+              <a:rPr lang="en-US" sz="1800" dirty="0"/>
+              <a:t>While there was some element of luck involved in surviving, it seems </a:t>
+            </a:r>
+            <a:r>
+              <a:rPr lang="en-US" sz="1800" dirty="0">
+                <a:solidFill>
+                  <a:srgbClr val="FF0000"/>
+                </a:solidFill>
+              </a:rPr>
+              <a:t>some groups of people were more likely to survive than others</a:t>
+            </a:r>
+            <a:r>
+              <a:rPr lang="en-US" sz="1800" dirty="0"/>
+              <a:t>.</a:t>
+            </a:r>
+          </a:p>
+          <a:p>
+            <a:pPr fontAlgn="base"/>
+            <a:r>
+              <a:rPr lang="en-US" sz="1800" dirty="0"/>
+              <a:t>In this challenge, we ask you to </a:t>
+            </a:r>
+            <a:r>
+              <a:rPr lang="en-US" sz="1800" dirty="0">
+                <a:solidFill>
+                  <a:srgbClr val="FF0000"/>
+                </a:solidFill>
+              </a:rPr>
+              <a:t>build a predictive model </a:t>
+            </a:r>
+            <a:r>
+              <a:rPr lang="en-US" sz="1800" dirty="0"/>
+              <a:t>that answers the question: “</a:t>
+            </a:r>
+            <a:r>
+              <a:rPr lang="en-US" sz="1800" dirty="0">
+                <a:solidFill>
+                  <a:srgbClr val="FF0000"/>
+                </a:solidFill>
+              </a:rPr>
+              <a:t>what sorts of people were more likely to survive?” </a:t>
+            </a:r>
+            <a:r>
+              <a:rPr lang="en-US" sz="1800" dirty="0"/>
+              <a:t>using passenger data (</a:t>
+            </a:r>
+            <a:r>
+              <a:rPr lang="en-US" sz="1800" dirty="0" err="1"/>
+              <a:t>ie</a:t>
+            </a:r>
+            <a:r>
+              <a:rPr lang="en-US" sz="1800" dirty="0"/>
+              <a:t> name, age, gender, socio-economic class, </a:t>
+            </a:r>
+            <a:r>
+              <a:rPr lang="en-US" sz="1800" dirty="0" err="1"/>
+              <a:t>etc</a:t>
+            </a:r>
+            <a:r>
+              <a:rPr lang="en-US" sz="1800" dirty="0"/>
+              <a:t>).</a:t>
+            </a:r>
+          </a:p>
+          <a:p>
+            <a:pPr fontAlgn="base"/>
+            <a:r>
+              <a:rPr lang="en-US" sz="1800" dirty="0"/>
+              <a:t>The </a:t>
+            </a:r>
+            <a:r>
+              <a:rPr lang="en-US" sz="1800" dirty="0">
+                <a:solidFill>
+                  <a:srgbClr val="FF0000"/>
+                </a:solidFill>
+              </a:rPr>
+              <a:t>HW6 is a simple model of this competition</a:t>
+            </a:r>
+          </a:p>
+          <a:p>
+            <a:endParaRPr lang="en-US" dirty="0"/>
           </a:p>
         </p:txBody>
       </p:sp>
@@ -7557,6 +10620,34 @@
           <a:chExt cx="0" cy="0"/>
         </a:xfrm>
       </p:grpSpPr>
+      <p:sp>
+        <p:nvSpPr>
+          <p:cNvPr id="3" name="Title 2">
+            <a:extLst>
+              <a:ext uri="{FF2B5EF4-FFF2-40B4-BE49-F238E27FC236}">
+                <a16:creationId xmlns:a16="http://schemas.microsoft.com/office/drawing/2014/main" id="{1BFE2620-E3C9-4C23-96ED-E8BB3BCF33BB}"/>
+              </a:ext>
+            </a:extLst>
+          </p:cNvPr>
+          <p:cNvSpPr>
+            <a:spLocks noGrp="1"/>
+          </p:cNvSpPr>
+          <p:nvPr>
+            <p:ph type="title"/>
+          </p:nvPr>
+        </p:nvSpPr>
+        <p:spPr/>
+        <p:txBody>
+          <a:bodyPr/>
+          <a:lstStyle/>
+          <a:p>
+            <a:r>
+              <a:rPr lang="en-US" dirty="0"/>
+              <a:t>Data</a:t>
+            </a:r>
+          </a:p>
+        </p:txBody>
+      </p:sp>
       <p:graphicFrame>
         <p:nvGraphicFramePr>
           <p:cNvPr id="4" name="Content Placeholder 3">
@@ -8575,34 +11666,6 @@
       </p:graphicFrame>
       <p:sp>
         <p:nvSpPr>
-          <p:cNvPr id="3" name="Title 2">
-            <a:extLst>
-              <a:ext uri="{FF2B5EF4-FFF2-40B4-BE49-F238E27FC236}">
-                <a16:creationId xmlns:a16="http://schemas.microsoft.com/office/drawing/2014/main" id="{1BFE2620-E3C9-4C23-96ED-E8BB3BCF33BB}"/>
-              </a:ext>
-            </a:extLst>
-          </p:cNvPr>
-          <p:cNvSpPr>
-            <a:spLocks noGrp="1"/>
-          </p:cNvSpPr>
-          <p:nvPr>
-            <p:ph type="title"/>
-          </p:nvPr>
-        </p:nvSpPr>
-        <p:spPr/>
-        <p:txBody>
-          <a:bodyPr/>
-          <a:lstStyle/>
-          <a:p>
-            <a:r>
-              <a:rPr lang="en-US" dirty="0"/>
-              <a:t>Data</a:t>
-            </a:r>
-          </a:p>
-        </p:txBody>
-      </p:sp>
-      <p:sp>
-        <p:nvSpPr>
           <p:cNvPr id="5" name="TextBox 4">
             <a:extLst>
               <a:ext uri="{FF2B5EF4-FFF2-40B4-BE49-F238E27FC236}">
@@ -9178,168 +12241,6 @@
       </p:grpSpPr>
       <p:sp>
         <p:nvSpPr>
-          <p:cNvPr id="6" name="Content Placeholder 5">
-            <a:extLst>
-              <a:ext uri="{FF2B5EF4-FFF2-40B4-BE49-F238E27FC236}">
-                <a16:creationId xmlns:a16="http://schemas.microsoft.com/office/drawing/2014/main" id="{C3652E91-5743-4300-923A-61C324D37390}"/>
-              </a:ext>
-            </a:extLst>
-          </p:cNvPr>
-          <p:cNvSpPr>
-            <a:spLocks noGrp="1"/>
-          </p:cNvSpPr>
-          <p:nvPr>
-            <p:ph idx="1"/>
-          </p:nvPr>
-        </p:nvSpPr>
-        <p:spPr>
-          <a:xfrm>
-            <a:off x="604433" y="1604211"/>
-            <a:ext cx="10983131" cy="4572752"/>
-          </a:xfrm>
-        </p:spPr>
-        <p:txBody>
-          <a:bodyPr/>
-          <a:lstStyle/>
-          <a:p>
-            <a:pPr>
-              <a:lnSpc>
-                <a:spcPct val="150000"/>
-              </a:lnSpc>
-              <a:spcBef>
-                <a:spcPts val="0"/>
-              </a:spcBef>
-              <a:spcAft>
-                <a:spcPts val="0"/>
-              </a:spcAft>
-            </a:pPr>
-            <a:r>
-              <a:rPr lang="en-US" b="1" dirty="0" err="1"/>
-              <a:t>OneR</a:t>
-            </a:r>
-            <a:r>
-              <a:rPr lang="en-US" b="1" dirty="0"/>
-              <a:t> essentially is a majority voting</a:t>
-            </a:r>
-            <a:r>
-              <a:rPr lang="en-US" dirty="0"/>
-              <a:t>. </a:t>
-            </a:r>
-          </a:p>
-          <a:p>
-            <a:pPr marL="171450" indent="-171450">
-              <a:lnSpc>
-                <a:spcPct val="150000"/>
-              </a:lnSpc>
-              <a:spcBef>
-                <a:spcPts val="0"/>
-              </a:spcBef>
-              <a:spcAft>
-                <a:spcPts val="0"/>
-              </a:spcAft>
-              <a:buFont typeface="Wingdings" panose="05000000000000000000" pitchFamily="2" charset="2"/>
-              <a:buChar char="Ø"/>
-            </a:pPr>
-            <a:r>
-              <a:rPr lang="en-US" dirty="0"/>
-              <a:t>For instance, if the majority of the female passengers (gender = female) in the training set survived the tragedy, the </a:t>
-            </a:r>
-            <a:r>
-              <a:rPr lang="en-US" dirty="0" err="1"/>
-              <a:t>OneR</a:t>
-            </a:r>
-            <a:r>
-              <a:rPr lang="en-US" dirty="0"/>
-              <a:t> classifies all the females in the test set as survived (1). </a:t>
-            </a:r>
-          </a:p>
-          <a:p>
-            <a:pPr marL="171450" indent="-171450">
-              <a:lnSpc>
-                <a:spcPct val="150000"/>
-              </a:lnSpc>
-              <a:spcBef>
-                <a:spcPts val="0"/>
-              </a:spcBef>
-              <a:spcAft>
-                <a:spcPts val="0"/>
-              </a:spcAft>
-              <a:buFont typeface="Wingdings" panose="05000000000000000000" pitchFamily="2" charset="2"/>
-              <a:buChar char="Ø"/>
-            </a:pPr>
-            <a:r>
-              <a:rPr lang="en-US" dirty="0"/>
-              <a:t>If the majority of the male passengers (gender = male) in the training set did not survive the tragedy, the </a:t>
-            </a:r>
-            <a:r>
-              <a:rPr lang="en-US" dirty="0" err="1"/>
-              <a:t>OneR</a:t>
-            </a:r>
-            <a:r>
-              <a:rPr lang="en-US" dirty="0"/>
-              <a:t> classifies all the males in the test set as not survived (0)</a:t>
-            </a:r>
-          </a:p>
-          <a:p>
-            <a:pPr>
-              <a:lnSpc>
-                <a:spcPct val="150000"/>
-              </a:lnSpc>
-              <a:spcBef>
-                <a:spcPts val="0"/>
-              </a:spcBef>
-              <a:spcAft>
-                <a:spcPts val="0"/>
-              </a:spcAft>
-            </a:pPr>
-            <a:r>
-              <a:rPr lang="en-US" dirty="0"/>
-              <a:t>→ Use </a:t>
-            </a:r>
-            <a:r>
-              <a:rPr lang="en-US" dirty="0" err="1"/>
-              <a:t>value_counts</a:t>
-            </a:r>
-            <a:r>
-              <a:rPr lang="en-US" dirty="0"/>
-              <a:t> function</a:t>
-            </a:r>
-          </a:p>
-          <a:p>
-            <a:pPr>
-              <a:lnSpc>
-                <a:spcPct val="150000"/>
-              </a:lnSpc>
-              <a:spcBef>
-                <a:spcPts val="0"/>
-              </a:spcBef>
-              <a:spcAft>
-                <a:spcPts val="0"/>
-              </a:spcAft>
-            </a:pPr>
-            <a:r>
-              <a:rPr lang="en-US" dirty="0"/>
-              <a:t>OR other algorithms in class</a:t>
-            </a:r>
-          </a:p>
-          <a:p>
-            <a:pPr>
-              <a:lnSpc>
-                <a:spcPct val="150000"/>
-              </a:lnSpc>
-              <a:spcBef>
-                <a:spcPts val="0"/>
-              </a:spcBef>
-              <a:spcAft>
-                <a:spcPts val="0"/>
-              </a:spcAft>
-            </a:pPr>
-            <a:endParaRPr lang="en-US" dirty="0"/>
-          </a:p>
-        </p:txBody>
-      </p:sp>
-      <p:sp>
-        <p:nvSpPr>
           <p:cNvPr id="5" name="Title 4">
             <a:extLst>
               <a:ext uri="{FF2B5EF4-FFF2-40B4-BE49-F238E27FC236}">
@@ -9363,6 +12264,165 @@
               <a:rPr lang="en-US" dirty="0"/>
               <a:t>Algorithms</a:t>
             </a:r>
+          </a:p>
+        </p:txBody>
+      </p:sp>
+      <p:sp>
+        <p:nvSpPr>
+          <p:cNvPr id="6" name="Content Placeholder 5">
+            <a:extLst>
+              <a:ext uri="{FF2B5EF4-FFF2-40B4-BE49-F238E27FC236}">
+                <a16:creationId xmlns:a16="http://schemas.microsoft.com/office/drawing/2014/main" id="{C3652E91-5743-4300-923A-61C324D37390}"/>
+              </a:ext>
+            </a:extLst>
+          </p:cNvPr>
+          <p:cNvSpPr>
+            <a:spLocks noGrp="1"/>
+          </p:cNvSpPr>
+          <p:nvPr>
+            <p:ph idx="1"/>
+          </p:nvPr>
+        </p:nvSpPr>
+        <p:spPr/>
+        <p:txBody>
+          <a:bodyPr>
+            <a:normAutofit fontScale="77500" lnSpcReduction="20000"/>
+          </a:bodyPr>
+          <a:lstStyle/>
+          <a:p>
+            <a:pPr>
+              <a:lnSpc>
+                <a:spcPct val="150000"/>
+              </a:lnSpc>
+              <a:spcBef>
+                <a:spcPts val="0"/>
+              </a:spcBef>
+              <a:spcAft>
+                <a:spcPts val="0"/>
+              </a:spcAft>
+            </a:pPr>
+            <a:r>
+              <a:rPr lang="en-US" b="1" dirty="0" err="1"/>
+              <a:t>OneR</a:t>
+            </a:r>
+            <a:r>
+              <a:rPr lang="en-US" b="1" dirty="0"/>
+              <a:t> essentially is a majority voting</a:t>
+            </a:r>
+            <a:r>
+              <a:rPr lang="en-US" dirty="0"/>
+              <a:t>. </a:t>
+            </a:r>
+          </a:p>
+          <a:p>
+            <a:pPr marL="171450" indent="-171450">
+              <a:lnSpc>
+                <a:spcPct val="150000"/>
+              </a:lnSpc>
+              <a:spcBef>
+                <a:spcPts val="0"/>
+              </a:spcBef>
+              <a:spcAft>
+                <a:spcPts val="0"/>
+              </a:spcAft>
+              <a:buFont typeface="Wingdings" panose="05000000000000000000" pitchFamily="2" charset="2"/>
+              <a:buChar char="Ø"/>
+            </a:pPr>
+            <a:r>
+              <a:rPr lang="en-US" dirty="0"/>
+              <a:t>For instance, if the majority of the female passengers (gender = female) in the training set survived the tragedy, the </a:t>
+            </a:r>
+            <a:r>
+              <a:rPr lang="en-US" dirty="0" err="1"/>
+              <a:t>OneR</a:t>
+            </a:r>
+            <a:r>
+              <a:rPr lang="en-US" dirty="0"/>
+              <a:t> classifies all the females in the test set as survived (1). </a:t>
+            </a:r>
+          </a:p>
+          <a:p>
+            <a:pPr marL="171450" indent="-171450">
+              <a:lnSpc>
+                <a:spcPct val="150000"/>
+              </a:lnSpc>
+              <a:spcBef>
+                <a:spcPts val="0"/>
+              </a:spcBef>
+              <a:spcAft>
+                <a:spcPts val="0"/>
+              </a:spcAft>
+              <a:buFont typeface="Wingdings" panose="05000000000000000000" pitchFamily="2" charset="2"/>
+              <a:buChar char="Ø"/>
+            </a:pPr>
+            <a:r>
+              <a:rPr lang="en-US" dirty="0"/>
+              <a:t>If the majority of the male passengers (gender = male) in the training set did not survive the tragedy, the </a:t>
+            </a:r>
+            <a:r>
+              <a:rPr lang="en-US" dirty="0" err="1"/>
+              <a:t>OneR</a:t>
+            </a:r>
+            <a:r>
+              <a:rPr lang="en-US" dirty="0"/>
+              <a:t> classifies all the males in the test set as not survived (0)</a:t>
+            </a:r>
+          </a:p>
+          <a:p>
+            <a:pPr>
+              <a:lnSpc>
+                <a:spcPct val="150000"/>
+              </a:lnSpc>
+              <a:spcBef>
+                <a:spcPts val="0"/>
+              </a:spcBef>
+              <a:spcAft>
+                <a:spcPts val="0"/>
+              </a:spcAft>
+            </a:pPr>
+            <a:r>
+              <a:rPr lang="en-US" dirty="0"/>
+              <a:t>→ Use </a:t>
+            </a:r>
+            <a:r>
+              <a:rPr lang="en-US" dirty="0" err="1"/>
+              <a:t>value_counts</a:t>
+            </a:r>
+            <a:r>
+              <a:rPr lang="en-US" dirty="0"/>
+              <a:t> function</a:t>
+            </a:r>
+          </a:p>
+          <a:p>
+            <a:pPr>
+              <a:lnSpc>
+                <a:spcPct val="150000"/>
+              </a:lnSpc>
+              <a:spcBef>
+                <a:spcPts val="0"/>
+              </a:spcBef>
+              <a:spcAft>
+                <a:spcPts val="0"/>
+              </a:spcAft>
+            </a:pPr>
+            <a:r>
+              <a:rPr lang="en-US" dirty="0"/>
+              <a:t>OR other algorithms in class</a:t>
+            </a:r>
+          </a:p>
+          <a:p>
+            <a:pPr>
+              <a:lnSpc>
+                <a:spcPct val="150000"/>
+              </a:lnSpc>
+              <a:spcBef>
+                <a:spcPts val="0"/>
+              </a:spcBef>
+              <a:spcAft>
+                <a:spcPts val="0"/>
+              </a:spcAft>
+            </a:pPr>
+            <a:endParaRPr lang="en-US" dirty="0"/>
           </a:p>
         </p:txBody>
       </p:sp>
@@ -9469,15 +12529,6 @@
           <a:solidFill>
             <a:srgbClr val="FFFFFF"/>
           </a:solidFill>
-          <a:extLst>
-            <a:ext uri="{909E8E84-426E-40DD-AFC4-6F175D3DCCD1}">
-              <a14:hiddenFill xmlns:a14="http://schemas.microsoft.com/office/drawing/2010/main">
-                <a:solidFill>
-                  <a:srgbClr val="FFFFFF"/>
-                </a:solidFill>
-              </a14:hiddenFill>
-            </a:ext>
-          </a:extLst>
         </p:spPr>
       </p:pic>
       <p:sp>
@@ -9496,12 +12547,7 @@
             <p:ph type="title"/>
           </p:nvPr>
         </p:nvSpPr>
-        <p:spPr>
-          <a:xfrm>
-            <a:off x="604434" y="448628"/>
-            <a:ext cx="10983132" cy="747763"/>
-          </a:xfrm>
-        </p:spPr>
+        <p:spPr/>
         <p:txBody>
           <a:bodyPr/>
           <a:lstStyle/>
@@ -9542,10 +12588,10 @@
       </p:grpSpPr>
       <p:sp>
         <p:nvSpPr>
-          <p:cNvPr id="4" name="Title 3">
+          <p:cNvPr id="3" name="Title 2">
             <a:extLst>
               <a:ext uri="{FF2B5EF4-FFF2-40B4-BE49-F238E27FC236}">
-                <a16:creationId xmlns:a16="http://schemas.microsoft.com/office/drawing/2014/main" id="{50126F37-121D-4220-A381-BDECED5533BD}"/>
+                <a16:creationId xmlns:a16="http://schemas.microsoft.com/office/drawing/2014/main" id="{418D816A-5EA4-47D6-B11A-5C13A8C54564}"/>
               </a:ext>
             </a:extLst>
           </p:cNvPr>
@@ -9563,17 +12609,17 @@
           <a:p>
             <a:r>
               <a:rPr lang="en-US" dirty="0"/>
-              <a:t>Thank you for your attention</a:t>
+              <a:t>Logistics regression</a:t>
             </a:r>
           </a:p>
         </p:txBody>
       </p:sp>
       <p:sp>
         <p:nvSpPr>
-          <p:cNvPr id="5" name="Content Placeholder 4">
+          <p:cNvPr id="2" name="Content Placeholder 1">
             <a:extLst>
               <a:ext uri="{FF2B5EF4-FFF2-40B4-BE49-F238E27FC236}">
-                <a16:creationId xmlns:a16="http://schemas.microsoft.com/office/drawing/2014/main" id="{03746977-C7EB-4600-94FE-3FC224494E56}"/>
+                <a16:creationId xmlns:a16="http://schemas.microsoft.com/office/drawing/2014/main" id="{4402FB1F-F413-4135-9EAE-E3DA32F8CDC0}"/>
               </a:ext>
             </a:extLst>
           </p:cNvPr>
@@ -9581,7 +12627,7 @@
             <a:spLocks noGrp="1"/>
           </p:cNvSpPr>
           <p:nvPr>
-            <p:ph sz="quarter" idx="13"/>
+            <p:ph idx="1"/>
           </p:nvPr>
         </p:nvSpPr>
         <p:spPr/>
@@ -9589,6 +12635,659 @@
           <a:bodyPr/>
           <a:lstStyle/>
           <a:p>
+            <a:r>
+              <a:rPr lang="en-US" dirty="0"/>
+              <a:t>Why logistics regression?</a:t>
+            </a:r>
+          </a:p>
+          <a:p>
+            <a:pPr lvl="1"/>
+            <a:r>
+              <a:rPr lang="en-US" dirty="0"/>
+              <a:t>For binary qualitative response</a:t>
+            </a:r>
+          </a:p>
+          <a:p>
+            <a:pPr lvl="1"/>
+            <a:r>
+              <a:rPr lang="en-US" dirty="0"/>
+              <a:t>Why not linear regression by comparing </a:t>
+            </a:r>
+            <a:r>
+              <a:rPr lang="en-US" dirty="0" err="1"/>
+              <a:t>Yhat</a:t>
+            </a:r>
+            <a:r>
+              <a:rPr lang="en-US" dirty="0"/>
+              <a:t> to 0.5</a:t>
+            </a:r>
+          </a:p>
+          <a:p>
+            <a:pPr lvl="2"/>
+            <a:r>
+              <a:rPr lang="en-US" dirty="0"/>
+              <a:t>some of our estimates might be outside the [0</a:t>
+            </a:r>
+            <a:r>
+              <a:rPr lang="en-US" i="1" dirty="0"/>
+              <a:t>, </a:t>
+            </a:r>
+            <a:r>
+              <a:rPr lang="en-US" dirty="0"/>
+              <a:t>1] interval </a:t>
+            </a:r>
+          </a:p>
+          <a:p>
+            <a:pPr lvl="2"/>
+            <a:r>
+              <a:rPr lang="en-US" dirty="0"/>
+              <a:t>the dummy variable approach cannot be easily extended to accommodate qualitative responses with more than two levels </a:t>
+            </a:r>
+          </a:p>
+          <a:p>
+            <a:r>
+              <a:rPr lang="en-US" dirty="0"/>
+              <a:t>Logistic regression models the </a:t>
+            </a:r>
+            <a:r>
+              <a:rPr lang="en-US" i="1" dirty="0"/>
+              <a:t>probability </a:t>
+            </a:r>
+            <a:r>
+              <a:rPr lang="en-US" dirty="0"/>
+              <a:t>that </a:t>
+            </a:r>
+            <a:r>
+              <a:rPr lang="en-US" i="1" dirty="0"/>
+              <a:t>Y </a:t>
+            </a:r>
+            <a:r>
+              <a:rPr lang="en-US" dirty="0"/>
+              <a:t>belongs to a particular category </a:t>
+            </a:r>
+            <a:br>
+              <a:rPr lang="en-US" dirty="0"/>
+            </a:br>
+            <a:br>
+              <a:rPr lang="en-US" dirty="0"/>
+            </a:br>
+            <a:endParaRPr lang="en-US" dirty="0"/>
+          </a:p>
+        </p:txBody>
+      </p:sp>
+      <p:pic>
+        <p:nvPicPr>
+          <p:cNvPr id="4" name="Picture 3">
+            <a:extLst>
+              <a:ext uri="{FF2B5EF4-FFF2-40B4-BE49-F238E27FC236}">
+                <a16:creationId xmlns:a16="http://schemas.microsoft.com/office/drawing/2014/main" id="{6239742F-FF78-4011-ACA4-E0EBE5ECEAD1}"/>
+              </a:ext>
+            </a:extLst>
+          </p:cNvPr>
+          <p:cNvPicPr>
+            <a:picLocks noChangeAspect="1"/>
+          </p:cNvPicPr>
+          <p:nvPr/>
+        </p:nvPicPr>
+        <p:blipFill>
+          <a:blip r:embed="rId2"/>
+          <a:stretch>
+            <a:fillRect/>
+          </a:stretch>
+        </p:blipFill>
+        <p:spPr>
+          <a:xfrm>
+            <a:off x="5732295" y="252830"/>
+            <a:ext cx="6181725" cy="2371725"/>
+          </a:xfrm>
+          <a:prstGeom prst="rect">
+            <a:avLst/>
+          </a:prstGeom>
+        </p:spPr>
+      </p:pic>
+    </p:spTree>
+    <p:extLst>
+      <p:ext uri="{BB962C8B-B14F-4D97-AF65-F5344CB8AC3E}">
+        <p14:creationId xmlns:p14="http://schemas.microsoft.com/office/powerpoint/2010/main" val="56240945"/>
+      </p:ext>
+    </p:extLst>
+  </p:cSld>
+  <p:clrMapOvr>
+    <a:masterClrMapping/>
+  </p:clrMapOvr>
+</p:sld>
+</file>
+
+<file path=ppt/slides/slide8.xml><?xml version="1.0" encoding="utf-8"?>
+<p:sld xmlns:a="http://schemas.openxmlformats.org/drawingml/2006/main" xmlns:r="http://schemas.openxmlformats.org/officeDocument/2006/relationships" xmlns:p="http://schemas.openxmlformats.org/presentationml/2006/main">
+  <p:cSld>
+    <p:spTree>
+      <p:nvGrpSpPr>
+        <p:cNvPr id="1" name=""/>
+        <p:cNvGrpSpPr/>
+        <p:nvPr/>
+      </p:nvGrpSpPr>
+      <p:grpSpPr>
+        <a:xfrm>
+          <a:off x="0" y="0"/>
+          <a:ext cx="0" cy="0"/>
+          <a:chOff x="0" y="0"/>
+          <a:chExt cx="0" cy="0"/>
+        </a:xfrm>
+      </p:grpSpPr>
+      <p:sp>
+        <p:nvSpPr>
+          <p:cNvPr id="2" name="Title 1">
+            <a:extLst>
+              <a:ext uri="{FF2B5EF4-FFF2-40B4-BE49-F238E27FC236}">
+                <a16:creationId xmlns:a16="http://schemas.microsoft.com/office/drawing/2014/main" id="{2C8648EB-BCF4-43EA-B032-3A9F572B12C5}"/>
+              </a:ext>
+            </a:extLst>
+          </p:cNvPr>
+          <p:cNvSpPr>
+            <a:spLocks noGrp="1"/>
+          </p:cNvSpPr>
+          <p:nvPr>
+            <p:ph type="title"/>
+          </p:nvPr>
+        </p:nvSpPr>
+        <p:spPr/>
+        <p:txBody>
+          <a:bodyPr/>
+          <a:lstStyle/>
+          <a:p>
+            <a:r>
+              <a:rPr lang="en-US" dirty="0"/>
+              <a:t>Example</a:t>
+            </a:r>
+          </a:p>
+        </p:txBody>
+      </p:sp>
+      <p:sp>
+        <p:nvSpPr>
+          <p:cNvPr id="3" name="Content Placeholder 2">
+            <a:extLst>
+              <a:ext uri="{FF2B5EF4-FFF2-40B4-BE49-F238E27FC236}">
+                <a16:creationId xmlns:a16="http://schemas.microsoft.com/office/drawing/2014/main" id="{1926E4B1-3F2F-4852-88C9-1ED4A4853BCA}"/>
+              </a:ext>
+            </a:extLst>
+          </p:cNvPr>
+          <p:cNvSpPr>
+            <a:spLocks noGrp="1"/>
+          </p:cNvSpPr>
+          <p:nvPr>
+            <p:ph idx="1"/>
+          </p:nvPr>
+        </p:nvSpPr>
+        <p:spPr/>
+        <p:txBody>
+          <a:bodyPr/>
+          <a:lstStyle/>
+          <a:p>
+            <a:r>
+              <a:rPr lang="en-US" dirty="0"/>
+              <a:t>Classification using the simulated </a:t>
+            </a:r>
+            <a:r>
+              <a:rPr lang="en-US" b="1" dirty="0"/>
+              <a:t>Default</a:t>
+            </a:r>
+            <a:r>
+              <a:rPr lang="en-US" dirty="0"/>
+              <a:t> data set</a:t>
+            </a:r>
+          </a:p>
+          <a:p>
+            <a:r>
+              <a:rPr lang="en-US" dirty="0" err="1"/>
+              <a:t>Goal:Predicting</a:t>
+            </a:r>
+            <a:r>
+              <a:rPr lang="en-US" dirty="0"/>
+              <a:t> whether an individual will default on his or her credit card payment, on the basis of </a:t>
+            </a:r>
+          </a:p>
+          <a:p>
+            <a:pPr lvl="1"/>
+            <a:r>
+              <a:rPr lang="en-US" dirty="0"/>
+              <a:t>annual income,</a:t>
+            </a:r>
+          </a:p>
+          <a:p>
+            <a:pPr lvl="1"/>
+            <a:r>
+              <a:rPr lang="en-US" dirty="0"/>
+              <a:t>and monthly credit card balance </a:t>
+            </a:r>
+            <a:br>
+              <a:rPr lang="en-US" dirty="0"/>
+            </a:br>
+            <a:endParaRPr lang="en-US" dirty="0"/>
+          </a:p>
+        </p:txBody>
+      </p:sp>
+      <p:pic>
+        <p:nvPicPr>
+          <p:cNvPr id="4" name="Picture 3">
+            <a:extLst>
+              <a:ext uri="{FF2B5EF4-FFF2-40B4-BE49-F238E27FC236}">
+                <a16:creationId xmlns:a16="http://schemas.microsoft.com/office/drawing/2014/main" id="{D2680281-401A-4843-A71B-49DB77464AB8}"/>
+              </a:ext>
+            </a:extLst>
+          </p:cNvPr>
+          <p:cNvPicPr>
+            <a:picLocks noChangeAspect="1"/>
+          </p:cNvPicPr>
+          <p:nvPr/>
+        </p:nvPicPr>
+        <p:blipFill>
+          <a:blip r:embed="rId2"/>
+          <a:stretch>
+            <a:fillRect/>
+          </a:stretch>
+        </p:blipFill>
+        <p:spPr>
+          <a:xfrm>
+            <a:off x="2782302" y="3957762"/>
+            <a:ext cx="5517636" cy="2716505"/>
+          </a:xfrm>
+          <a:prstGeom prst="rect">
+            <a:avLst/>
+          </a:prstGeom>
+        </p:spPr>
+      </p:pic>
+    </p:spTree>
+    <p:extLst>
+      <p:ext uri="{BB962C8B-B14F-4D97-AF65-F5344CB8AC3E}">
+        <p14:creationId xmlns:p14="http://schemas.microsoft.com/office/powerpoint/2010/main" val="3064609311"/>
+      </p:ext>
+    </p:extLst>
+  </p:cSld>
+  <p:clrMapOvr>
+    <a:masterClrMapping/>
+  </p:clrMapOvr>
+</p:sld>
+</file>
+
+<file path=ppt/slides/slide9.xml><?xml version="1.0" encoding="utf-8"?>
+<p:sld xmlns:a="http://schemas.openxmlformats.org/drawingml/2006/main" xmlns:r="http://schemas.openxmlformats.org/officeDocument/2006/relationships" xmlns:p="http://schemas.openxmlformats.org/presentationml/2006/main">
+  <p:cSld>
+    <p:spTree>
+      <p:nvGrpSpPr>
+        <p:cNvPr id="1" name=""/>
+        <p:cNvGrpSpPr/>
+        <p:nvPr/>
+      </p:nvGrpSpPr>
+      <p:grpSpPr>
+        <a:xfrm>
+          <a:off x="0" y="0"/>
+          <a:ext cx="0" cy="0"/>
+          <a:chOff x="0" y="0"/>
+          <a:chExt cx="0" cy="0"/>
+        </a:xfrm>
+      </p:grpSpPr>
+      <p:sp>
+        <p:nvSpPr>
+          <p:cNvPr id="2" name="Title 1">
+            <a:extLst>
+              <a:ext uri="{FF2B5EF4-FFF2-40B4-BE49-F238E27FC236}">
+                <a16:creationId xmlns:a16="http://schemas.microsoft.com/office/drawing/2014/main" id="{35F8DCE4-A033-4BD5-9165-4AD31FDE627E}"/>
+              </a:ext>
+            </a:extLst>
+          </p:cNvPr>
+          <p:cNvSpPr>
+            <a:spLocks noGrp="1"/>
+          </p:cNvSpPr>
+          <p:nvPr>
+            <p:ph type="title"/>
+          </p:nvPr>
+        </p:nvSpPr>
+        <p:spPr/>
+        <p:txBody>
+          <a:bodyPr/>
+          <a:lstStyle/>
+          <a:p>
+            <a:r>
+              <a:rPr lang="en-US" dirty="0"/>
+              <a:t>Model</a:t>
+            </a:r>
+          </a:p>
+        </p:txBody>
+      </p:sp>
+      <p:sp>
+        <p:nvSpPr>
+          <p:cNvPr id="3" name="Content Placeholder 2">
+            <a:extLst>
+              <a:ext uri="{FF2B5EF4-FFF2-40B4-BE49-F238E27FC236}">
+                <a16:creationId xmlns:a16="http://schemas.microsoft.com/office/drawing/2014/main" id="{4816EB8F-F2CB-4606-A5DB-E3E881D058BF}"/>
+              </a:ext>
+            </a:extLst>
+          </p:cNvPr>
+          <p:cNvSpPr>
+            <a:spLocks noGrp="1"/>
+          </p:cNvSpPr>
+          <p:nvPr>
+            <p:ph idx="1"/>
+          </p:nvPr>
+        </p:nvSpPr>
+        <p:spPr/>
+        <p:txBody>
+          <a:bodyPr/>
+          <a:lstStyle/>
+          <a:p>
+            <a:r>
+              <a:rPr lang="en-US" dirty="0"/>
+              <a:t>A model to predict default (</a:t>
+            </a:r>
+            <a:r>
+              <a:rPr lang="en-US" i="1" dirty="0"/>
+              <a:t>Y </a:t>
+            </a:r>
+            <a:r>
+              <a:rPr lang="en-US" dirty="0"/>
+              <a:t>) for any given value of balance (</a:t>
+            </a:r>
+            <a:r>
+              <a:rPr lang="en-US" i="1" dirty="0"/>
+              <a:t>X</a:t>
+            </a:r>
+            <a:r>
+              <a:rPr lang="en-US" dirty="0"/>
+              <a:t>1) and income (</a:t>
+            </a:r>
+            <a:r>
+              <a:rPr lang="en-US" i="1" dirty="0"/>
+              <a:t>X</a:t>
+            </a:r>
+            <a:r>
+              <a:rPr lang="en-US" dirty="0"/>
+              <a:t>2) </a:t>
+            </a:r>
+          </a:p>
+          <a:p>
+            <a:r>
+              <a:rPr lang="en-US" dirty="0" err="1"/>
+              <a:t>Pr</a:t>
+            </a:r>
+            <a:r>
+              <a:rPr lang="en-US" dirty="0"/>
+              <a:t>(default=</a:t>
+            </a:r>
+            <a:r>
+              <a:rPr lang="en-US" dirty="0" err="1"/>
+              <a:t>Yes|balance</a:t>
+            </a:r>
+            <a:r>
+              <a:rPr lang="en-US" dirty="0"/>
+              <a:t>)=p(balance) = [0,1]</a:t>
+            </a:r>
+          </a:p>
+          <a:p>
+            <a:r>
+              <a:rPr lang="en-US" dirty="0"/>
+              <a:t>For example, one might predict default=Yes for any individual for whom p(balance) &gt;0.5</a:t>
+            </a:r>
+          </a:p>
+          <a:p>
+            <a:r>
+              <a:rPr lang="en-US" dirty="0"/>
+              <a:t>Logistic function</a:t>
+            </a:r>
+          </a:p>
+          <a:p>
+            <a:r>
+              <a:rPr lang="en-US" dirty="0"/>
+              <a:t>Odds: (0,Inf)</a:t>
+            </a:r>
+            <a:br>
+              <a:rPr lang="en-US" dirty="0"/>
+            </a:br>
+            <a:endParaRPr lang="en-US" dirty="0"/>
+          </a:p>
+        </p:txBody>
+      </p:sp>
+      <p:pic>
+        <p:nvPicPr>
+          <p:cNvPr id="4" name="Picture 3">
+            <a:extLst>
+              <a:ext uri="{FF2B5EF4-FFF2-40B4-BE49-F238E27FC236}">
+                <a16:creationId xmlns:a16="http://schemas.microsoft.com/office/drawing/2014/main" id="{ECF3685A-4B78-416D-A5E4-5DE7E6C1E2C6}"/>
+              </a:ext>
+            </a:extLst>
+          </p:cNvPr>
+          <p:cNvPicPr>
+            <a:picLocks noChangeAspect="1"/>
+          </p:cNvPicPr>
+          <p:nvPr/>
+        </p:nvPicPr>
+        <p:blipFill>
+          <a:blip r:embed="rId2"/>
+          <a:stretch>
+            <a:fillRect/>
+          </a:stretch>
+        </p:blipFill>
+        <p:spPr>
+          <a:xfrm>
+            <a:off x="4751296" y="3768182"/>
+            <a:ext cx="2747386" cy="466223"/>
+          </a:xfrm>
+          <a:prstGeom prst="rect">
+            <a:avLst/>
+          </a:prstGeom>
+        </p:spPr>
+      </p:pic>
+      <p:pic>
+        <p:nvPicPr>
+          <p:cNvPr id="5" name="Picture 4">
+            <a:extLst>
+              <a:ext uri="{FF2B5EF4-FFF2-40B4-BE49-F238E27FC236}">
+                <a16:creationId xmlns:a16="http://schemas.microsoft.com/office/drawing/2014/main" id="{C5AE1628-BEBA-495B-A943-8B4684F6411C}"/>
+              </a:ext>
+            </a:extLst>
+          </p:cNvPr>
+          <p:cNvPicPr>
+            <a:picLocks noChangeAspect="1"/>
+          </p:cNvPicPr>
+          <p:nvPr/>
+        </p:nvPicPr>
+        <p:blipFill>
+          <a:blip r:embed="rId3"/>
+          <a:stretch>
+            <a:fillRect/>
+          </a:stretch>
+        </p:blipFill>
+        <p:spPr>
+          <a:xfrm>
+            <a:off x="4751296" y="4358846"/>
+            <a:ext cx="2747386" cy="1115690"/>
+          </a:xfrm>
+          <a:prstGeom prst="rect">
+            <a:avLst/>
+          </a:prstGeom>
+        </p:spPr>
+      </p:pic>
+      <p:pic>
+        <p:nvPicPr>
+          <p:cNvPr id="6" name="Picture 5">
+            <a:extLst>
+              <a:ext uri="{FF2B5EF4-FFF2-40B4-BE49-F238E27FC236}">
+                <a16:creationId xmlns:a16="http://schemas.microsoft.com/office/drawing/2014/main" id="{4482402A-AF54-4237-90C9-BDFD21B5EF7E}"/>
+              </a:ext>
+            </a:extLst>
+          </p:cNvPr>
+          <p:cNvPicPr>
+            <a:picLocks noChangeAspect="1"/>
+          </p:cNvPicPr>
+          <p:nvPr/>
+        </p:nvPicPr>
+        <p:blipFill>
+          <a:blip r:embed="rId4"/>
+          <a:stretch>
+            <a:fillRect/>
+          </a:stretch>
+        </p:blipFill>
+        <p:spPr>
+          <a:xfrm>
+            <a:off x="1043973" y="5097535"/>
+            <a:ext cx="3501550" cy="1115690"/>
+          </a:xfrm>
+          <a:prstGeom prst="rect">
+            <a:avLst/>
+          </a:prstGeom>
+        </p:spPr>
+      </p:pic>
+      <p:sp>
+        <p:nvSpPr>
+          <p:cNvPr id="8" name="Rectangle 7">
+            <a:extLst>
+              <a:ext uri="{FF2B5EF4-FFF2-40B4-BE49-F238E27FC236}">
+                <a16:creationId xmlns:a16="http://schemas.microsoft.com/office/drawing/2014/main" id="{3AE90DFE-CC93-465D-B494-535699F5438A}"/>
+              </a:ext>
+            </a:extLst>
+          </p:cNvPr>
+          <p:cNvSpPr/>
+          <p:nvPr/>
+        </p:nvSpPr>
+        <p:spPr>
+          <a:xfrm>
+            <a:off x="5052027" y="5590193"/>
+            <a:ext cx="6096000" cy="923330"/>
+          </a:xfrm>
+          <a:prstGeom prst="rect">
+            <a:avLst/>
+          </a:prstGeom>
+        </p:spPr>
+        <p:txBody>
+          <a:bodyPr>
+            <a:spAutoFit/>
+          </a:bodyPr>
+          <a:lstStyle/>
+          <a:p>
+            <a:r>
+              <a:rPr lang="en-US" dirty="0">
+                <a:solidFill>
+                  <a:srgbClr val="000000"/>
+                </a:solidFill>
+                <a:latin typeface="CMR10"/>
+              </a:rPr>
+              <a:t>For example, on average 1 in 5 people with an odds of 1</a:t>
+            </a:r>
+            <a:r>
+              <a:rPr lang="en-US" i="1" dirty="0">
+                <a:solidFill>
+                  <a:srgbClr val="000000"/>
+                </a:solidFill>
+                <a:latin typeface="CMMI10"/>
+              </a:rPr>
+              <a:t>/</a:t>
+            </a:r>
+            <a:r>
+              <a:rPr lang="en-US" dirty="0">
+                <a:solidFill>
+                  <a:srgbClr val="000000"/>
+                </a:solidFill>
+                <a:latin typeface="CMR10"/>
+              </a:rPr>
+              <a:t>4 will default, since </a:t>
+            </a:r>
+            <a:r>
+              <a:rPr lang="en-US" i="1" dirty="0">
+                <a:solidFill>
+                  <a:srgbClr val="000000"/>
+                </a:solidFill>
+                <a:latin typeface="CMMI10"/>
+              </a:rPr>
+              <a:t>p</a:t>
+            </a:r>
+            <a:r>
+              <a:rPr lang="en-US" dirty="0">
+                <a:solidFill>
+                  <a:srgbClr val="000000"/>
+                </a:solidFill>
+                <a:latin typeface="CMR10"/>
+              </a:rPr>
+              <a:t>(</a:t>
+            </a:r>
+            <a:r>
+              <a:rPr lang="en-US" i="1" dirty="0">
+                <a:solidFill>
+                  <a:srgbClr val="000000"/>
+                </a:solidFill>
+                <a:latin typeface="CMMI10"/>
+              </a:rPr>
+              <a:t>X</a:t>
+            </a:r>
+            <a:r>
+              <a:rPr lang="en-US" dirty="0">
+                <a:solidFill>
+                  <a:srgbClr val="000000"/>
+                </a:solidFill>
+                <a:latin typeface="CMR10"/>
+              </a:rPr>
+              <a:t>) = 0</a:t>
+            </a:r>
+            <a:r>
+              <a:rPr lang="en-US" i="1" dirty="0">
+                <a:solidFill>
+                  <a:srgbClr val="000000"/>
+                </a:solidFill>
+                <a:latin typeface="CMMI10"/>
+              </a:rPr>
+              <a:t>.</a:t>
+            </a:r>
+            <a:r>
+              <a:rPr lang="en-US" dirty="0">
+                <a:solidFill>
+                  <a:srgbClr val="000000"/>
+                </a:solidFill>
+                <a:latin typeface="CMR10"/>
+              </a:rPr>
+              <a:t>2 implies an odds of (0.2)/(1-0.2)</a:t>
+            </a:r>
+            <a:r>
+              <a:rPr lang="en-US" sz="800" dirty="0">
+                <a:solidFill>
+                  <a:srgbClr val="000000"/>
+                </a:solidFill>
+                <a:latin typeface="CMR7"/>
+              </a:rPr>
+              <a:t> </a:t>
+            </a:r>
+            <a:r>
+              <a:rPr lang="en-US" dirty="0">
+                <a:solidFill>
+                  <a:srgbClr val="000000"/>
+                </a:solidFill>
+                <a:latin typeface="CMR10"/>
+              </a:rPr>
+              <a:t>= 1</a:t>
+            </a:r>
+            <a:r>
+              <a:rPr lang="en-US" i="1" dirty="0">
+                <a:solidFill>
+                  <a:srgbClr val="000000"/>
+                </a:solidFill>
+                <a:latin typeface="CMMI10"/>
+              </a:rPr>
+              <a:t>/</a:t>
+            </a:r>
+            <a:r>
+              <a:rPr lang="en-US" dirty="0">
+                <a:solidFill>
+                  <a:srgbClr val="000000"/>
+                </a:solidFill>
+                <a:latin typeface="CMR10"/>
+              </a:rPr>
+              <a:t>4</a:t>
+            </a:r>
+            <a:r>
+              <a:rPr lang="en-US" dirty="0"/>
+              <a:t> </a:t>
+            </a:r>
+            <a:br>
+              <a:rPr lang="en-US" dirty="0"/>
+            </a:br>
             <a:endParaRPr lang="en-US" dirty="0"/>
           </a:p>
         </p:txBody>
@@ -9596,7 +13295,7 @@
     </p:spTree>
     <p:extLst>
       <p:ext uri="{BB962C8B-B14F-4D97-AF65-F5344CB8AC3E}">
-        <p14:creationId xmlns:p14="http://schemas.microsoft.com/office/powerpoint/2010/main" val="4287330508"/>
+        <p14:creationId xmlns:p14="http://schemas.microsoft.com/office/powerpoint/2010/main" val="1501415267"/>
       </p:ext>
     </p:extLst>
   </p:cSld>
@@ -9607,7 +13306,7 @@
 </file>
 
 <file path=ppt/theme/theme1.xml><?xml version="1.0" encoding="utf-8"?>
-<a:theme xmlns:a="http://schemas.openxmlformats.org/drawingml/2006/main" name="Get Started with 3D">
+<a:theme xmlns:a="http://schemas.openxmlformats.org/drawingml/2006/main" name="Office Theme">
   <a:themeElements>
     <a:clrScheme name="Office">
       <a:dk1>
@@ -9647,16 +13346,110 @@
         <a:srgbClr val="954F72"/>
       </a:folHlink>
     </a:clrScheme>
-    <a:fontScheme name="Segoe UI">
+    <a:fontScheme name="Office">
       <a:majorFont>
-        <a:latin typeface="Segoe UI Light"/>
+        <a:latin typeface="Calibri Light" panose="020F0302020204030204"/>
         <a:ea typeface=""/>
         <a:cs typeface=""/>
+        <a:font script="Jpan" typeface="游ゴシック Light"/>
+        <a:font script="Hang" typeface="맑은 고딕"/>
+        <a:font script="Hans" typeface="等线 Light"/>
+        <a:font script="Hant" typeface="新細明體"/>
+        <a:font script="Arab" typeface="Times New Roman"/>
+        <a:font script="Hebr" typeface="Times New Roman"/>
+        <a:font script="Thai" typeface="Angsana New"/>
+        <a:font script="Ethi" typeface="Nyala"/>
+        <a:font script="Beng" typeface="Vrinda"/>
+        <a:font script="Gujr" typeface="Shruti"/>
+        <a:font script="Khmr" typeface="MoolBoran"/>
+        <a:font script="Knda" typeface="Tunga"/>
+        <a:font script="Guru" typeface="Raavi"/>
+        <a:font script="Cans" typeface="Euphemia"/>
+        <a:font script="Cher" typeface="Plantagenet Cherokee"/>
+        <a:font script="Yiii" typeface="Microsoft Yi Baiti"/>
+        <a:font script="Tibt" typeface="Microsoft Himalaya"/>
+        <a:font script="Thaa" typeface="MV Boli"/>
+        <a:font script="Deva" typeface="Mangal"/>
+        <a:font script="Telu" typeface="Gautami"/>
+        <a:font script="Taml" typeface="Latha"/>
+        <a:font script="Syrc" typeface="Estrangelo Edessa"/>
+        <a:font script="Orya" typeface="Kalinga"/>
+        <a:font script="Mlym" typeface="Kartika"/>
+        <a:font script="Laoo" typeface="DokChampa"/>
+        <a:font script="Sinh" typeface="Iskoola Pota"/>
+        <a:font script="Mong" typeface="Mongolian Baiti"/>
+        <a:font script="Viet" typeface="Times New Roman"/>
+        <a:font script="Uigh" typeface="Microsoft Uighur"/>
+        <a:font script="Geor" typeface="Sylfaen"/>
+        <a:font script="Armn" typeface="Arial"/>
+        <a:font script="Bugi" typeface="Leelawadee UI"/>
+        <a:font script="Bopo" typeface="Microsoft JhengHei"/>
+        <a:font script="Java" typeface="Javanese Text"/>
+        <a:font script="Lisu" typeface="Segoe UI"/>
+        <a:font script="Mymr" typeface="Myanmar Text"/>
+        <a:font script="Nkoo" typeface="Ebrima"/>
+        <a:font script="Olck" typeface="Nirmala UI"/>
+        <a:font script="Osma" typeface="Ebrima"/>
+        <a:font script="Phag" typeface="Phagspa"/>
+        <a:font script="Syrn" typeface="Estrangelo Edessa"/>
+        <a:font script="Syrj" typeface="Estrangelo Edessa"/>
+        <a:font script="Syre" typeface="Estrangelo Edessa"/>
+        <a:font script="Sora" typeface="Nirmala UI"/>
+        <a:font script="Tale" typeface="Microsoft Tai Le"/>
+        <a:font script="Talu" typeface="Microsoft New Tai Lue"/>
+        <a:font script="Tfng" typeface="Ebrima"/>
       </a:majorFont>
       <a:minorFont>
-        <a:latin typeface="Segoe UI"/>
+        <a:latin typeface="Calibri" panose="020F0502020204030204"/>
         <a:ea typeface=""/>
         <a:cs typeface=""/>
+        <a:font script="Jpan" typeface="游ゴシック"/>
+        <a:font script="Hang" typeface="맑은 고딕"/>
+        <a:font script="Hans" typeface="等线"/>
+        <a:font script="Hant" typeface="新細明體"/>
+        <a:font script="Arab" typeface="Arial"/>
+        <a:font script="Hebr" typeface="Arial"/>
+        <a:font script="Thai" typeface="Cordia New"/>
+        <a:font script="Ethi" typeface="Nyala"/>
+        <a:font script="Beng" typeface="Vrinda"/>
+        <a:font script="Gujr" typeface="Shruti"/>
+        <a:font script="Khmr" typeface="DaunPenh"/>
+        <a:font script="Knda" typeface="Tunga"/>
+        <a:font script="Guru" typeface="Raavi"/>
+        <a:font script="Cans" typeface="Euphemia"/>
+        <a:font script="Cher" typeface="Plantagenet Cherokee"/>
+        <a:font script="Yiii" typeface="Microsoft Yi Baiti"/>
+        <a:font script="Tibt" typeface="Microsoft Himalaya"/>
+        <a:font script="Thaa" typeface="MV Boli"/>
+        <a:font script="Deva" typeface="Mangal"/>
+        <a:font script="Telu" typeface="Gautami"/>
+        <a:font script="Taml" typeface="Latha"/>
+        <a:font script="Syrc" typeface="Estrangelo Edessa"/>
+        <a:font script="Orya" typeface="Kalinga"/>
+        <a:font script="Mlym" typeface="Kartika"/>
+        <a:font script="Laoo" typeface="DokChampa"/>
+        <a:font script="Sinh" typeface="Iskoola Pota"/>
+        <a:font script="Mong" typeface="Mongolian Baiti"/>
+        <a:font script="Viet" typeface="Arial"/>
+        <a:font script="Uigh" typeface="Microsoft Uighur"/>
+        <a:font script="Geor" typeface="Sylfaen"/>
+        <a:font script="Armn" typeface="Arial"/>
+        <a:font script="Bugi" typeface="Leelawadee UI"/>
+        <a:font script="Bopo" typeface="Microsoft JhengHei"/>
+        <a:font script="Java" typeface="Javanese Text"/>
+        <a:font script="Lisu" typeface="Segoe UI"/>
+        <a:font script="Mymr" typeface="Myanmar Text"/>
+        <a:font script="Nkoo" typeface="Ebrima"/>
+        <a:font script="Olck" typeface="Nirmala UI"/>
+        <a:font script="Osma" typeface="Ebrima"/>
+        <a:font script="Phag" typeface="Phagspa"/>
+        <a:font script="Syrn" typeface="Estrangelo Edessa"/>
+        <a:font script="Syrj" typeface="Estrangelo Edessa"/>
+        <a:font script="Syre" typeface="Estrangelo Edessa"/>
+        <a:font script="Sora" typeface="Nirmala UI"/>
+        <a:font script="Tale" typeface="Microsoft Tai Le"/>
+        <a:font script="Talu" typeface="Microsoft New Tai Lue"/>
+        <a:font script="Tfng" typeface="Ebrima"/>
       </a:minorFont>
     </a:fontScheme>
     <a:fmtScheme name="Office">
@@ -9797,39 +13590,11 @@
       </a:bgFillStyleLst>
     </a:fmtScheme>
   </a:themeElements>
-  <a:objectDefaults>
-    <a:txDef>
-      <a:spPr/>
-      <a:bodyPr vert="horz" lIns="91440" tIns="45720" rIns="91440" bIns="45720" rtlCol="0">
-        <a:noAutofit/>
-      </a:bodyPr>
-      <a:lstStyle>
-        <a:defPPr marL="0" indent="0" algn="l">
-          <a:lnSpc>
-            <a:spcPts val="1800"/>
-          </a:lnSpc>
-          <a:spcAft>
-            <a:spcPts val="600"/>
-          </a:spcAft>
-          <a:buNone/>
-          <a:defRPr sz="1200" dirty="0" smtClean="0">
-            <a:solidFill>
-              <a:prstClr val="black">
-                <a:lumMod val="75000"/>
-                <a:lumOff val="25000"/>
-              </a:prstClr>
-            </a:solidFill>
-            <a:latin typeface="Segoe UI" panose="020B0502040204020203" pitchFamily="34" charset="0"/>
-            <a:cs typeface="Segoe UI" panose="020B0502040204020203" pitchFamily="34" charset="0"/>
-          </a:defRPr>
-        </a:defPPr>
-      </a:lstStyle>
-    </a:txDef>
-  </a:objectDefaults>
+  <a:objectDefaults/>
   <a:extraClrSchemeLst/>
   <a:extLst>
     <a:ext uri="{05A4C25C-085E-4340-85A3-A5531E510DB2}">
-      <thm15:themeFamily xmlns:thm15="http://schemas.microsoft.com/office/thememl/2012/main" name="TF16411177_Bring your presentations to life with 3D_AAS_v3" id="{16D6C460-65F3-4DF8-AE87-56541C30C8AE}" vid="{B7832409-F369-484D-AD9D-1F570206E6E0}"/>
+      <thm15:themeFamily xmlns:thm15="http://schemas.microsoft.com/office/thememl/2012/main" name="Office Theme" id="{62F939B6-93AF-4DB8-9C6B-D6C7DFDC589F}" vid="{4A3C46E8-61CC-4603-A589-7422A47A8E4A}"/>
     </a:ext>
   </a:extLst>
 </a:theme>
@@ -10131,23 +13896,6 @@
 </file>
 
 <file path=customXml/item1.xml><?xml version="1.0" encoding="utf-8"?>
-<p:properties xmlns:p="http://schemas.microsoft.com/office/2006/metadata/properties" xmlns:xsi="http://www.w3.org/2001/XMLSchema-instance" xmlns:pc="http://schemas.microsoft.com/office/infopath/2007/PartnerControls">
-  <documentManagement>
-    <MediaServiceKeyPoints xmlns="bde044f1-5e4a-4dea-a09f-2a68cc3168a6" xsi:nil="true"/>
-  </documentManagement>
-</p:properties>
-</file>
-
-<file path=customXml/item2.xml><?xml version="1.0" encoding="utf-8"?>
-<?mso-contentType ?>
-<FormTemplates xmlns="http://schemas.microsoft.com/sharepoint/v3/contenttype/forms">
-  <Display>DocumentLibraryForm</Display>
-  <Edit>DocumentLibraryForm</Edit>
-  <New>DocumentLibraryForm</New>
-</FormTemplates>
-</file>
-
-<file path=customXml/item3.xml><?xml version="1.0" encoding="utf-8"?>
 <ct:contentTypeSchema xmlns:ct="http://schemas.microsoft.com/office/2006/metadata/contentType" xmlns:ma="http://schemas.microsoft.com/office/2006/metadata/properties/metaAttributes" ct:_="" ma:_="" ma:contentTypeName="Document" ma:contentTypeID="0x010100501E6D23A30AF64485DFE9E58AA97FE9" ma:contentTypeVersion="8" ma:contentTypeDescription="Create a new document." ma:contentTypeScope="" ma:versionID="267fdd0ecb3de011efe390284a3e9459">
   <xsd:schema xmlns:xsd="http://www.w3.org/2001/XMLSchema" xmlns:xs="http://www.w3.org/2001/XMLSchema" xmlns:p="http://schemas.microsoft.com/office/2006/metadata/properties" xmlns:ns3="bde044f1-5e4a-4dea-a09f-2a68cc3168a6" targetNamespace="http://schemas.microsoft.com/office/2006/metadata/properties" ma:root="true" ma:fieldsID="7975da0888efd1bed559a00c4dcffe80" ns3:_="">
     <xsd:import namespace="bde044f1-5e4a-4dea-a09f-2a68cc3168a6"/>
@@ -10319,25 +14067,24 @@
 </ct:contentTypeSchema>
 </file>
 
-<file path=customXml/itemProps1.xml><?xml version="1.0" encoding="utf-8"?>
-<ds:datastoreItem xmlns:ds="http://schemas.openxmlformats.org/officeDocument/2006/customXml" ds:itemID="{C3774A73-0280-47B7-9E46-5069D2220801}">
-  <ds:schemaRefs>
-    <ds:schemaRef ds:uri="http://schemas.microsoft.com/office/2006/metadata/properties"/>
-    <ds:schemaRef ds:uri="http://schemas.microsoft.com/office/infopath/2007/PartnerControls"/>
-    <ds:schemaRef ds:uri="bde044f1-5e4a-4dea-a09f-2a68cc3168a6"/>
-  </ds:schemaRefs>
-</ds:datastoreItem>
+<file path=customXml/item2.xml><?xml version="1.0" encoding="utf-8"?>
+<p:properties xmlns:p="http://schemas.microsoft.com/office/2006/metadata/properties" xmlns:xsi="http://www.w3.org/2001/XMLSchema-instance" xmlns:pc="http://schemas.microsoft.com/office/infopath/2007/PartnerControls">
+  <documentManagement>
+    <MediaServiceKeyPoints xmlns="bde044f1-5e4a-4dea-a09f-2a68cc3168a6" xsi:nil="true"/>
+  </documentManagement>
+</p:properties>
 </file>
 
-<file path=customXml/itemProps2.xml><?xml version="1.0" encoding="utf-8"?>
-<ds:datastoreItem xmlns:ds="http://schemas.openxmlformats.org/officeDocument/2006/customXml" ds:itemID="{F7126FF7-C1F4-4C68-B9E0-A1BEBFA97A78}">
-  <ds:schemaRefs>
-    <ds:schemaRef ds:uri="http://schemas.microsoft.com/sharepoint/v3/contenttype/forms"/>
-  </ds:schemaRefs>
-</ds:datastoreItem>
+<file path=customXml/item3.xml><?xml version="1.0" encoding="utf-8"?>
+<?mso-contentType ?>
+<FormTemplates xmlns="http://schemas.microsoft.com/sharepoint/v3/contenttype/forms">
+  <Display>DocumentLibraryForm</Display>
+  <Edit>DocumentLibraryForm</Edit>
+  <New>DocumentLibraryForm</New>
+</FormTemplates>
 </file>
 
-<file path=customXml/itemProps3.xml><?xml version="1.0" encoding="utf-8"?>
+<file path=customXml/itemProps1.xml><?xml version="1.0" encoding="utf-8"?>
 <ds:datastoreItem xmlns:ds="http://schemas.openxmlformats.org/officeDocument/2006/customXml" ds:itemID="{7DC0190E-FCDF-4861-87F8-558C2CB49538}">
   <ds:schemaRefs>
     <ds:schemaRef ds:uri="http://schemas.microsoft.com/office/2006/metadata/contentType"/>
@@ -10353,4 +14100,22 @@
     <ds:schemaRef ds:uri="http://schemas.microsoft.com/internal/obd"/>
   </ds:schemaRefs>
 </ds:datastoreItem>
+</file>
+
+<file path=customXml/itemProps2.xml><?xml version="1.0" encoding="utf-8"?>
+<ds:datastoreItem xmlns:ds="http://schemas.openxmlformats.org/officeDocument/2006/customXml" ds:itemID="{C3774A73-0280-47B7-9E46-5069D2220801}">
+  <ds:schemaRefs>
+    <ds:schemaRef ds:uri="http://schemas.microsoft.com/office/2006/metadata/properties"/>
+    <ds:schemaRef ds:uri="http://schemas.microsoft.com/office/infopath/2007/PartnerControls"/>
+    <ds:schemaRef ds:uri="bde044f1-5e4a-4dea-a09f-2a68cc3168a6"/>
+  </ds:schemaRefs>
+</ds:datastoreItem>
+</file>
+
+<file path=customXml/itemProps3.xml><?xml version="1.0" encoding="utf-8"?>
+<ds:datastoreItem xmlns:ds="http://schemas.openxmlformats.org/officeDocument/2006/customXml" ds:itemID="{F7126FF7-C1F4-4C68-B9E0-A1BEBFA97A78}">
+  <ds:schemaRefs>
+    <ds:schemaRef ds:uri="http://schemas.microsoft.com/sharepoint/v3/contenttype/forms"/>
+  </ds:schemaRefs>
+</ds:datastoreItem>
 </file>
--- a/Titanic 1.pptx
+++ b/Titanic 1.pptx
@@ -5,7 +5,7 @@
     <p:sldMasterId id="2147483683" r:id="rId4"/>
   </p:sldMasterIdLst>
   <p:notesMasterIdLst>
-    <p:notesMasterId r:id="rId17"/>
+    <p:notesMasterId r:id="rId20"/>
   </p:notesMasterIdLst>
   <p:sldIdLst>
     <p:sldId id="283" r:id="rId5"/>
@@ -19,7 +19,10 @@
     <p:sldId id="292" r:id="rId13"/>
     <p:sldId id="293" r:id="rId14"/>
     <p:sldId id="294" r:id="rId15"/>
-    <p:sldId id="288" r:id="rId16"/>
+    <p:sldId id="295" r:id="rId16"/>
+    <p:sldId id="296" r:id="rId17"/>
+    <p:sldId id="297" r:id="rId18"/>
+    <p:sldId id="288" r:id="rId19"/>
   </p:sldIdLst>
   <p:sldSz cx="12192000" cy="6858000"/>
   <p:notesSz cx="6858000" cy="9144000"/>
@@ -134,6 +137,9 @@
             <p14:sldId id="292"/>
             <p14:sldId id="293"/>
             <p14:sldId id="294"/>
+            <p14:sldId id="295"/>
+            <p14:sldId id="296"/>
+            <p14:sldId id="297"/>
             <p14:sldId id="288"/>
           </p14:sldIdLst>
         </p14:section>
@@ -4838,7 +4844,7 @@
           <a:p>
             <a:fld id="{E4C3FCC2-4E7A-4671-AA79-177CB194E449}" type="datetimeFigureOut">
               <a:rPr lang="en-US" smtClean="0"/>
-              <a:t>10/31/2019</a:t>
+              <a:t>11/7/2019</a:t>
             </a:fld>
             <a:endParaRPr lang="en-US"/>
           </a:p>
@@ -5253,7 +5259,7 @@
             <a:fld id="{B61BEF0D-F0BB-DE4B-95CE-6DB70DBA9567}" type="datetimeFigureOut">
               <a:rPr lang="en-US" smtClean="0"/>
               <a:pPr/>
-              <a:t>10/31/2019</a:t>
+              <a:t>11/7/2019</a:t>
             </a:fld>
             <a:endParaRPr lang="en-US" dirty="0"/>
           </a:p>
@@ -5539,7 +5545,7 @@
           <a:p>
             <a:fld id="{4744E560-77BF-4D1A-B6E7-CD55CE12B1B8}" type="datetimeFigureOut">
               <a:rPr lang="en-US" smtClean="0"/>
-              <a:t>10/31/2019</a:t>
+              <a:t>11/7/2019</a:t>
             </a:fld>
             <a:endParaRPr lang="en-US"/>
           </a:p>
@@ -5747,7 +5753,7 @@
           <a:p>
             <a:fld id="{4744E560-77BF-4D1A-B6E7-CD55CE12B1B8}" type="datetimeFigureOut">
               <a:rPr lang="en-US" smtClean="0"/>
-              <a:t>10/31/2019</a:t>
+              <a:t>11/7/2019</a:t>
             </a:fld>
             <a:endParaRPr lang="en-US"/>
           </a:p>
@@ -7181,7 +7187,7 @@
             <a:fld id="{B61BEF0D-F0BB-DE4B-95CE-6DB70DBA9567}" type="datetimeFigureOut">
               <a:rPr lang="en-US" smtClean="0"/>
               <a:pPr/>
-              <a:t>10/31/2019</a:t>
+              <a:t>11/7/2019</a:t>
             </a:fld>
             <a:endParaRPr lang="en-US" dirty="0"/>
           </a:p>
@@ -7495,7 +7501,7 @@
           <a:p>
             <a:fld id="{4744E560-77BF-4D1A-B6E7-CD55CE12B1B8}" type="datetimeFigureOut">
               <a:rPr lang="en-US" smtClean="0"/>
-              <a:t>10/31/2019</a:t>
+              <a:t>11/7/2019</a:t>
             </a:fld>
             <a:endParaRPr lang="en-US"/>
           </a:p>
@@ -7760,7 +7766,7 @@
           <a:p>
             <a:fld id="{4744E560-77BF-4D1A-B6E7-CD55CE12B1B8}" type="datetimeFigureOut">
               <a:rPr lang="en-US" smtClean="0"/>
-              <a:t>10/31/2019</a:t>
+              <a:t>11/7/2019</a:t>
             </a:fld>
             <a:endParaRPr lang="en-US"/>
           </a:p>
@@ -8172,7 +8178,7 @@
           <a:p>
             <a:fld id="{4744E560-77BF-4D1A-B6E7-CD55CE12B1B8}" type="datetimeFigureOut">
               <a:rPr lang="en-US" smtClean="0"/>
-              <a:t>10/31/2019</a:t>
+              <a:t>11/7/2019</a:t>
             </a:fld>
             <a:endParaRPr lang="en-US"/>
           </a:p>
@@ -8314,7 +8320,7 @@
             <a:fld id="{B61BEF0D-F0BB-DE4B-95CE-6DB70DBA9567}" type="datetimeFigureOut">
               <a:rPr lang="en-US" smtClean="0"/>
               <a:pPr/>
-              <a:t>10/31/2019</a:t>
+              <a:t>11/7/2019</a:t>
             </a:fld>
             <a:endParaRPr lang="en-US" dirty="0"/>
           </a:p>
@@ -8522,7 +8528,7 @@
             <a:fld id="{B61BEF0D-F0BB-DE4B-95CE-6DB70DBA9567}" type="datetimeFigureOut">
               <a:rPr lang="en-US" smtClean="0"/>
               <a:pPr/>
-              <a:t>10/31/2019</a:t>
+              <a:t>11/7/2019</a:t>
             </a:fld>
             <a:endParaRPr lang="en-US" dirty="0"/>
           </a:p>
@@ -8834,7 +8840,7 @@
           <a:p>
             <a:fld id="{4744E560-77BF-4D1A-B6E7-CD55CE12B1B8}" type="datetimeFigureOut">
               <a:rPr lang="en-US" smtClean="0"/>
-              <a:t>10/31/2019</a:t>
+              <a:t>11/7/2019</a:t>
             </a:fld>
             <a:endParaRPr lang="en-US"/>
           </a:p>
@@ -9122,7 +9128,7 @@
           <a:p>
             <a:fld id="{4744E560-77BF-4D1A-B6E7-CD55CE12B1B8}" type="datetimeFigureOut">
               <a:rPr lang="en-US" smtClean="0"/>
-              <a:t>10/31/2019</a:t>
+              <a:t>11/7/2019</a:t>
             </a:fld>
             <a:endParaRPr lang="en-US"/>
           </a:p>
@@ -9363,7 +9369,7 @@
           <a:p>
             <a:fld id="{4744E560-77BF-4D1A-B6E7-CD55CE12B1B8}" type="datetimeFigureOut">
               <a:rPr lang="en-US" smtClean="0"/>
-              <a:t>10/31/2019</a:t>
+              <a:t>11/7/2019</a:t>
             </a:fld>
             <a:endParaRPr lang="en-US"/>
           </a:p>
@@ -10328,6 +10334,714 @@
       </p:grpSpPr>
       <p:sp>
         <p:nvSpPr>
+          <p:cNvPr id="2" name="Title 1">
+            <a:extLst>
+              <a:ext uri="{FF2B5EF4-FFF2-40B4-BE49-F238E27FC236}">
+                <a16:creationId xmlns:a16="http://schemas.microsoft.com/office/drawing/2014/main" id="{887D7ACD-A93B-41B2-A980-D04ED757FF8F}"/>
+              </a:ext>
+            </a:extLst>
+          </p:cNvPr>
+          <p:cNvSpPr>
+            <a:spLocks noGrp="1"/>
+          </p:cNvSpPr>
+          <p:nvPr>
+            <p:ph type="title"/>
+          </p:nvPr>
+        </p:nvSpPr>
+        <p:spPr/>
+        <p:txBody>
+          <a:bodyPr/>
+          <a:lstStyle/>
+          <a:p>
+            <a:r>
+              <a:rPr lang="en-US" dirty="0"/>
+              <a:t>Cleaning data</a:t>
+            </a:r>
+          </a:p>
+        </p:txBody>
+      </p:sp>
+      <p:pic>
+        <p:nvPicPr>
+          <p:cNvPr id="1026" name="Picture 2">
+            <a:extLst>
+              <a:ext uri="{FF2B5EF4-FFF2-40B4-BE49-F238E27FC236}">
+                <a16:creationId xmlns:a16="http://schemas.microsoft.com/office/drawing/2014/main" id="{B7461C39-FA4A-45C0-90AE-658B19F42A9A}"/>
+              </a:ext>
+            </a:extLst>
+          </p:cNvPr>
+          <p:cNvPicPr>
+            <a:picLocks noGrp="1" noChangeAspect="1" noChangeArrowheads="1"/>
+          </p:cNvPicPr>
+          <p:nvPr>
+            <p:ph idx="1"/>
+          </p:nvPr>
+        </p:nvPicPr>
+        <p:blipFill>
+          <a:blip r:embed="rId2">
+            <a:extLst>
+              <a:ext uri="{28A0092B-C50C-407E-A947-70E740481C1C}">
+                <a14:useLocalDpi xmlns:a14="http://schemas.microsoft.com/office/drawing/2010/main" val="0"/>
+              </a:ext>
+            </a:extLst>
+          </a:blip>
+          <a:srcRect/>
+          <a:stretch>
+            <a:fillRect/>
+          </a:stretch>
+        </p:blipFill>
+        <p:spPr bwMode="auto">
+          <a:xfrm>
+            <a:off x="838200" y="1825625"/>
+            <a:ext cx="7549701" cy="4351338"/>
+          </a:xfrm>
+          <a:prstGeom prst="rect">
+            <a:avLst/>
+          </a:prstGeom>
+          <a:noFill/>
+          <a:extLst>
+            <a:ext uri="{909E8E84-426E-40DD-AFC4-6F175D3DCCD1}">
+              <a14:hiddenFill xmlns:a14="http://schemas.microsoft.com/office/drawing/2010/main">
+                <a:solidFill>
+                  <a:srgbClr val="FFFFFF"/>
+                </a:solidFill>
+              </a14:hiddenFill>
+            </a:ext>
+          </a:extLst>
+        </p:spPr>
+      </p:pic>
+      <p:sp>
+        <p:nvSpPr>
+          <p:cNvPr id="4" name="Rectangle 3">
+            <a:extLst>
+              <a:ext uri="{FF2B5EF4-FFF2-40B4-BE49-F238E27FC236}">
+                <a16:creationId xmlns:a16="http://schemas.microsoft.com/office/drawing/2014/main" id="{3ACEC509-6884-42D0-B275-AA1EC8660130}"/>
+              </a:ext>
+            </a:extLst>
+          </p:cNvPr>
+          <p:cNvSpPr>
+            <a:spLocks noChangeArrowheads="1"/>
+          </p:cNvSpPr>
+          <p:nvPr/>
+        </p:nvSpPr>
+        <p:spPr bwMode="auto">
+          <a:xfrm>
+            <a:off x="8658809" y="2770188"/>
+            <a:ext cx="3088432" cy="1231106"/>
+          </a:xfrm>
+          <a:prstGeom prst="rect">
+            <a:avLst/>
+          </a:prstGeom>
+          <a:solidFill>
+            <a:srgbClr val="FFFFFF"/>
+          </a:solidFill>
+          <a:ln>
+            <a:noFill/>
+          </a:ln>
+          <a:effectLst/>
+          <a:extLst>
+            <a:ext uri="{91240B29-F687-4F45-9708-019B960494DF}">
+              <a14:hiddenLine xmlns:a14="http://schemas.microsoft.com/office/drawing/2010/main" w="9525">
+                <a:solidFill>
+                  <a:schemeClr val="tx1"/>
+                </a:solidFill>
+                <a:miter lim="800000"/>
+                <a:headEnd/>
+                <a:tailEnd/>
+              </a14:hiddenLine>
+            </a:ext>
+            <a:ext uri="{AF507438-7753-43E0-B8FC-AC1667EBCBE1}">
+              <a14:hiddenEffects xmlns:a14="http://schemas.microsoft.com/office/drawing/2010/main">
+                <a:effectLst>
+                  <a:outerShdw dist="35921" dir="2700000" algn="ctr" rotWithShape="0">
+                    <a:schemeClr val="bg2"/>
+                  </a:outerShdw>
+                </a:effectLst>
+              </a14:hiddenEffects>
+            </a:ext>
+          </a:extLst>
+        </p:spPr>
+        <p:txBody>
+          <a:bodyPr vert="horz" wrap="square" lIns="0" tIns="0" rIns="0" bIns="0" numCol="1" anchor="ctr" anchorCtr="0" compatLnSpc="1">
+            <a:prstTxWarp prst="textNoShape">
+              <a:avLst/>
+            </a:prstTxWarp>
+            <a:spAutoFit/>
+          </a:bodyPr>
+          <a:lstStyle/>
+          <a:p>
+            <a:pPr marL="0" marR="0" lvl="0" indent="0" algn="l" defTabSz="914400" rtl="0" eaLnBrk="0" fontAlgn="base" latinLnBrk="0" hangingPunct="0">
+              <a:lnSpc>
+                <a:spcPct val="100000"/>
+              </a:lnSpc>
+              <a:spcBef>
+                <a:spcPct val="0"/>
+              </a:spcBef>
+              <a:spcAft>
+                <a:spcPct val="0"/>
+              </a:spcAft>
+              <a:buClrTx/>
+              <a:buSzTx/>
+              <a:buFontTx/>
+              <a:buNone/>
+              <a:tabLst/>
+            </a:pPr>
+            <a:r>
+              <a:rPr kumimoji="0" lang="en-US" altLang="en-US" sz="1600" b="0" i="0" u="none" strike="noStrike" cap="none" normalizeH="0" baseline="0" dirty="0">
+                <a:ln>
+                  <a:noFill/>
+                </a:ln>
+                <a:solidFill>
+                  <a:srgbClr val="000000"/>
+                </a:solidFill>
+                <a:effectLst/>
+                <a:latin typeface="Arial Unicode MS"/>
+                <a:ea typeface="Courier New" panose="02070309020205020404" pitchFamily="49" charset="0"/>
+              </a:rPr>
+              <a:t>Features that contains missing data: </a:t>
+            </a:r>
+          </a:p>
+          <a:p>
+            <a:pPr marL="171450" marR="0" lvl="0" indent="-171450" algn="l" defTabSz="914400" rtl="0" eaLnBrk="0" fontAlgn="base" latinLnBrk="0" hangingPunct="0">
+              <a:lnSpc>
+                <a:spcPct val="100000"/>
+              </a:lnSpc>
+              <a:spcBef>
+                <a:spcPct val="0"/>
+              </a:spcBef>
+              <a:spcAft>
+                <a:spcPct val="0"/>
+              </a:spcAft>
+              <a:buClrTx/>
+              <a:buSzTx/>
+              <a:buFont typeface="Arial" panose="020B0604020202020204" pitchFamily="34" charset="0"/>
+              <a:buChar char="•"/>
+              <a:tabLst/>
+            </a:pPr>
+            <a:r>
+              <a:rPr kumimoji="0" lang="en-US" altLang="en-US" sz="1600" b="0" i="0" u="none" strike="noStrike" cap="none" normalizeH="0" baseline="0" dirty="0">
+                <a:ln>
+                  <a:noFill/>
+                </a:ln>
+                <a:solidFill>
+                  <a:srgbClr val="000000"/>
+                </a:solidFill>
+                <a:effectLst/>
+                <a:latin typeface="Arial Unicode MS"/>
+                <a:ea typeface="Courier New" panose="02070309020205020404" pitchFamily="49" charset="0"/>
+              </a:rPr>
+              <a:t>Age 177 </a:t>
+            </a:r>
+          </a:p>
+          <a:p>
+            <a:pPr marL="171450" marR="0" lvl="0" indent="-171450" algn="l" defTabSz="914400" rtl="0" eaLnBrk="0" fontAlgn="base" latinLnBrk="0" hangingPunct="0">
+              <a:lnSpc>
+                <a:spcPct val="100000"/>
+              </a:lnSpc>
+              <a:spcBef>
+                <a:spcPct val="0"/>
+              </a:spcBef>
+              <a:spcAft>
+                <a:spcPct val="0"/>
+              </a:spcAft>
+              <a:buClrTx/>
+              <a:buSzTx/>
+              <a:buFont typeface="Arial" panose="020B0604020202020204" pitchFamily="34" charset="0"/>
+              <a:buChar char="•"/>
+              <a:tabLst/>
+            </a:pPr>
+            <a:r>
+              <a:rPr kumimoji="0" lang="en-US" altLang="en-US" sz="1600" b="0" i="0" u="none" strike="noStrike" cap="none" normalizeH="0" baseline="0" dirty="0">
+                <a:ln>
+                  <a:noFill/>
+                </a:ln>
+                <a:solidFill>
+                  <a:srgbClr val="000000"/>
+                </a:solidFill>
+                <a:effectLst/>
+                <a:latin typeface="Arial Unicode MS"/>
+                <a:ea typeface="Courier New" panose="02070309020205020404" pitchFamily="49" charset="0"/>
+              </a:rPr>
+              <a:t>Cabin 687 </a:t>
+            </a:r>
+          </a:p>
+          <a:p>
+            <a:pPr marL="171450" marR="0" lvl="0" indent="-171450" algn="l" defTabSz="914400" rtl="0" eaLnBrk="0" fontAlgn="base" latinLnBrk="0" hangingPunct="0">
+              <a:lnSpc>
+                <a:spcPct val="100000"/>
+              </a:lnSpc>
+              <a:spcBef>
+                <a:spcPct val="0"/>
+              </a:spcBef>
+              <a:spcAft>
+                <a:spcPct val="0"/>
+              </a:spcAft>
+              <a:buClrTx/>
+              <a:buSzTx/>
+              <a:buFont typeface="Arial" panose="020B0604020202020204" pitchFamily="34" charset="0"/>
+              <a:buChar char="•"/>
+              <a:tabLst/>
+            </a:pPr>
+            <a:r>
+              <a:rPr kumimoji="0" lang="en-US" altLang="en-US" sz="1600" b="0" i="0" u="none" strike="noStrike" cap="none" normalizeH="0" baseline="0" dirty="0">
+                <a:ln>
+                  <a:noFill/>
+                </a:ln>
+                <a:solidFill>
+                  <a:srgbClr val="000000"/>
+                </a:solidFill>
+                <a:effectLst/>
+                <a:latin typeface="Arial Unicode MS"/>
+                <a:ea typeface="Courier New" panose="02070309020205020404" pitchFamily="49" charset="0"/>
+              </a:rPr>
+              <a:t>Embarked 2</a:t>
+            </a:r>
+            <a:r>
+              <a:rPr kumimoji="0" lang="en-US" altLang="en-US" sz="1200" b="0" i="0" u="none" strike="noStrike" cap="none" normalizeH="0" baseline="0" dirty="0">
+                <a:ln>
+                  <a:noFill/>
+                </a:ln>
+                <a:solidFill>
+                  <a:schemeClr val="tx1"/>
+                </a:solidFill>
+                <a:effectLst/>
+              </a:rPr>
+              <a:t> </a:t>
+            </a:r>
+            <a:endParaRPr kumimoji="0" lang="en-US" altLang="en-US" sz="3600" b="0" i="0" u="none" strike="noStrike" cap="none" normalizeH="0" baseline="0" dirty="0">
+              <a:ln>
+                <a:noFill/>
+              </a:ln>
+              <a:solidFill>
+                <a:schemeClr val="tx1"/>
+              </a:solidFill>
+              <a:effectLst/>
+              <a:latin typeface="Arial" panose="020B0604020202020204" pitchFamily="34" charset="0"/>
+            </a:endParaRPr>
+          </a:p>
+        </p:txBody>
+      </p:sp>
+    </p:spTree>
+    <p:extLst>
+      <p:ext uri="{BB962C8B-B14F-4D97-AF65-F5344CB8AC3E}">
+        <p14:creationId xmlns:p14="http://schemas.microsoft.com/office/powerpoint/2010/main" val="1365777555"/>
+      </p:ext>
+    </p:extLst>
+  </p:cSld>
+  <p:clrMapOvr>
+    <a:masterClrMapping/>
+  </p:clrMapOvr>
+</p:sld>
+</file>
+
+<file path=ppt/slides/slide13.xml><?xml version="1.0" encoding="utf-8"?>
+<p:sld xmlns:a="http://schemas.openxmlformats.org/drawingml/2006/main" xmlns:r="http://schemas.openxmlformats.org/officeDocument/2006/relationships" xmlns:p="http://schemas.openxmlformats.org/presentationml/2006/main">
+  <p:cSld>
+    <p:spTree>
+      <p:nvGrpSpPr>
+        <p:cNvPr id="1" name=""/>
+        <p:cNvGrpSpPr/>
+        <p:nvPr/>
+      </p:nvGrpSpPr>
+      <p:grpSpPr>
+        <a:xfrm>
+          <a:off x="0" y="0"/>
+          <a:ext cx="0" cy="0"/>
+          <a:chOff x="0" y="0"/>
+          <a:chExt cx="0" cy="0"/>
+        </a:xfrm>
+      </p:grpSpPr>
+      <p:sp>
+        <p:nvSpPr>
+          <p:cNvPr id="2" name="Title 1">
+            <a:extLst>
+              <a:ext uri="{FF2B5EF4-FFF2-40B4-BE49-F238E27FC236}">
+                <a16:creationId xmlns:a16="http://schemas.microsoft.com/office/drawing/2014/main" id="{6FB678E3-F471-451C-9332-EE25596F3AA4}"/>
+              </a:ext>
+            </a:extLst>
+          </p:cNvPr>
+          <p:cNvSpPr>
+            <a:spLocks noGrp="1"/>
+          </p:cNvSpPr>
+          <p:nvPr>
+            <p:ph type="title"/>
+          </p:nvPr>
+        </p:nvSpPr>
+        <p:spPr/>
+        <p:txBody>
+          <a:bodyPr/>
+          <a:lstStyle/>
+          <a:p>
+            <a:r>
+              <a:rPr lang="en-US" dirty="0"/>
+              <a:t>Fill the missing values of Age</a:t>
+            </a:r>
+          </a:p>
+        </p:txBody>
+      </p:sp>
+      <p:pic>
+        <p:nvPicPr>
+          <p:cNvPr id="4" name="Content Placeholder 3">
+            <a:extLst>
+              <a:ext uri="{FF2B5EF4-FFF2-40B4-BE49-F238E27FC236}">
+                <a16:creationId xmlns:a16="http://schemas.microsoft.com/office/drawing/2014/main" id="{2736FAC0-DBB4-4E55-BAAF-675C19F426D0}"/>
+              </a:ext>
+            </a:extLst>
+          </p:cNvPr>
+          <p:cNvPicPr>
+            <a:picLocks noGrp="1" noChangeAspect="1"/>
+          </p:cNvPicPr>
+          <p:nvPr>
+            <p:ph idx="1"/>
+          </p:nvPr>
+        </p:nvPicPr>
+        <p:blipFill>
+          <a:blip r:embed="rId2"/>
+          <a:stretch>
+            <a:fillRect/>
+          </a:stretch>
+        </p:blipFill>
+        <p:spPr>
+          <a:xfrm>
+            <a:off x="232394" y="1479233"/>
+            <a:ext cx="8202479" cy="1563683"/>
+          </a:xfrm>
+          <a:prstGeom prst="rect">
+            <a:avLst/>
+          </a:prstGeom>
+        </p:spPr>
+      </p:pic>
+      <p:pic>
+        <p:nvPicPr>
+          <p:cNvPr id="2052" name="Picture 4">
+            <a:extLst>
+              <a:ext uri="{FF2B5EF4-FFF2-40B4-BE49-F238E27FC236}">
+                <a16:creationId xmlns:a16="http://schemas.microsoft.com/office/drawing/2014/main" id="{A8C2C664-618E-4CE1-AE9B-D82DD5982F4B}"/>
+              </a:ext>
+            </a:extLst>
+          </p:cNvPr>
+          <p:cNvPicPr>
+            <a:picLocks noChangeAspect="1" noChangeArrowheads="1"/>
+          </p:cNvPicPr>
+          <p:nvPr/>
+        </p:nvPicPr>
+        <p:blipFill>
+          <a:blip r:embed="rId3">
+            <a:extLst>
+              <a:ext uri="{28A0092B-C50C-407E-A947-70E740481C1C}">
+                <a14:useLocalDpi xmlns:a14="http://schemas.microsoft.com/office/drawing/2010/main" val="0"/>
+              </a:ext>
+            </a:extLst>
+          </a:blip>
+          <a:srcRect/>
+          <a:stretch>
+            <a:fillRect/>
+          </a:stretch>
+        </p:blipFill>
+        <p:spPr bwMode="auto">
+          <a:xfrm>
+            <a:off x="232394" y="3325332"/>
+            <a:ext cx="11727211" cy="1026131"/>
+          </a:xfrm>
+          <a:prstGeom prst="rect">
+            <a:avLst/>
+          </a:prstGeom>
+          <a:noFill/>
+          <a:extLst>
+            <a:ext uri="{909E8E84-426E-40DD-AFC4-6F175D3DCCD1}">
+              <a14:hiddenFill xmlns:a14="http://schemas.microsoft.com/office/drawing/2010/main">
+                <a:solidFill>
+                  <a:srgbClr val="FFFFFF"/>
+                </a:solidFill>
+              </a14:hiddenFill>
+            </a:ext>
+          </a:extLst>
+        </p:spPr>
+      </p:pic>
+      <p:pic>
+        <p:nvPicPr>
+          <p:cNvPr id="5" name="Picture 4">
+            <a:extLst>
+              <a:ext uri="{FF2B5EF4-FFF2-40B4-BE49-F238E27FC236}">
+                <a16:creationId xmlns:a16="http://schemas.microsoft.com/office/drawing/2014/main" id="{95F662F6-47E8-4CC1-A5B6-B034E41CDF44}"/>
+              </a:ext>
+            </a:extLst>
+          </p:cNvPr>
+          <p:cNvPicPr>
+            <a:picLocks noChangeAspect="1"/>
+          </p:cNvPicPr>
+          <p:nvPr/>
+        </p:nvPicPr>
+        <p:blipFill>
+          <a:blip r:embed="rId4"/>
+          <a:stretch>
+            <a:fillRect/>
+          </a:stretch>
+        </p:blipFill>
+        <p:spPr>
+          <a:xfrm>
+            <a:off x="8434873" y="365125"/>
+            <a:ext cx="3554102" cy="6106205"/>
+          </a:xfrm>
+          <a:prstGeom prst="rect">
+            <a:avLst/>
+          </a:prstGeom>
+        </p:spPr>
+      </p:pic>
+      <p:pic>
+        <p:nvPicPr>
+          <p:cNvPr id="7" name="Picture 6">
+            <a:extLst>
+              <a:ext uri="{FF2B5EF4-FFF2-40B4-BE49-F238E27FC236}">
+                <a16:creationId xmlns:a16="http://schemas.microsoft.com/office/drawing/2014/main" id="{869946E6-21AF-4755-8A9B-5C25086C8BE9}"/>
+              </a:ext>
+            </a:extLst>
+          </p:cNvPr>
+          <p:cNvPicPr>
+            <a:picLocks noChangeAspect="1"/>
+          </p:cNvPicPr>
+          <p:nvPr/>
+        </p:nvPicPr>
+        <p:blipFill>
+          <a:blip r:embed="rId5"/>
+          <a:stretch>
+            <a:fillRect/>
+          </a:stretch>
+        </p:blipFill>
+        <p:spPr>
+          <a:xfrm>
+            <a:off x="691391" y="4426108"/>
+            <a:ext cx="3243020" cy="2167405"/>
+          </a:xfrm>
+          <a:prstGeom prst="rect">
+            <a:avLst/>
+          </a:prstGeom>
+        </p:spPr>
+      </p:pic>
+      <p:pic>
+        <p:nvPicPr>
+          <p:cNvPr id="8" name="Picture 7">
+            <a:extLst>
+              <a:ext uri="{FF2B5EF4-FFF2-40B4-BE49-F238E27FC236}">
+                <a16:creationId xmlns:a16="http://schemas.microsoft.com/office/drawing/2014/main" id="{695535E8-D377-4DB2-BD7A-036A42788DC7}"/>
+              </a:ext>
+            </a:extLst>
+          </p:cNvPr>
+          <p:cNvPicPr>
+            <a:picLocks noChangeAspect="1"/>
+          </p:cNvPicPr>
+          <p:nvPr/>
+        </p:nvPicPr>
+        <p:blipFill>
+          <a:blip r:embed="rId6"/>
+          <a:stretch>
+            <a:fillRect/>
+          </a:stretch>
+        </p:blipFill>
+        <p:spPr>
+          <a:xfrm>
+            <a:off x="4274879" y="4426109"/>
+            <a:ext cx="3105001" cy="2045221"/>
+          </a:xfrm>
+          <a:prstGeom prst="rect">
+            <a:avLst/>
+          </a:prstGeom>
+        </p:spPr>
+      </p:pic>
+    </p:spTree>
+    <p:extLst>
+      <p:ext uri="{BB962C8B-B14F-4D97-AF65-F5344CB8AC3E}">
+        <p14:creationId xmlns:p14="http://schemas.microsoft.com/office/powerpoint/2010/main" val="377250509"/>
+      </p:ext>
+    </p:extLst>
+  </p:cSld>
+  <p:clrMapOvr>
+    <a:masterClrMapping/>
+  </p:clrMapOvr>
+</p:sld>
+</file>
+
+<file path=ppt/slides/slide14.xml><?xml version="1.0" encoding="utf-8"?>
+<p:sld xmlns:a="http://schemas.openxmlformats.org/drawingml/2006/main" xmlns:r="http://schemas.openxmlformats.org/officeDocument/2006/relationships" xmlns:p="http://schemas.openxmlformats.org/presentationml/2006/main">
+  <p:cSld>
+    <p:spTree>
+      <p:nvGrpSpPr>
+        <p:cNvPr id="1" name=""/>
+        <p:cNvGrpSpPr/>
+        <p:nvPr/>
+      </p:nvGrpSpPr>
+      <p:grpSpPr>
+        <a:xfrm>
+          <a:off x="0" y="0"/>
+          <a:ext cx="0" cy="0"/>
+          <a:chOff x="0" y="0"/>
+          <a:chExt cx="0" cy="0"/>
+        </a:xfrm>
+      </p:grpSpPr>
+      <p:sp>
+        <p:nvSpPr>
+          <p:cNvPr id="2" name="Title 1">
+            <a:extLst>
+              <a:ext uri="{FF2B5EF4-FFF2-40B4-BE49-F238E27FC236}">
+                <a16:creationId xmlns:a16="http://schemas.microsoft.com/office/drawing/2014/main" id="{AF2C0F4B-6EE1-48C4-B6C9-F458EC2E7D83}"/>
+              </a:ext>
+            </a:extLst>
+          </p:cNvPr>
+          <p:cNvSpPr>
+            <a:spLocks noGrp="1"/>
+          </p:cNvSpPr>
+          <p:nvPr>
+            <p:ph type="title"/>
+          </p:nvPr>
+        </p:nvSpPr>
+        <p:spPr/>
+        <p:txBody>
+          <a:bodyPr/>
+          <a:lstStyle/>
+          <a:p>
+            <a:r>
+              <a:rPr lang="en-US" dirty="0"/>
+              <a:t>Fill the missing values for Age</a:t>
+            </a:r>
+          </a:p>
+        </p:txBody>
+      </p:sp>
+      <p:sp>
+        <p:nvSpPr>
+          <p:cNvPr id="3" name="Content Placeholder 2">
+            <a:extLst>
+              <a:ext uri="{FF2B5EF4-FFF2-40B4-BE49-F238E27FC236}">
+                <a16:creationId xmlns:a16="http://schemas.microsoft.com/office/drawing/2014/main" id="{1B33E0B2-F845-4F34-9E90-A4B8A272CC70}"/>
+              </a:ext>
+            </a:extLst>
+          </p:cNvPr>
+          <p:cNvSpPr>
+            <a:spLocks noGrp="1"/>
+          </p:cNvSpPr>
+          <p:nvPr>
+            <p:ph idx="1"/>
+          </p:nvPr>
+        </p:nvSpPr>
+        <p:spPr/>
+        <p:txBody>
+          <a:bodyPr/>
+          <a:lstStyle/>
+          <a:p>
+            <a:r>
+              <a:rPr lang="en-US" dirty="0"/>
+              <a:t>Problems</a:t>
+            </a:r>
+          </a:p>
+        </p:txBody>
+      </p:sp>
+      <p:pic>
+        <p:nvPicPr>
+          <p:cNvPr id="3074" name="Picture 2">
+            <a:extLst>
+              <a:ext uri="{FF2B5EF4-FFF2-40B4-BE49-F238E27FC236}">
+                <a16:creationId xmlns:a16="http://schemas.microsoft.com/office/drawing/2014/main" id="{3F8F9B12-D100-4C02-B80E-883239AE2A7F}"/>
+              </a:ext>
+            </a:extLst>
+          </p:cNvPr>
+          <p:cNvPicPr>
+            <a:picLocks noChangeAspect="1" noChangeArrowheads="1"/>
+          </p:cNvPicPr>
+          <p:nvPr/>
+        </p:nvPicPr>
+        <p:blipFill>
+          <a:blip r:embed="rId2">
+            <a:extLst>
+              <a:ext uri="{28A0092B-C50C-407E-A947-70E740481C1C}">
+                <a14:useLocalDpi xmlns:a14="http://schemas.microsoft.com/office/drawing/2010/main" val="0"/>
+              </a:ext>
+            </a:extLst>
+          </a:blip>
+          <a:srcRect/>
+          <a:stretch>
+            <a:fillRect/>
+          </a:stretch>
+        </p:blipFill>
+        <p:spPr bwMode="auto">
+          <a:xfrm>
+            <a:off x="931506" y="2228850"/>
+            <a:ext cx="3571875" cy="2400300"/>
+          </a:xfrm>
+          <a:prstGeom prst="rect">
+            <a:avLst/>
+          </a:prstGeom>
+          <a:noFill/>
+          <a:extLst>
+            <a:ext uri="{909E8E84-426E-40DD-AFC4-6F175D3DCCD1}">
+              <a14:hiddenFill xmlns:a14="http://schemas.microsoft.com/office/drawing/2010/main">
+                <a:solidFill>
+                  <a:srgbClr val="FFFFFF"/>
+                </a:solidFill>
+              </a14:hiddenFill>
+            </a:ext>
+          </a:extLst>
+        </p:spPr>
+      </p:pic>
+      <p:pic>
+        <p:nvPicPr>
+          <p:cNvPr id="4" name="Picture 3">
+            <a:extLst>
+              <a:ext uri="{FF2B5EF4-FFF2-40B4-BE49-F238E27FC236}">
+                <a16:creationId xmlns:a16="http://schemas.microsoft.com/office/drawing/2014/main" id="{5CE926DA-DD52-4B6E-81C7-835E746732E6}"/>
+              </a:ext>
+            </a:extLst>
+          </p:cNvPr>
+          <p:cNvPicPr>
+            <a:picLocks noChangeAspect="1"/>
+          </p:cNvPicPr>
+          <p:nvPr/>
+        </p:nvPicPr>
+        <p:blipFill>
+          <a:blip r:embed="rId3"/>
+          <a:stretch>
+            <a:fillRect/>
+          </a:stretch>
+        </p:blipFill>
+        <p:spPr>
+          <a:xfrm>
+            <a:off x="5850294" y="454025"/>
+            <a:ext cx="5410200" cy="6038850"/>
+          </a:xfrm>
+          <a:prstGeom prst="rect">
+            <a:avLst/>
+          </a:prstGeom>
+        </p:spPr>
+      </p:pic>
+    </p:spTree>
+    <p:extLst>
+      <p:ext uri="{BB962C8B-B14F-4D97-AF65-F5344CB8AC3E}">
+        <p14:creationId xmlns:p14="http://schemas.microsoft.com/office/powerpoint/2010/main" val="4028131206"/>
+      </p:ext>
+    </p:extLst>
+  </p:cSld>
+  <p:clrMapOvr>
+    <a:masterClrMapping/>
+  </p:clrMapOvr>
+</p:sld>
+</file>
+
+<file path=ppt/slides/slide15.xml><?xml version="1.0" encoding="utf-8"?>
+<p:sld xmlns:a="http://schemas.openxmlformats.org/drawingml/2006/main" xmlns:r="http://schemas.openxmlformats.org/officeDocument/2006/relationships" xmlns:p="http://schemas.openxmlformats.org/presentationml/2006/main">
+  <p:cSld>
+    <p:spTree>
+      <p:nvGrpSpPr>
+        <p:cNvPr id="1" name=""/>
+        <p:cNvGrpSpPr/>
+        <p:nvPr/>
+      </p:nvGrpSpPr>
+      <p:grpSpPr>
+        <a:xfrm>
+          <a:off x="0" y="0"/>
+          <a:ext cx="0" cy="0"/>
+          <a:chOff x="0" y="0"/>
+          <a:chExt cx="0" cy="0"/>
+        </a:xfrm>
+      </p:grpSpPr>
+      <p:sp>
+        <p:nvSpPr>
           <p:cNvPr id="4" name="Title 3">
             <a:extLst>
               <a:ext uri="{FF2B5EF4-FFF2-40B4-BE49-F238E27FC236}">
@@ -10671,7 +11385,7 @@
         </p:nvGraphicFramePr>
         <p:xfrm>
           <a:off x="604433" y="1336516"/>
-          <a:ext cx="7599999" cy="5174319"/>
+          <a:ext cx="7599999" cy="5148173"/>
         </p:xfrm>
         <a:graphic>
           <a:graphicData uri="http://schemas.openxmlformats.org/drawingml/2006/table">
@@ -14068,20 +14782,20 @@
 </file>
 
 <file path=customXml/item2.xml><?xml version="1.0" encoding="utf-8"?>
-<p:properties xmlns:p="http://schemas.microsoft.com/office/2006/metadata/properties" xmlns:xsi="http://www.w3.org/2001/XMLSchema-instance" xmlns:pc="http://schemas.microsoft.com/office/infopath/2007/PartnerControls">
-  <documentManagement>
-    <MediaServiceKeyPoints xmlns="bde044f1-5e4a-4dea-a09f-2a68cc3168a6" xsi:nil="true"/>
-  </documentManagement>
-</p:properties>
-</file>
-
-<file path=customXml/item3.xml><?xml version="1.0" encoding="utf-8"?>
 <?mso-contentType ?>
 <FormTemplates xmlns="http://schemas.microsoft.com/sharepoint/v3/contenttype/forms">
   <Display>DocumentLibraryForm</Display>
   <Edit>DocumentLibraryForm</Edit>
   <New>DocumentLibraryForm</New>
 </FormTemplates>
+</file>
+
+<file path=customXml/item3.xml><?xml version="1.0" encoding="utf-8"?>
+<p:properties xmlns:p="http://schemas.microsoft.com/office/2006/metadata/properties" xmlns:xsi="http://www.w3.org/2001/XMLSchema-instance" xmlns:pc="http://schemas.microsoft.com/office/infopath/2007/PartnerControls">
+  <documentManagement>
+    <MediaServiceKeyPoints xmlns="bde044f1-5e4a-4dea-a09f-2a68cc3168a6" xsi:nil="true"/>
+  </documentManagement>
+</p:properties>
 </file>
 
 <file path=customXml/itemProps1.xml><?xml version="1.0" encoding="utf-8"?>
@@ -14103,6 +14817,14 @@
 </file>
 
 <file path=customXml/itemProps2.xml><?xml version="1.0" encoding="utf-8"?>
+<ds:datastoreItem xmlns:ds="http://schemas.openxmlformats.org/officeDocument/2006/customXml" ds:itemID="{F7126FF7-C1F4-4C68-B9E0-A1BEBFA97A78}">
+  <ds:schemaRefs>
+    <ds:schemaRef ds:uri="http://schemas.microsoft.com/sharepoint/v3/contenttype/forms"/>
+  </ds:schemaRefs>
+</ds:datastoreItem>
+</file>
+
+<file path=customXml/itemProps3.xml><?xml version="1.0" encoding="utf-8"?>
 <ds:datastoreItem xmlns:ds="http://schemas.openxmlformats.org/officeDocument/2006/customXml" ds:itemID="{C3774A73-0280-47B7-9E46-5069D2220801}">
   <ds:schemaRefs>
     <ds:schemaRef ds:uri="http://schemas.microsoft.com/office/2006/metadata/properties"/>
@@ -14110,12 +14832,4 @@
     <ds:schemaRef ds:uri="bde044f1-5e4a-4dea-a09f-2a68cc3168a6"/>
   </ds:schemaRefs>
 </ds:datastoreItem>
-</file>
-
-<file path=customXml/itemProps3.xml><?xml version="1.0" encoding="utf-8"?>
-<ds:datastoreItem xmlns:ds="http://schemas.openxmlformats.org/officeDocument/2006/customXml" ds:itemID="{F7126FF7-C1F4-4C68-B9E0-A1BEBFA97A78}">
-  <ds:schemaRefs>
-    <ds:schemaRef ds:uri="http://schemas.microsoft.com/sharepoint/v3/contenttype/forms"/>
-  </ds:schemaRefs>
-</ds:datastoreItem>
 </file>